--- a/第11章 指针的高级应用/第11章 指针的高级应用.pptx
+++ b/第11章 指针的高级应用/第11章 指针的高级应用.pptx
@@ -2,11 +2,43 @@
 <file path=ppt/presentation.xml><?xml version="1.0" encoding="utf-8"?>
 <p:presentation xmlns:a="http://schemas.openxmlformats.org/drawingml/2006/main" xmlns:r="http://schemas.openxmlformats.org/officeDocument/2006/relationships" xmlns:p="http://schemas.openxmlformats.org/presentationml/2006/main" saveSubsetFonts="1">
   <p:sldMasterIdLst>
-    <p:sldMasterId id="2147483648" r:id="rId1"/>
+    <p:sldMasterId id="2147483660" r:id="rId1"/>
   </p:sldMasterIdLst>
   <p:sldIdLst>
     <p:sldId id="256" r:id="rId2"/>
     <p:sldId id="257" r:id="rId3"/>
+    <p:sldId id="258" r:id="rId4"/>
+    <p:sldId id="259" r:id="rId5"/>
+    <p:sldId id="260" r:id="rId6"/>
+    <p:sldId id="261" r:id="rId7"/>
+    <p:sldId id="262" r:id="rId8"/>
+    <p:sldId id="263" r:id="rId9"/>
+    <p:sldId id="264" r:id="rId10"/>
+    <p:sldId id="265" r:id="rId11"/>
+    <p:sldId id="266" r:id="rId12"/>
+    <p:sldId id="267" r:id="rId13"/>
+    <p:sldId id="268" r:id="rId14"/>
+    <p:sldId id="269" r:id="rId15"/>
+    <p:sldId id="270" r:id="rId16"/>
+    <p:sldId id="271" r:id="rId17"/>
+    <p:sldId id="272" r:id="rId18"/>
+    <p:sldId id="273" r:id="rId19"/>
+    <p:sldId id="274" r:id="rId20"/>
+    <p:sldId id="275" r:id="rId21"/>
+    <p:sldId id="276" r:id="rId22"/>
+    <p:sldId id="277" r:id="rId23"/>
+    <p:sldId id="278" r:id="rId24"/>
+    <p:sldId id="279" r:id="rId25"/>
+    <p:sldId id="280" r:id="rId26"/>
+    <p:sldId id="281" r:id="rId27"/>
+    <p:sldId id="282" r:id="rId28"/>
+    <p:sldId id="283" r:id="rId29"/>
+    <p:sldId id="284" r:id="rId30"/>
+    <p:sldId id="285" r:id="rId31"/>
+    <p:sldId id="286" r:id="rId32"/>
+    <p:sldId id="287" r:id="rId33"/>
+    <p:sldId id="288" r:id="rId34"/>
+    <p:sldId id="289" r:id="rId35"/>
   </p:sldIdLst>
   <p:sldSz cx="9144000" cy="5143500" type="screen16x9"/>
   <p:notesSz cx="6858000" cy="9144000"/>
@@ -111,6 +143,11 @@
 <file path=ppt/slideLayouts/slideLayout1.xml><?xml version="1.0" encoding="utf-8"?>
 <p:sldLayout xmlns:a="http://schemas.openxmlformats.org/drawingml/2006/main" xmlns:r="http://schemas.openxmlformats.org/officeDocument/2006/relationships" xmlns:p="http://schemas.openxmlformats.org/presentationml/2006/main" type="title" preserve="1">
   <p:cSld name="标题幻灯片">
+    <p:bg>
+      <p:bgRef idx="1003">
+        <a:schemeClr val="bg2"/>
+      </p:bgRef>
+    </p:bg>
     <p:spTree>
       <p:nvGrpSpPr>
         <p:cNvPr id="1" name=""/>
@@ -125,31 +162,69 @@
           <a:chExt cx="0" cy="0"/>
         </a:xfrm>
       </p:grpSpPr>
-      <p:sp>
-        <p:nvSpPr>
-          <p:cNvPr id="2" name="标题 1"/>
-          <p:cNvSpPr>
-            <a:spLocks noGrp="1"/>
-          </p:cNvSpPr>
-          <p:nvPr>
-            <p:ph type="ctrTitle"/>
-          </p:nvPr>
-        </p:nvSpPr>
+      <p:pic>
+        <p:nvPicPr>
+          <p:cNvPr id="9" name="图片 8"/>
+          <p:cNvPicPr>
+            <a:picLocks noChangeAspect="1"/>
+          </p:cNvPicPr>
+          <p:nvPr/>
+        </p:nvPicPr>
+        <p:blipFill>
+          <a:blip r:embed="rId2">
+            <a:duotone>
+              <a:schemeClr val="bg2"/>
+              <a:srgbClr val="FFF1C1"/>
+            </a:duotone>
+            <a:lum bright="-10000" contrast="-40000"/>
+          </a:blip>
+          <a:stretch>
+            <a:fillRect/>
+          </a:stretch>
+        </p:blipFill>
         <p:spPr>
           <a:xfrm>
-            <a:off x="685800" y="1597819"/>
+            <a:off x="2" y="3911212"/>
+            <a:ext cx="1472173" cy="1232288"/>
+          </a:xfrm>
+          <a:prstGeom prst="rect">
+            <a:avLst/>
+          </a:prstGeom>
+          <a:noFill/>
+          <a:ln>
+            <a:noFill/>
+          </a:ln>
+        </p:spPr>
+      </p:pic>
+      <p:sp>
+        <p:nvSpPr>
+          <p:cNvPr id="2" name="标题 1"/>
+          <p:cNvSpPr>
+            <a:spLocks noGrp="1"/>
+          </p:cNvSpPr>
+          <p:nvPr>
+            <p:ph type="ctrTitle"/>
+          </p:nvPr>
+        </p:nvSpPr>
+        <p:spPr>
+          <a:xfrm>
+            <a:off x="685800" y="910817"/>
             <a:ext cx="7772400" cy="1102519"/>
           </a:xfrm>
         </p:spPr>
         <p:txBody>
           <a:bodyPr/>
-          <a:lstStyle/>
-          <a:p>
-            <a:r>
-              <a:rPr lang="zh-CN" altLang="en-US" smtClean="0"/>
+          <a:lstStyle>
+            <a:lvl1pPr algn="ctr">
+              <a:defRPr sz="4800"/>
+            </a:lvl1pPr>
+          </a:lstStyle>
+          <a:p>
+            <a:r>
+              <a:rPr kumimoji="0" lang="zh-CN" altLang="en-US" smtClean="0"/>
               <a:t>单击此处编辑母版标题样式</a:t>
             </a:r>
-            <a:endParaRPr lang="zh-CN" altLang="en-US"/>
+            <a:endParaRPr kumimoji="0" lang="en-US"/>
           </a:p>
         </p:txBody>
       </p:sp>
@@ -165,21 +240,17 @@
         </p:nvSpPr>
         <p:spPr>
           <a:xfrm>
-            <a:off x="1371600" y="2914650"/>
-            <a:ext cx="6400800" cy="1314450"/>
+            <a:off x="1521733" y="2069686"/>
+            <a:ext cx="6100534" cy="1305742"/>
           </a:xfrm>
         </p:spPr>
         <p:txBody>
-          <a:bodyPr/>
+          <a:bodyPr anchor="t"/>
           <a:lstStyle>
             <a:lvl1pPr marL="0" indent="0" algn="ctr">
               <a:buNone/>
-              <a:defRPr>
-                <a:solidFill>
-                  <a:schemeClr val="tx1">
-                    <a:tint val="75000"/>
-                  </a:schemeClr>
-                </a:solidFill>
+              <a:defRPr lang="zh-CN" altLang="en-US" dirty="0">
+                <a:effectLst/>
               </a:defRPr>
             </a:lvl1pPr>
             <a:lvl2pPr marL="457200" indent="0" algn="ctr">
@@ -265,10 +336,10 @@
           </a:lstStyle>
           <a:p>
             <a:r>
-              <a:rPr lang="zh-CN" altLang="en-US" smtClean="0"/>
+              <a:rPr kumimoji="0" lang="zh-CN" altLang="en-US" smtClean="0"/>
               <a:t>单击此处编辑母版副标题样式</a:t>
             </a:r>
-            <a:endParaRPr lang="zh-CN" altLang="en-US"/>
+            <a:endParaRPr kumimoji="0" lang="en-US"/>
           </a:p>
         </p:txBody>
       </p:sp>
@@ -289,7 +360,7 @@
           <a:p>
             <a:fld id="{530820CF-B880-4189-942D-D702A7CBA730}" type="datetimeFigureOut">
               <a:rPr lang="zh-CN" altLang="en-US" smtClean="0"/>
-              <a:t>2018/1/30</a:t>
+              <a:t>2018/6/7</a:t>
             </a:fld>
             <a:endParaRPr lang="zh-CN" altLang="en-US"/>
           </a:p>
@@ -340,7 +411,7 @@
     </p:spTree>
   </p:cSld>
   <p:clrMapOvr>
-    <a:masterClrMapping/>
+    <a:overrideClrMapping bg1="dk1" tx1="lt1" bg2="dk2" tx2="lt2" accent1="accent1" accent2="accent2" accent3="accent3" accent4="accent4" accent5="accent5" accent6="accent6" hlink="hlink" folHlink="folHlink"/>
   </p:clrMapOvr>
 </p:sldLayout>
 </file>
@@ -364,6 +435,54 @@
       </p:grpSpPr>
       <p:sp>
         <p:nvSpPr>
+          <p:cNvPr id="7" name="矩形 6"/>
+          <p:cNvSpPr/>
+          <p:nvPr/>
+        </p:nvSpPr>
+        <p:spPr>
+          <a:xfrm>
+            <a:off x="0" y="0"/>
+            <a:ext cx="669600" cy="5143500"/>
+          </a:xfrm>
+          <a:prstGeom prst="rect">
+            <a:avLst/>
+          </a:prstGeom>
+          <a:blipFill>
+            <a:blip r:embed="rId2">
+              <a:alphaModFix amt="40000"/>
+            </a:blip>
+            <a:tile tx="0" ty="0" sx="50000" sy="50000" flip="x" algn="tl"/>
+          </a:blipFill>
+          <a:ln w="25400" cap="rnd" cmpd="sng" algn="ctr">
+            <a:noFill/>
+            <a:prstDash val="solid"/>
+          </a:ln>
+        </p:spPr>
+        <p:style>
+          <a:lnRef idx="2">
+            <a:schemeClr val="accent1"/>
+          </a:lnRef>
+          <a:fillRef idx="1">
+            <a:schemeClr val="accent1"/>
+          </a:fillRef>
+          <a:effectRef idx="0">
+            <a:schemeClr val="accent1"/>
+          </a:effectRef>
+          <a:fontRef idx="minor">
+            <a:schemeClr val="lt1"/>
+          </a:fontRef>
+        </p:style>
+        <p:txBody>
+          <a:bodyPr rtlCol="0" anchor="ctr"/>
+          <a:lstStyle/>
+          <a:p>
+            <a:pPr algn="ctr" eaLnBrk="1" latinLnBrk="0" hangingPunct="1"/>
+            <a:endParaRPr kumimoji="0" lang="zh-CN" altLang="en-US"/>
+          </a:p>
+        </p:txBody>
+      </p:sp>
+      <p:sp>
+        <p:nvSpPr>
           <p:cNvPr id="2" name="标题 1"/>
           <p:cNvSpPr>
             <a:spLocks noGrp="1"/>
@@ -375,13 +494,17 @@
         <p:spPr/>
         <p:txBody>
           <a:bodyPr/>
-          <a:lstStyle/>
-          <a:p>
-            <a:r>
-              <a:rPr lang="zh-CN" altLang="en-US" smtClean="0"/>
+          <a:lstStyle>
+            <a:lvl1pPr algn="r">
+              <a:defRPr/>
+            </a:lvl1pPr>
+          </a:lstStyle>
+          <a:p>
+            <a:r>
+              <a:rPr kumimoji="0" lang="zh-CN" altLang="en-US" smtClean="0"/>
               <a:t>单击此处编辑母版标题样式</a:t>
             </a:r>
-            <a:endParaRPr lang="zh-CN" altLang="en-US"/>
+            <a:endParaRPr kumimoji="0" lang="en-US"/>
           </a:p>
         </p:txBody>
       </p:sp>
@@ -395,45 +518,50 @@
             <p:ph type="body" orient="vert" idx="1"/>
           </p:nvPr>
         </p:nvSpPr>
-        <p:spPr/>
+        <p:spPr>
+          <a:xfrm>
+            <a:off x="457200" y="1125133"/>
+            <a:ext cx="8229600" cy="3536180"/>
+          </a:xfrm>
+        </p:spPr>
         <p:txBody>
           <a:bodyPr vert="eaVert"/>
           <a:lstStyle/>
           <a:p>
-            <a:pPr lvl="0"/>
+            <a:pPr lvl="0" eaLnBrk="1" latinLnBrk="0" hangingPunct="1"/>
             <a:r>
               <a:rPr lang="zh-CN" altLang="en-US" smtClean="0"/>
               <a:t>单击此处编辑母版文本样式</a:t>
             </a:r>
           </a:p>
           <a:p>
-            <a:pPr lvl="1"/>
+            <a:pPr lvl="1" eaLnBrk="1" latinLnBrk="0" hangingPunct="1"/>
             <a:r>
               <a:rPr lang="zh-CN" altLang="en-US" smtClean="0"/>
               <a:t>第二级</a:t>
             </a:r>
           </a:p>
           <a:p>
-            <a:pPr lvl="2"/>
+            <a:pPr lvl="2" eaLnBrk="1" latinLnBrk="0" hangingPunct="1"/>
             <a:r>
               <a:rPr lang="zh-CN" altLang="en-US" smtClean="0"/>
               <a:t>第三级</a:t>
             </a:r>
           </a:p>
           <a:p>
-            <a:pPr lvl="3"/>
+            <a:pPr lvl="3" eaLnBrk="1" latinLnBrk="0" hangingPunct="1"/>
             <a:r>
               <a:rPr lang="zh-CN" altLang="en-US" smtClean="0"/>
               <a:t>第四级</a:t>
             </a:r>
           </a:p>
           <a:p>
-            <a:pPr lvl="4"/>
+            <a:pPr lvl="4" eaLnBrk="1" latinLnBrk="0" hangingPunct="1"/>
             <a:r>
               <a:rPr lang="zh-CN" altLang="en-US" smtClean="0"/>
               <a:t>第五级</a:t>
             </a:r>
-            <a:endParaRPr lang="zh-CN" altLang="en-US"/>
+            <a:endParaRPr kumimoji="0" lang="en-US"/>
           </a:p>
         </p:txBody>
       </p:sp>
@@ -454,7 +582,7 @@
           <a:p>
             <a:fld id="{530820CF-B880-4189-942D-D702A7CBA730}" type="datetimeFigureOut">
               <a:rPr lang="zh-CN" altLang="en-US" smtClean="0"/>
-              <a:t>2018/1/30</a:t>
+              <a:t>2018/6/7</a:t>
             </a:fld>
             <a:endParaRPr lang="zh-CN" altLang="en-US"/>
           </a:p>
@@ -502,6 +630,39 @@
           </a:p>
         </p:txBody>
       </p:sp>
+      <p:pic>
+        <p:nvPicPr>
+          <p:cNvPr id="8" name="图片 7"/>
+          <p:cNvPicPr>
+            <a:picLocks noChangeAspect="1"/>
+          </p:cNvPicPr>
+          <p:nvPr/>
+        </p:nvPicPr>
+        <p:blipFill>
+          <a:blip r:embed="rId3">
+            <a:duotone>
+              <a:schemeClr val="bg2"/>
+              <a:srgbClr val="FFF1C1"/>
+            </a:duotone>
+          </a:blip>
+          <a:stretch>
+            <a:fillRect/>
+          </a:stretch>
+        </p:blipFill>
+        <p:spPr>
+          <a:xfrm>
+            <a:off x="8135908" y="0"/>
+            <a:ext cx="1008093" cy="1071552"/>
+          </a:xfrm>
+          <a:prstGeom prst="rect">
+            <a:avLst/>
+          </a:prstGeom>
+          <a:noFill/>
+          <a:ln>
+            <a:noFill/>
+          </a:ln>
+        </p:spPr>
+      </p:pic>
     </p:spTree>
   </p:cSld>
   <p:clrMapOvr>
@@ -529,29 +690,89 @@
       </p:grpSpPr>
       <p:sp>
         <p:nvSpPr>
-          <p:cNvPr id="2" name="竖排标题 1"/>
-          <p:cNvSpPr>
-            <a:spLocks noGrp="1"/>
-          </p:cNvSpPr>
-          <p:nvPr>
-            <p:ph type="title" orient="vert"/>
-          </p:nvPr>
+          <p:cNvPr id="7" name="矩形 6"/>
+          <p:cNvSpPr/>
+          <p:nvPr/>
         </p:nvSpPr>
         <p:spPr>
           <a:xfrm>
-            <a:off x="6629400" y="205979"/>
-            <a:ext cx="2057400" cy="4388644"/>
+            <a:off x="0" y="0"/>
+            <a:ext cx="669600" cy="5143500"/>
+          </a:xfrm>
+          <a:prstGeom prst="rect">
+            <a:avLst/>
+          </a:prstGeom>
+          <a:blipFill>
+            <a:blip r:embed="rId2">
+              <a:alphaModFix amt="40000"/>
+            </a:blip>
+            <a:tile tx="0" ty="0" sx="50000" sy="50000" flip="x" algn="tl"/>
+          </a:blipFill>
+          <a:ln w="25400" cap="rnd" cmpd="sng" algn="ctr">
+            <a:noFill/>
+            <a:prstDash val="solid"/>
+          </a:ln>
+        </p:spPr>
+        <p:style>
+          <a:lnRef idx="2">
+            <a:schemeClr val="accent1"/>
+          </a:lnRef>
+          <a:fillRef idx="1">
+            <a:schemeClr val="accent1"/>
+          </a:fillRef>
+          <a:effectRef idx="0">
+            <a:schemeClr val="accent1"/>
+          </a:effectRef>
+          <a:fontRef idx="minor">
+            <a:schemeClr val="lt1"/>
+          </a:fontRef>
+        </p:style>
+        <p:txBody>
+          <a:bodyPr rtlCol="0" anchor="ctr"/>
+          <a:lstStyle/>
+          <a:p>
+            <a:pPr algn="ctr" eaLnBrk="1" latinLnBrk="0" hangingPunct="1"/>
+            <a:endParaRPr kumimoji="0" lang="zh-CN" altLang="en-US"/>
+          </a:p>
+        </p:txBody>
+      </p:sp>
+      <p:sp>
+        <p:nvSpPr>
+          <p:cNvPr id="2" name="竖排标题 1"/>
+          <p:cNvSpPr>
+            <a:spLocks noGrp="1"/>
+          </p:cNvSpPr>
+          <p:nvPr>
+            <p:ph type="title" orient="vert"/>
+          </p:nvPr>
+        </p:nvSpPr>
+        <p:spPr>
+          <a:xfrm>
+            <a:off x="7286644" y="205979"/>
+            <a:ext cx="1400156" cy="4455333"/>
           </a:xfrm>
         </p:spPr>
         <p:txBody>
           <a:bodyPr vert="eaVert"/>
-          <a:lstStyle/>
-          <a:p>
-            <a:r>
-              <a:rPr lang="zh-CN" altLang="en-US" smtClean="0"/>
+          <a:lstStyle>
+            <a:lvl1pPr algn="ctr">
+              <a:defRPr>
+                <a:effectLst>
+                  <a:outerShdw dist="50800" dir="18900000" algn="tl" rotWithShape="0">
+                    <a:srgbClr val="000000">
+                      <a:alpha val="75000"/>
+                    </a:srgbClr>
+                  </a:outerShdw>
+                </a:effectLst>
+              </a:defRPr>
+            </a:lvl1pPr>
+          </a:lstStyle>
+          <a:p>
+            <a:r>
+              <a:rPr kumimoji="0" lang="zh-CN" altLang="en-US" smtClean="0"/>
               <a:t>单击此处编辑母版标题样式</a:t>
             </a:r>
-            <a:endParaRPr lang="zh-CN" altLang="en-US"/>
+            <a:endParaRPr kumimoji="0" lang="en-US"/>
           </a:p>
         </p:txBody>
       </p:sp>
@@ -568,47 +789,47 @@
         <p:spPr>
           <a:xfrm>
             <a:off x="457200" y="205979"/>
-            <a:ext cx="6019800" cy="4388644"/>
+            <a:ext cx="6758006" cy="4455333"/>
           </a:xfrm>
         </p:spPr>
         <p:txBody>
           <a:bodyPr vert="eaVert"/>
           <a:lstStyle/>
           <a:p>
-            <a:pPr lvl="0"/>
+            <a:pPr lvl="0" eaLnBrk="1" latinLnBrk="0" hangingPunct="1"/>
             <a:r>
               <a:rPr lang="zh-CN" altLang="en-US" smtClean="0"/>
               <a:t>单击此处编辑母版文本样式</a:t>
             </a:r>
           </a:p>
           <a:p>
-            <a:pPr lvl="1"/>
+            <a:pPr lvl="1" eaLnBrk="1" latinLnBrk="0" hangingPunct="1"/>
             <a:r>
               <a:rPr lang="zh-CN" altLang="en-US" smtClean="0"/>
               <a:t>第二级</a:t>
             </a:r>
           </a:p>
           <a:p>
-            <a:pPr lvl="2"/>
+            <a:pPr lvl="2" eaLnBrk="1" latinLnBrk="0" hangingPunct="1"/>
             <a:r>
               <a:rPr lang="zh-CN" altLang="en-US" smtClean="0"/>
               <a:t>第三级</a:t>
             </a:r>
           </a:p>
           <a:p>
-            <a:pPr lvl="3"/>
+            <a:pPr lvl="3" eaLnBrk="1" latinLnBrk="0" hangingPunct="1"/>
             <a:r>
               <a:rPr lang="zh-CN" altLang="en-US" smtClean="0"/>
               <a:t>第四级</a:t>
             </a:r>
           </a:p>
           <a:p>
-            <a:pPr lvl="4"/>
+            <a:pPr lvl="4" eaLnBrk="1" latinLnBrk="0" hangingPunct="1"/>
             <a:r>
               <a:rPr lang="zh-CN" altLang="en-US" smtClean="0"/>
               <a:t>第五级</a:t>
             </a:r>
-            <a:endParaRPr lang="zh-CN" altLang="en-US"/>
+            <a:endParaRPr kumimoji="0" lang="en-US"/>
           </a:p>
         </p:txBody>
       </p:sp>
@@ -629,7 +850,7 @@
           <a:p>
             <a:fld id="{530820CF-B880-4189-942D-D702A7CBA730}" type="datetimeFigureOut">
               <a:rPr lang="zh-CN" altLang="en-US" smtClean="0"/>
-              <a:t>2018/1/30</a:t>
+              <a:t>2018/6/7</a:t>
             </a:fld>
             <a:endParaRPr lang="zh-CN" altLang="en-US"/>
           </a:p>
@@ -677,6 +898,39 @@
           </a:p>
         </p:txBody>
       </p:sp>
+      <p:pic>
+        <p:nvPicPr>
+          <p:cNvPr id="8" name="图片 7"/>
+          <p:cNvPicPr>
+            <a:picLocks noChangeAspect="1"/>
+          </p:cNvPicPr>
+          <p:nvPr/>
+        </p:nvPicPr>
+        <p:blipFill>
+          <a:blip r:embed="rId3">
+            <a:duotone>
+              <a:schemeClr val="bg2"/>
+              <a:srgbClr val="FFF1C1"/>
+            </a:duotone>
+          </a:blip>
+          <a:stretch>
+            <a:fillRect/>
+          </a:stretch>
+        </p:blipFill>
+        <p:spPr>
+          <a:xfrm>
+            <a:off x="8135908" y="0"/>
+            <a:ext cx="1008093" cy="1071552"/>
+          </a:xfrm>
+          <a:prstGeom prst="rect">
+            <a:avLst/>
+          </a:prstGeom>
+          <a:noFill/>
+          <a:ln>
+            <a:noFill/>
+          </a:ln>
+        </p:spPr>
+      </p:pic>
     </p:spTree>
   </p:cSld>
   <p:clrMapOvr>
@@ -704,6 +958,54 @@
       </p:grpSpPr>
       <p:sp>
         <p:nvSpPr>
+          <p:cNvPr id="7" name="矩形 6"/>
+          <p:cNvSpPr/>
+          <p:nvPr/>
+        </p:nvSpPr>
+        <p:spPr>
+          <a:xfrm>
+            <a:off x="0" y="0"/>
+            <a:ext cx="669600" cy="5143500"/>
+          </a:xfrm>
+          <a:prstGeom prst="rect">
+            <a:avLst/>
+          </a:prstGeom>
+          <a:blipFill>
+            <a:blip r:embed="rId2">
+              <a:alphaModFix amt="40000"/>
+            </a:blip>
+            <a:tile tx="0" ty="0" sx="50000" sy="50000" flip="x" algn="tl"/>
+          </a:blipFill>
+          <a:ln w="25400" cap="rnd" cmpd="sng" algn="ctr">
+            <a:noFill/>
+            <a:prstDash val="solid"/>
+          </a:ln>
+        </p:spPr>
+        <p:style>
+          <a:lnRef idx="2">
+            <a:schemeClr val="accent1"/>
+          </a:lnRef>
+          <a:fillRef idx="1">
+            <a:schemeClr val="accent1"/>
+          </a:fillRef>
+          <a:effectRef idx="0">
+            <a:schemeClr val="accent1"/>
+          </a:effectRef>
+          <a:fontRef idx="minor">
+            <a:schemeClr val="lt1"/>
+          </a:fontRef>
+        </p:style>
+        <p:txBody>
+          <a:bodyPr rtlCol="0" anchor="ctr"/>
+          <a:lstStyle/>
+          <a:p>
+            <a:pPr algn="ctr" eaLnBrk="1" latinLnBrk="0" hangingPunct="1"/>
+            <a:endParaRPr kumimoji="0" lang="zh-CN" altLang="en-US"/>
+          </a:p>
+        </p:txBody>
+      </p:sp>
+      <p:sp>
+        <p:nvSpPr>
           <p:cNvPr id="2" name="标题 1"/>
           <p:cNvSpPr>
             <a:spLocks noGrp="1"/>
@@ -715,13 +1017,17 @@
         <p:spPr/>
         <p:txBody>
           <a:bodyPr/>
-          <a:lstStyle/>
-          <a:p>
-            <a:r>
-              <a:rPr lang="zh-CN" altLang="en-US" smtClean="0"/>
+          <a:lstStyle>
+            <a:lvl1pPr algn="l">
+              <a:defRPr/>
+            </a:lvl1pPr>
+          </a:lstStyle>
+          <a:p>
+            <a:r>
+              <a:rPr kumimoji="0" lang="zh-CN" altLang="en-US" smtClean="0"/>
               <a:t>单击此处编辑母版标题样式</a:t>
             </a:r>
-            <a:endParaRPr lang="zh-CN" altLang="en-US"/>
+            <a:endParaRPr kumimoji="0" lang="en-US"/>
           </a:p>
         </p:txBody>
       </p:sp>
@@ -740,40 +1046,40 @@
           <a:bodyPr/>
           <a:lstStyle/>
           <a:p>
-            <a:pPr lvl="0"/>
+            <a:pPr lvl="0" eaLnBrk="1" latinLnBrk="0" hangingPunct="1"/>
             <a:r>
               <a:rPr lang="zh-CN" altLang="en-US" smtClean="0"/>
               <a:t>单击此处编辑母版文本样式</a:t>
             </a:r>
           </a:p>
           <a:p>
-            <a:pPr lvl="1"/>
+            <a:pPr lvl="1" eaLnBrk="1" latinLnBrk="0" hangingPunct="1"/>
             <a:r>
               <a:rPr lang="zh-CN" altLang="en-US" smtClean="0"/>
               <a:t>第二级</a:t>
             </a:r>
           </a:p>
           <a:p>
-            <a:pPr lvl="2"/>
+            <a:pPr lvl="2" eaLnBrk="1" latinLnBrk="0" hangingPunct="1"/>
             <a:r>
               <a:rPr lang="zh-CN" altLang="en-US" smtClean="0"/>
               <a:t>第三级</a:t>
             </a:r>
           </a:p>
           <a:p>
-            <a:pPr lvl="3"/>
+            <a:pPr lvl="3" eaLnBrk="1" latinLnBrk="0" hangingPunct="1"/>
             <a:r>
               <a:rPr lang="zh-CN" altLang="en-US" smtClean="0"/>
               <a:t>第四级</a:t>
             </a:r>
           </a:p>
           <a:p>
-            <a:pPr lvl="4"/>
+            <a:pPr lvl="4" eaLnBrk="1" latinLnBrk="0" hangingPunct="1"/>
             <a:r>
               <a:rPr lang="zh-CN" altLang="en-US" smtClean="0"/>
               <a:t>第五级</a:t>
             </a:r>
-            <a:endParaRPr lang="zh-CN" altLang="en-US"/>
+            <a:endParaRPr kumimoji="0" lang="en-US"/>
           </a:p>
         </p:txBody>
       </p:sp>
@@ -794,7 +1100,7 @@
           <a:p>
             <a:fld id="{530820CF-B880-4189-942D-D702A7CBA730}" type="datetimeFigureOut">
               <a:rPr lang="zh-CN" altLang="en-US" smtClean="0"/>
-              <a:t>2018/1/30</a:t>
+              <a:t>2018/6/7</a:t>
             </a:fld>
             <a:endParaRPr lang="zh-CN" altLang="en-US"/>
           </a:p>
@@ -842,6 +1148,39 @@
           </a:p>
         </p:txBody>
       </p:sp>
+      <p:pic>
+        <p:nvPicPr>
+          <p:cNvPr id="8" name="图片 7"/>
+          <p:cNvPicPr>
+            <a:picLocks noChangeAspect="1"/>
+          </p:cNvPicPr>
+          <p:nvPr/>
+        </p:nvPicPr>
+        <p:blipFill>
+          <a:blip r:embed="rId3">
+            <a:duotone>
+              <a:schemeClr val="bg2"/>
+              <a:srgbClr val="FFF1C1"/>
+            </a:duotone>
+          </a:blip>
+          <a:stretch>
+            <a:fillRect/>
+          </a:stretch>
+        </p:blipFill>
+        <p:spPr>
+          <a:xfrm>
+            <a:off x="8135908" y="0"/>
+            <a:ext cx="1008093" cy="1071552"/>
+          </a:xfrm>
+          <a:prstGeom prst="rect">
+            <a:avLst/>
+          </a:prstGeom>
+          <a:noFill/>
+          <a:ln>
+            <a:noFill/>
+          </a:ln>
+        </p:spPr>
+      </p:pic>
     </p:spTree>
   </p:cSld>
   <p:clrMapOvr>
@@ -853,6 +1192,11 @@
 <file path=ppt/slideLayouts/slideLayout3.xml><?xml version="1.0" encoding="utf-8"?>
 <p:sldLayout xmlns:a="http://schemas.openxmlformats.org/drawingml/2006/main" xmlns:r="http://schemas.openxmlformats.org/officeDocument/2006/relationships" xmlns:p="http://schemas.openxmlformats.org/presentationml/2006/main" type="secHead" preserve="1">
   <p:cSld name="节标题">
+    <p:bg>
+      <p:bgRef idx="1003">
+        <a:schemeClr val="bg2"/>
+      </p:bgRef>
+    </p:bg>
     <p:spTree>
       <p:nvGrpSpPr>
         <p:cNvPr id="1" name=""/>
@@ -879,7 +1223,7 @@
         </p:nvSpPr>
         <p:spPr>
           <a:xfrm>
-            <a:off x="722313" y="3305176"/>
+            <a:off x="722313" y="3107527"/>
             <a:ext cx="7772400" cy="1021556"/>
           </a:xfrm>
         </p:spPr>
@@ -892,10 +1236,10 @@
           </a:lstStyle>
           <a:p>
             <a:r>
-              <a:rPr lang="zh-CN" altLang="en-US" smtClean="0"/>
+              <a:rPr kumimoji="0" lang="zh-CN" altLang="en-US" smtClean="0"/>
               <a:t>单击此处编辑母版标题样式</a:t>
             </a:r>
-            <a:endParaRPr lang="zh-CN" altLang="en-US"/>
+            <a:endParaRPr kumimoji="0" lang="en-US"/>
           </a:p>
         </p:txBody>
       </p:sp>
@@ -911,7 +1255,7 @@
         </p:nvSpPr>
         <p:spPr>
           <a:xfrm>
-            <a:off x="722313" y="2180035"/>
+            <a:off x="722313" y="1982387"/>
             <a:ext cx="7772400" cy="1125140"/>
           </a:xfrm>
         </p:spPr>
@@ -920,52 +1264,32 @@
           <a:lstStyle>
             <a:lvl1pPr marL="0" indent="0">
               <a:buNone/>
-              <a:defRPr sz="2000">
-                <a:solidFill>
-                  <a:schemeClr val="tx1">
-                    <a:tint val="75000"/>
-                  </a:schemeClr>
-                </a:solidFill>
+              <a:defRPr lang="zh-CN" altLang="en-US" sz="2800" smtClean="0">
+                <a:effectLst/>
               </a:defRPr>
             </a:lvl1pPr>
             <a:lvl2pPr marL="457200" indent="0">
               <a:buNone/>
-              <a:defRPr sz="1800">
-                <a:solidFill>
-                  <a:schemeClr val="tx1">
-                    <a:tint val="75000"/>
-                  </a:schemeClr>
-                </a:solidFill>
+              <a:defRPr lang="zh-CN" altLang="en-US" sz="2400" smtClean="0">
+                <a:effectLst/>
               </a:defRPr>
             </a:lvl2pPr>
             <a:lvl3pPr marL="914400" indent="0">
               <a:buNone/>
-              <a:defRPr sz="1600">
-                <a:solidFill>
-                  <a:schemeClr val="tx1">
-                    <a:tint val="75000"/>
-                  </a:schemeClr>
-                </a:solidFill>
+              <a:defRPr lang="zh-CN" altLang="en-US" sz="2000" smtClean="0">
+                <a:effectLst/>
               </a:defRPr>
             </a:lvl3pPr>
             <a:lvl4pPr marL="1371600" indent="0">
               <a:buNone/>
-              <a:defRPr sz="1400">
-                <a:solidFill>
-                  <a:schemeClr val="tx1">
-                    <a:tint val="75000"/>
-                  </a:schemeClr>
-                </a:solidFill>
+              <a:defRPr lang="zh-CN" altLang="en-US" sz="1600" smtClean="0">
+                <a:effectLst/>
               </a:defRPr>
             </a:lvl4pPr>
             <a:lvl5pPr marL="1828800" indent="0">
               <a:buNone/>
-              <a:defRPr sz="1400">
-                <a:solidFill>
-                  <a:schemeClr val="tx1">
-                    <a:tint val="75000"/>
-                  </a:schemeClr>
-                </a:solidFill>
+              <a:defRPr lang="zh-CN" altLang="en-US" sz="1400" dirty="0" smtClean="0">
+                <a:effectLst/>
               </a:defRPr>
             </a:lvl5pPr>
             <a:lvl6pPr marL="2286000" indent="0">
@@ -1010,9 +1334,9 @@
             </a:lvl9pPr>
           </a:lstStyle>
           <a:p>
-            <a:pPr lvl="0"/>
-            <a:r>
-              <a:rPr lang="zh-CN" altLang="en-US" smtClean="0"/>
+            <a:pPr lvl="0" eaLnBrk="1" latinLnBrk="0" hangingPunct="1"/>
+            <a:r>
+              <a:rPr kumimoji="0" lang="zh-CN" altLang="en-US" smtClean="0"/>
               <a:t>单击此处编辑母版文本样式</a:t>
             </a:r>
           </a:p>
@@ -1035,7 +1359,7 @@
           <a:p>
             <a:fld id="{530820CF-B880-4189-942D-D702A7CBA730}" type="datetimeFigureOut">
               <a:rPr lang="zh-CN" altLang="en-US" smtClean="0"/>
-              <a:t>2018/1/30</a:t>
+              <a:t>2018/6/7</a:t>
             </a:fld>
             <a:endParaRPr lang="zh-CN" altLang="en-US"/>
           </a:p>
@@ -1083,10 +1407,44 @@
           </a:p>
         </p:txBody>
       </p:sp>
+      <p:pic>
+        <p:nvPicPr>
+          <p:cNvPr id="7" name="图片 6"/>
+          <p:cNvPicPr>
+            <a:picLocks noChangeAspect="1"/>
+          </p:cNvPicPr>
+          <p:nvPr/>
+        </p:nvPicPr>
+        <p:blipFill>
+          <a:blip r:embed="rId2">
+            <a:duotone>
+              <a:schemeClr val="bg2"/>
+              <a:srgbClr val="FFF1C1"/>
+            </a:duotone>
+            <a:lum bright="-10000" contrast="-30000"/>
+          </a:blip>
+          <a:stretch>
+            <a:fillRect/>
+          </a:stretch>
+        </p:blipFill>
+        <p:spPr>
+          <a:xfrm>
+            <a:off x="7480636" y="0"/>
+            <a:ext cx="1663364" cy="1768073"/>
+          </a:xfrm>
+          <a:prstGeom prst="rect">
+            <a:avLst/>
+          </a:prstGeom>
+          <a:noFill/>
+          <a:ln>
+            <a:noFill/>
+          </a:ln>
+        </p:spPr>
+      </p:pic>
     </p:spTree>
   </p:cSld>
   <p:clrMapOvr>
-    <a:masterClrMapping/>
+    <a:overrideClrMapping bg1="dk1" tx1="lt1" bg2="dk2" tx2="lt2" accent1="accent1" accent2="accent2" accent3="accent3" accent4="accent4" accent5="accent5" accent6="accent6" hlink="hlink" folHlink="folHlink"/>
   </p:clrMapOvr>
 </p:sldLayout>
 </file>
@@ -1110,6 +1468,54 @@
       </p:grpSpPr>
       <p:sp>
         <p:nvSpPr>
+          <p:cNvPr id="8" name="矩形 7"/>
+          <p:cNvSpPr/>
+          <p:nvPr/>
+        </p:nvSpPr>
+        <p:spPr>
+          <a:xfrm>
+            <a:off x="0" y="0"/>
+            <a:ext cx="655200" cy="5143500"/>
+          </a:xfrm>
+          <a:prstGeom prst="rect">
+            <a:avLst/>
+          </a:prstGeom>
+          <a:blipFill>
+            <a:blip r:embed="rId2">
+              <a:alphaModFix amt="40000"/>
+            </a:blip>
+            <a:tile tx="0" ty="0" sx="50000" sy="50000" flip="x" algn="tl"/>
+          </a:blipFill>
+          <a:ln w="25400" cap="rnd" cmpd="sng" algn="ctr">
+            <a:noFill/>
+            <a:prstDash val="solid"/>
+          </a:ln>
+        </p:spPr>
+        <p:style>
+          <a:lnRef idx="2">
+            <a:schemeClr val="accent1"/>
+          </a:lnRef>
+          <a:fillRef idx="1">
+            <a:schemeClr val="accent1"/>
+          </a:fillRef>
+          <a:effectRef idx="0">
+            <a:schemeClr val="accent1"/>
+          </a:effectRef>
+          <a:fontRef idx="minor">
+            <a:schemeClr val="lt1"/>
+          </a:fontRef>
+        </p:style>
+        <p:txBody>
+          <a:bodyPr rtlCol="0" anchor="ctr"/>
+          <a:lstStyle/>
+          <a:p>
+            <a:pPr algn="ctr" eaLnBrk="1" latinLnBrk="0" hangingPunct="1"/>
+            <a:endParaRPr kumimoji="0" lang="zh-CN" altLang="en-US"/>
+          </a:p>
+        </p:txBody>
+      </p:sp>
+      <p:sp>
+        <p:nvSpPr>
           <p:cNvPr id="2" name="标题 1"/>
           <p:cNvSpPr>
             <a:spLocks noGrp="1"/>
@@ -1124,10 +1530,10 @@
           <a:lstStyle/>
           <a:p>
             <a:r>
-              <a:rPr lang="zh-CN" altLang="en-US" smtClean="0"/>
+              <a:rPr kumimoji="0" lang="zh-CN" altLang="en-US" smtClean="0"/>
               <a:t>单击此处编辑母版标题样式</a:t>
             </a:r>
-            <a:endParaRPr lang="zh-CN" altLang="en-US"/>
+            <a:endParaRPr kumimoji="0" lang="en-US"/>
           </a:p>
         </p:txBody>
       </p:sp>
@@ -1179,40 +1585,40 @@
             </a:lvl9pPr>
           </a:lstStyle>
           <a:p>
-            <a:pPr lvl="0"/>
+            <a:pPr lvl="0" eaLnBrk="1" latinLnBrk="0" hangingPunct="1"/>
             <a:r>
               <a:rPr lang="zh-CN" altLang="en-US" smtClean="0"/>
               <a:t>单击此处编辑母版文本样式</a:t>
             </a:r>
           </a:p>
           <a:p>
-            <a:pPr lvl="1"/>
+            <a:pPr lvl="1" eaLnBrk="1" latinLnBrk="0" hangingPunct="1"/>
             <a:r>
               <a:rPr lang="zh-CN" altLang="en-US" smtClean="0"/>
               <a:t>第二级</a:t>
             </a:r>
           </a:p>
           <a:p>
-            <a:pPr lvl="2"/>
+            <a:pPr lvl="2" eaLnBrk="1" latinLnBrk="0" hangingPunct="1"/>
             <a:r>
               <a:rPr lang="zh-CN" altLang="en-US" smtClean="0"/>
               <a:t>第三级</a:t>
             </a:r>
           </a:p>
           <a:p>
-            <a:pPr lvl="3"/>
+            <a:pPr lvl="3" eaLnBrk="1" latinLnBrk="0" hangingPunct="1"/>
             <a:r>
               <a:rPr lang="zh-CN" altLang="en-US" smtClean="0"/>
               <a:t>第四级</a:t>
             </a:r>
           </a:p>
           <a:p>
-            <a:pPr lvl="4"/>
+            <a:pPr lvl="4" eaLnBrk="1" latinLnBrk="0" hangingPunct="1"/>
             <a:r>
               <a:rPr lang="zh-CN" altLang="en-US" smtClean="0"/>
               <a:t>第五级</a:t>
             </a:r>
-            <a:endParaRPr lang="zh-CN" altLang="en-US"/>
+            <a:endParaRPr kumimoji="0" lang="en-US"/>
           </a:p>
         </p:txBody>
       </p:sp>
@@ -1264,40 +1670,40 @@
             </a:lvl9pPr>
           </a:lstStyle>
           <a:p>
-            <a:pPr lvl="0"/>
+            <a:pPr lvl="0" eaLnBrk="1" latinLnBrk="0" hangingPunct="1"/>
             <a:r>
               <a:rPr lang="zh-CN" altLang="en-US" smtClean="0"/>
               <a:t>单击此处编辑母版文本样式</a:t>
             </a:r>
           </a:p>
           <a:p>
-            <a:pPr lvl="1"/>
+            <a:pPr lvl="1" eaLnBrk="1" latinLnBrk="0" hangingPunct="1"/>
             <a:r>
               <a:rPr lang="zh-CN" altLang="en-US" smtClean="0"/>
               <a:t>第二级</a:t>
             </a:r>
           </a:p>
           <a:p>
-            <a:pPr lvl="2"/>
+            <a:pPr lvl="2" eaLnBrk="1" latinLnBrk="0" hangingPunct="1"/>
             <a:r>
               <a:rPr lang="zh-CN" altLang="en-US" smtClean="0"/>
               <a:t>第三级</a:t>
             </a:r>
           </a:p>
           <a:p>
-            <a:pPr lvl="3"/>
+            <a:pPr lvl="3" eaLnBrk="1" latinLnBrk="0" hangingPunct="1"/>
             <a:r>
               <a:rPr lang="zh-CN" altLang="en-US" smtClean="0"/>
               <a:t>第四级</a:t>
             </a:r>
           </a:p>
           <a:p>
-            <a:pPr lvl="4"/>
+            <a:pPr lvl="4" eaLnBrk="1" latinLnBrk="0" hangingPunct="1"/>
             <a:r>
               <a:rPr lang="zh-CN" altLang="en-US" smtClean="0"/>
               <a:t>第五级</a:t>
             </a:r>
-            <a:endParaRPr lang="zh-CN" altLang="en-US"/>
+            <a:endParaRPr kumimoji="0" lang="en-US"/>
           </a:p>
         </p:txBody>
       </p:sp>
@@ -1318,7 +1724,7 @@
           <a:p>
             <a:fld id="{530820CF-B880-4189-942D-D702A7CBA730}" type="datetimeFigureOut">
               <a:rPr lang="zh-CN" altLang="en-US" smtClean="0"/>
-              <a:t>2018/1/30</a:t>
+              <a:t>2018/6/7</a:t>
             </a:fld>
             <a:endParaRPr lang="zh-CN" altLang="en-US"/>
           </a:p>
@@ -1366,6 +1772,39 @@
           </a:p>
         </p:txBody>
       </p:sp>
+      <p:pic>
+        <p:nvPicPr>
+          <p:cNvPr id="9" name="图片 8"/>
+          <p:cNvPicPr>
+            <a:picLocks noChangeAspect="1"/>
+          </p:cNvPicPr>
+          <p:nvPr/>
+        </p:nvPicPr>
+        <p:blipFill>
+          <a:blip r:embed="rId3">
+            <a:duotone>
+              <a:schemeClr val="bg2"/>
+              <a:srgbClr val="FFF1C1"/>
+            </a:duotone>
+          </a:blip>
+          <a:stretch>
+            <a:fillRect/>
+          </a:stretch>
+        </p:blipFill>
+        <p:spPr>
+          <a:xfrm>
+            <a:off x="8135908" y="0"/>
+            <a:ext cx="1008093" cy="1071552"/>
+          </a:xfrm>
+          <a:prstGeom prst="rect">
+            <a:avLst/>
+          </a:prstGeom>
+          <a:noFill/>
+          <a:ln>
+            <a:noFill/>
+          </a:ln>
+        </p:spPr>
+      </p:pic>
     </p:spTree>
   </p:cSld>
   <p:clrMapOvr>
@@ -1393,6 +1832,54 @@
       </p:grpSpPr>
       <p:sp>
         <p:nvSpPr>
+          <p:cNvPr id="10" name="矩形 9"/>
+          <p:cNvSpPr/>
+          <p:nvPr/>
+        </p:nvSpPr>
+        <p:spPr>
+          <a:xfrm>
+            <a:off x="0" y="0"/>
+            <a:ext cx="640800" cy="5143500"/>
+          </a:xfrm>
+          <a:prstGeom prst="rect">
+            <a:avLst/>
+          </a:prstGeom>
+          <a:blipFill>
+            <a:blip r:embed="rId2">
+              <a:alphaModFix amt="40000"/>
+            </a:blip>
+            <a:tile tx="0" ty="0" sx="50000" sy="50000" flip="x" algn="tl"/>
+          </a:blipFill>
+          <a:ln w="25400" cap="rnd" cmpd="sng" algn="ctr">
+            <a:noFill/>
+            <a:prstDash val="solid"/>
+          </a:ln>
+        </p:spPr>
+        <p:style>
+          <a:lnRef idx="2">
+            <a:schemeClr val="accent1"/>
+          </a:lnRef>
+          <a:fillRef idx="1">
+            <a:schemeClr val="accent1"/>
+          </a:fillRef>
+          <a:effectRef idx="0">
+            <a:schemeClr val="accent1"/>
+          </a:effectRef>
+          <a:fontRef idx="minor">
+            <a:schemeClr val="lt1"/>
+          </a:fontRef>
+        </p:style>
+        <p:txBody>
+          <a:bodyPr rtlCol="0" anchor="ctr"/>
+          <a:lstStyle/>
+          <a:p>
+            <a:pPr algn="ctr" eaLnBrk="1" latinLnBrk="0" hangingPunct="1"/>
+            <a:endParaRPr kumimoji="0" lang="zh-CN" altLang="en-US"/>
+          </a:p>
+        </p:txBody>
+      </p:sp>
+      <p:sp>
+        <p:nvSpPr>
           <p:cNvPr id="2" name="标题 1"/>
           <p:cNvSpPr>
             <a:spLocks noGrp="1"/>
@@ -1411,10 +1898,10 @@
           </a:lstStyle>
           <a:p>
             <a:r>
-              <a:rPr lang="zh-CN" altLang="en-US" smtClean="0"/>
+              <a:rPr kumimoji="0" lang="zh-CN" altLang="en-US" smtClean="0"/>
               <a:t>单击此处编辑母版标题样式</a:t>
             </a:r>
-            <a:endParaRPr lang="zh-CN" altLang="en-US"/>
+            <a:endParaRPr kumimoji="0" lang="en-US"/>
           </a:p>
         </p:txBody>
       </p:sp>
@@ -1475,9 +1962,9 @@
             </a:lvl9pPr>
           </a:lstStyle>
           <a:p>
-            <a:pPr lvl="0"/>
-            <a:r>
-              <a:rPr lang="zh-CN" altLang="en-US" smtClean="0"/>
+            <a:pPr lvl="0" eaLnBrk="1" latinLnBrk="0" hangingPunct="1"/>
+            <a:r>
+              <a:rPr kumimoji="0" lang="zh-CN" altLang="en-US" smtClean="0"/>
               <a:t>单击此处编辑母版文本样式</a:t>
             </a:r>
           </a:p>
@@ -1531,40 +2018,40 @@
             </a:lvl9pPr>
           </a:lstStyle>
           <a:p>
-            <a:pPr lvl="0"/>
+            <a:pPr lvl="0" eaLnBrk="1" latinLnBrk="0" hangingPunct="1"/>
             <a:r>
               <a:rPr lang="zh-CN" altLang="en-US" smtClean="0"/>
               <a:t>单击此处编辑母版文本样式</a:t>
             </a:r>
           </a:p>
           <a:p>
-            <a:pPr lvl="1"/>
+            <a:pPr lvl="1" eaLnBrk="1" latinLnBrk="0" hangingPunct="1"/>
             <a:r>
               <a:rPr lang="zh-CN" altLang="en-US" smtClean="0"/>
               <a:t>第二级</a:t>
             </a:r>
           </a:p>
           <a:p>
-            <a:pPr lvl="2"/>
+            <a:pPr lvl="2" eaLnBrk="1" latinLnBrk="0" hangingPunct="1"/>
             <a:r>
               <a:rPr lang="zh-CN" altLang="en-US" smtClean="0"/>
               <a:t>第三级</a:t>
             </a:r>
           </a:p>
           <a:p>
-            <a:pPr lvl="3"/>
+            <a:pPr lvl="3" eaLnBrk="1" latinLnBrk="0" hangingPunct="1"/>
             <a:r>
               <a:rPr lang="zh-CN" altLang="en-US" smtClean="0"/>
               <a:t>第四级</a:t>
             </a:r>
           </a:p>
           <a:p>
-            <a:pPr lvl="4"/>
+            <a:pPr lvl="4" eaLnBrk="1" latinLnBrk="0" hangingPunct="1"/>
             <a:r>
               <a:rPr lang="zh-CN" altLang="en-US" smtClean="0"/>
               <a:t>第五级</a:t>
             </a:r>
-            <a:endParaRPr lang="zh-CN" altLang="en-US"/>
+            <a:endParaRPr kumimoji="0" lang="en-US"/>
           </a:p>
         </p:txBody>
       </p:sp>
@@ -1625,9 +2112,9 @@
             </a:lvl9pPr>
           </a:lstStyle>
           <a:p>
-            <a:pPr lvl="0"/>
-            <a:r>
-              <a:rPr lang="zh-CN" altLang="en-US" smtClean="0"/>
+            <a:pPr lvl="0" eaLnBrk="1" latinLnBrk="0" hangingPunct="1"/>
+            <a:r>
+              <a:rPr kumimoji="0" lang="zh-CN" altLang="en-US" smtClean="0"/>
               <a:t>单击此处编辑母版文本样式</a:t>
             </a:r>
           </a:p>
@@ -1681,40 +2168,40 @@
             </a:lvl9pPr>
           </a:lstStyle>
           <a:p>
-            <a:pPr lvl="0"/>
+            <a:pPr lvl="0" eaLnBrk="1" latinLnBrk="0" hangingPunct="1"/>
             <a:r>
               <a:rPr lang="zh-CN" altLang="en-US" smtClean="0"/>
               <a:t>单击此处编辑母版文本样式</a:t>
             </a:r>
           </a:p>
           <a:p>
-            <a:pPr lvl="1"/>
+            <a:pPr lvl="1" eaLnBrk="1" latinLnBrk="0" hangingPunct="1"/>
             <a:r>
               <a:rPr lang="zh-CN" altLang="en-US" smtClean="0"/>
               <a:t>第二级</a:t>
             </a:r>
           </a:p>
           <a:p>
-            <a:pPr lvl="2"/>
+            <a:pPr lvl="2" eaLnBrk="1" latinLnBrk="0" hangingPunct="1"/>
             <a:r>
               <a:rPr lang="zh-CN" altLang="en-US" smtClean="0"/>
               <a:t>第三级</a:t>
             </a:r>
           </a:p>
           <a:p>
-            <a:pPr lvl="3"/>
+            <a:pPr lvl="3" eaLnBrk="1" latinLnBrk="0" hangingPunct="1"/>
             <a:r>
               <a:rPr lang="zh-CN" altLang="en-US" smtClean="0"/>
               <a:t>第四级</a:t>
             </a:r>
           </a:p>
           <a:p>
-            <a:pPr lvl="4"/>
+            <a:pPr lvl="4" eaLnBrk="1" latinLnBrk="0" hangingPunct="1"/>
             <a:r>
               <a:rPr lang="zh-CN" altLang="en-US" smtClean="0"/>
               <a:t>第五级</a:t>
             </a:r>
-            <a:endParaRPr lang="zh-CN" altLang="en-US"/>
+            <a:endParaRPr kumimoji="0" lang="en-US"/>
           </a:p>
         </p:txBody>
       </p:sp>
@@ -1735,7 +2222,7 @@
           <a:p>
             <a:fld id="{530820CF-B880-4189-942D-D702A7CBA730}" type="datetimeFigureOut">
               <a:rPr lang="zh-CN" altLang="en-US" smtClean="0"/>
-              <a:t>2018/1/30</a:t>
+              <a:t>2018/6/7</a:t>
             </a:fld>
             <a:endParaRPr lang="zh-CN" altLang="en-US"/>
           </a:p>
@@ -1783,6 +2270,39 @@
           </a:p>
         </p:txBody>
       </p:sp>
+      <p:pic>
+        <p:nvPicPr>
+          <p:cNvPr id="11" name="图片 10"/>
+          <p:cNvPicPr>
+            <a:picLocks noChangeAspect="1"/>
+          </p:cNvPicPr>
+          <p:nvPr/>
+        </p:nvPicPr>
+        <p:blipFill>
+          <a:blip r:embed="rId3">
+            <a:duotone>
+              <a:schemeClr val="bg2"/>
+              <a:srgbClr val="FFF1C1"/>
+            </a:duotone>
+          </a:blip>
+          <a:stretch>
+            <a:fillRect/>
+          </a:stretch>
+        </p:blipFill>
+        <p:spPr>
+          <a:xfrm>
+            <a:off x="8135908" y="0"/>
+            <a:ext cx="1008093" cy="1071552"/>
+          </a:xfrm>
+          <a:prstGeom prst="rect">
+            <a:avLst/>
+          </a:prstGeom>
+          <a:noFill/>
+          <a:ln>
+            <a:noFill/>
+          </a:ln>
+        </p:spPr>
+      </p:pic>
     </p:spTree>
   </p:cSld>
   <p:clrMapOvr>
@@ -1810,6 +2330,54 @@
       </p:grpSpPr>
       <p:sp>
         <p:nvSpPr>
+          <p:cNvPr id="6" name="矩形 5"/>
+          <p:cNvSpPr/>
+          <p:nvPr/>
+        </p:nvSpPr>
+        <p:spPr>
+          <a:xfrm>
+            <a:off x="0" y="0"/>
+            <a:ext cx="669600" cy="5143500"/>
+          </a:xfrm>
+          <a:prstGeom prst="rect">
+            <a:avLst/>
+          </a:prstGeom>
+          <a:blipFill>
+            <a:blip r:embed="rId2">
+              <a:alphaModFix amt="40000"/>
+            </a:blip>
+            <a:tile tx="0" ty="0" sx="50000" sy="50000" flip="x" algn="tl"/>
+          </a:blipFill>
+          <a:ln w="25400" cap="rnd" cmpd="sng" algn="ctr">
+            <a:noFill/>
+            <a:prstDash val="solid"/>
+          </a:ln>
+        </p:spPr>
+        <p:style>
+          <a:lnRef idx="2">
+            <a:schemeClr val="accent1"/>
+          </a:lnRef>
+          <a:fillRef idx="1">
+            <a:schemeClr val="accent1"/>
+          </a:fillRef>
+          <a:effectRef idx="0">
+            <a:schemeClr val="accent1"/>
+          </a:effectRef>
+          <a:fontRef idx="minor">
+            <a:schemeClr val="lt1"/>
+          </a:fontRef>
+        </p:style>
+        <p:txBody>
+          <a:bodyPr rtlCol="0" anchor="ctr"/>
+          <a:lstStyle/>
+          <a:p>
+            <a:pPr algn="ctr" eaLnBrk="1" latinLnBrk="0" hangingPunct="1"/>
+            <a:endParaRPr kumimoji="0" lang="zh-CN" altLang="en-US"/>
+          </a:p>
+        </p:txBody>
+      </p:sp>
+      <p:sp>
+        <p:nvSpPr>
           <p:cNvPr id="2" name="标题 1"/>
           <p:cNvSpPr>
             <a:spLocks noGrp="1"/>
@@ -1824,10 +2392,10 @@
           <a:lstStyle/>
           <a:p>
             <a:r>
-              <a:rPr lang="zh-CN" altLang="en-US" smtClean="0"/>
+              <a:rPr kumimoji="0" lang="zh-CN" altLang="en-US" smtClean="0"/>
               <a:t>单击此处编辑母版标题样式</a:t>
             </a:r>
-            <a:endParaRPr lang="zh-CN" altLang="en-US"/>
+            <a:endParaRPr kumimoji="0" lang="en-US"/>
           </a:p>
         </p:txBody>
       </p:sp>
@@ -1848,7 +2416,7 @@
           <a:p>
             <a:fld id="{530820CF-B880-4189-942D-D702A7CBA730}" type="datetimeFigureOut">
               <a:rPr lang="zh-CN" altLang="en-US" smtClean="0"/>
-              <a:t>2018/1/30</a:t>
+              <a:t>2018/6/7</a:t>
             </a:fld>
             <a:endParaRPr lang="zh-CN" altLang="en-US"/>
           </a:p>
@@ -1896,6 +2464,39 @@
           </a:p>
         </p:txBody>
       </p:sp>
+      <p:pic>
+        <p:nvPicPr>
+          <p:cNvPr id="7" name="图片 6"/>
+          <p:cNvPicPr>
+            <a:picLocks noChangeAspect="1"/>
+          </p:cNvPicPr>
+          <p:nvPr/>
+        </p:nvPicPr>
+        <p:blipFill>
+          <a:blip r:embed="rId3">
+            <a:duotone>
+              <a:schemeClr val="bg2"/>
+              <a:srgbClr val="FFF1C1"/>
+            </a:duotone>
+          </a:blip>
+          <a:stretch>
+            <a:fillRect/>
+          </a:stretch>
+        </p:blipFill>
+        <p:spPr>
+          <a:xfrm>
+            <a:off x="8135908" y="0"/>
+            <a:ext cx="1008093" cy="1071552"/>
+          </a:xfrm>
+          <a:prstGeom prst="rect">
+            <a:avLst/>
+          </a:prstGeom>
+          <a:noFill/>
+          <a:ln>
+            <a:noFill/>
+          </a:ln>
+        </p:spPr>
+      </p:pic>
     </p:spTree>
   </p:cSld>
   <p:clrMapOvr>
@@ -1923,6 +2524,54 @@
       </p:grpSpPr>
       <p:sp>
         <p:nvSpPr>
+          <p:cNvPr id="5" name="矩形 4"/>
+          <p:cNvSpPr/>
+          <p:nvPr/>
+        </p:nvSpPr>
+        <p:spPr>
+          <a:xfrm>
+            <a:off x="0" y="0"/>
+            <a:ext cx="669600" cy="5143500"/>
+          </a:xfrm>
+          <a:prstGeom prst="rect">
+            <a:avLst/>
+          </a:prstGeom>
+          <a:blipFill>
+            <a:blip r:embed="rId2">
+              <a:alphaModFix amt="40000"/>
+            </a:blip>
+            <a:tile tx="0" ty="0" sx="50000" sy="50000" flip="x" algn="tl"/>
+          </a:blipFill>
+          <a:ln w="25400" cap="rnd" cmpd="sng" algn="ctr">
+            <a:noFill/>
+            <a:prstDash val="solid"/>
+          </a:ln>
+        </p:spPr>
+        <p:style>
+          <a:lnRef idx="2">
+            <a:schemeClr val="accent1"/>
+          </a:lnRef>
+          <a:fillRef idx="1">
+            <a:schemeClr val="accent1"/>
+          </a:fillRef>
+          <a:effectRef idx="0">
+            <a:schemeClr val="accent1"/>
+          </a:effectRef>
+          <a:fontRef idx="minor">
+            <a:schemeClr val="lt1"/>
+          </a:fontRef>
+        </p:style>
+        <p:txBody>
+          <a:bodyPr rtlCol="0" anchor="ctr"/>
+          <a:lstStyle/>
+          <a:p>
+            <a:pPr algn="ctr" eaLnBrk="1" latinLnBrk="0" hangingPunct="1"/>
+            <a:endParaRPr kumimoji="0" lang="zh-CN" altLang="en-US"/>
+          </a:p>
+        </p:txBody>
+      </p:sp>
+      <p:sp>
+        <p:nvSpPr>
           <p:cNvPr id="2" name="日期占位符 1"/>
           <p:cNvSpPr>
             <a:spLocks noGrp="1"/>
@@ -1938,7 +2587,7 @@
           <a:p>
             <a:fld id="{530820CF-B880-4189-942D-D702A7CBA730}" type="datetimeFigureOut">
               <a:rPr lang="zh-CN" altLang="en-US" smtClean="0"/>
-              <a:t>2018/1/30</a:t>
+              <a:t>2018/6/7</a:t>
             </a:fld>
             <a:endParaRPr lang="zh-CN" altLang="en-US"/>
           </a:p>
@@ -1986,6 +2635,39 @@
           </a:p>
         </p:txBody>
       </p:sp>
+      <p:pic>
+        <p:nvPicPr>
+          <p:cNvPr id="6" name="图片 5"/>
+          <p:cNvPicPr>
+            <a:picLocks noChangeAspect="1"/>
+          </p:cNvPicPr>
+          <p:nvPr/>
+        </p:nvPicPr>
+        <p:blipFill>
+          <a:blip r:embed="rId3">
+            <a:duotone>
+              <a:schemeClr val="bg2"/>
+              <a:srgbClr val="FFF1C1"/>
+            </a:duotone>
+          </a:blip>
+          <a:stretch>
+            <a:fillRect/>
+          </a:stretch>
+        </p:blipFill>
+        <p:spPr>
+          <a:xfrm>
+            <a:off x="8135908" y="0"/>
+            <a:ext cx="1008093" cy="1071552"/>
+          </a:xfrm>
+          <a:prstGeom prst="rect">
+            <a:avLst/>
+          </a:prstGeom>
+          <a:noFill/>
+          <a:ln>
+            <a:noFill/>
+          </a:ln>
+        </p:spPr>
+      </p:pic>
     </p:spTree>
   </p:cSld>
   <p:clrMapOvr>
@@ -2013,33 +2695,99 @@
       </p:grpSpPr>
       <p:sp>
         <p:nvSpPr>
-          <p:cNvPr id="2" name="标题 1"/>
-          <p:cNvSpPr>
-            <a:spLocks noGrp="1"/>
-          </p:cNvSpPr>
-          <p:nvPr>
-            <p:ph type="title"/>
-          </p:nvPr>
+          <p:cNvPr id="8" name="矩形 7"/>
+          <p:cNvSpPr/>
+          <p:nvPr/>
         </p:nvSpPr>
         <p:spPr>
           <a:xfrm>
-            <a:off x="457201" y="204787"/>
-            <a:ext cx="3008313" cy="871538"/>
+            <a:off x="0" y="0"/>
+            <a:ext cx="673200" cy="5143500"/>
+          </a:xfrm>
+          <a:prstGeom prst="rect">
+            <a:avLst/>
+          </a:prstGeom>
+          <a:blipFill>
+            <a:blip r:embed="rId2">
+              <a:alphaModFix amt="40000"/>
+            </a:blip>
+            <a:tile tx="0" ty="0" sx="50000" sy="50000" flip="x" algn="tl"/>
+          </a:blipFill>
+          <a:ln w="25400" cap="rnd" cmpd="sng" algn="ctr">
+            <a:noFill/>
+            <a:prstDash val="solid"/>
+          </a:ln>
+        </p:spPr>
+        <p:style>
+          <a:lnRef idx="2">
+            <a:schemeClr val="accent1"/>
+          </a:lnRef>
+          <a:fillRef idx="1">
+            <a:schemeClr val="accent1"/>
+          </a:fillRef>
+          <a:effectRef idx="0">
+            <a:schemeClr val="accent1"/>
+          </a:effectRef>
+          <a:fontRef idx="minor">
+            <a:schemeClr val="lt1"/>
+          </a:fontRef>
+        </p:style>
+        <p:txBody>
+          <a:bodyPr rtlCol="0" anchor="ctr"/>
+          <a:lstStyle/>
+          <a:p>
+            <a:pPr algn="ctr" eaLnBrk="1" latinLnBrk="0" hangingPunct="1"/>
+            <a:endParaRPr kumimoji="0" lang="zh-CN" altLang="en-US"/>
+          </a:p>
+        </p:txBody>
+      </p:sp>
+      <p:sp>
+        <p:nvSpPr>
+          <p:cNvPr id="2" name="标题 1"/>
+          <p:cNvSpPr>
+            <a:spLocks noGrp="1"/>
+          </p:cNvSpPr>
+          <p:nvPr>
+            <p:ph type="title"/>
+          </p:nvPr>
+        </p:nvSpPr>
+        <p:spPr>
+          <a:xfrm>
+            <a:off x="461176" y="4018370"/>
+            <a:ext cx="8226225" cy="576021"/>
           </a:xfrm>
         </p:spPr>
         <p:txBody>
-          <a:bodyPr anchor="b"/>
+          <a:bodyPr anchor="ctr"/>
           <a:lstStyle>
-            <a:lvl1pPr algn="l">
-              <a:defRPr sz="2000" b="1"/>
+            <a:lvl1pPr algn="ctr">
+              <a:defRPr lang="zh-CN" altLang="en-US" sz="3600" b="0" kern="1200" spc="50" dirty="0">
+                <a:ln w="12700">
+                  <a:noFill/>
+                  <a:prstDash val="solid"/>
+                </a:ln>
+                <a:solidFill>
+                  <a:schemeClr val="accent4"/>
+                </a:solidFill>
+                <a:effectLst>
+                  <a:outerShdw blurRad="38100" dist="20320" dir="2700000" algn="tl" rotWithShape="0">
+                    <a:srgbClr val="000000">
+                      <a:alpha val="70000"/>
+                    </a:srgbClr>
+                  </a:outerShdw>
+                </a:effectLst>
+                <a:latin typeface="+mj-lt"/>
+                <a:ea typeface="+mj-ea"/>
+                <a:cs typeface="+mj-cs"/>
+              </a:defRPr>
             </a:lvl1pPr>
           </a:lstStyle>
           <a:p>
             <a:r>
-              <a:rPr lang="zh-CN" altLang="en-US" smtClean="0"/>
+              <a:rPr kumimoji="0" lang="zh-CN" altLang="en-US" smtClean="0"/>
               <a:t>单击此处编辑母版标题样式</a:t>
             </a:r>
-            <a:endParaRPr lang="zh-CN" altLang="en-US"/>
+            <a:endParaRPr kumimoji="0" lang="en-US"/>
           </a:p>
         </p:txBody>
       </p:sp>
@@ -2055,8 +2803,8 @@
         </p:nvSpPr>
         <p:spPr>
           <a:xfrm>
-            <a:off x="3575050" y="204788"/>
-            <a:ext cx="5111750" cy="4389835"/>
+            <a:off x="460382" y="321453"/>
+            <a:ext cx="5111750" cy="3643339"/>
           </a:xfrm>
         </p:spPr>
         <p:txBody>
@@ -2091,40 +2839,40 @@
             </a:lvl9pPr>
           </a:lstStyle>
           <a:p>
-            <a:pPr lvl="0"/>
+            <a:pPr lvl="0" eaLnBrk="1" latinLnBrk="0" hangingPunct="1"/>
             <a:r>
               <a:rPr lang="zh-CN" altLang="en-US" smtClean="0"/>
               <a:t>单击此处编辑母版文本样式</a:t>
             </a:r>
           </a:p>
           <a:p>
-            <a:pPr lvl="1"/>
+            <a:pPr lvl="1" eaLnBrk="1" latinLnBrk="0" hangingPunct="1"/>
             <a:r>
               <a:rPr lang="zh-CN" altLang="en-US" smtClean="0"/>
               <a:t>第二级</a:t>
             </a:r>
           </a:p>
           <a:p>
-            <a:pPr lvl="2"/>
+            <a:pPr lvl="2" eaLnBrk="1" latinLnBrk="0" hangingPunct="1"/>
             <a:r>
               <a:rPr lang="zh-CN" altLang="en-US" smtClean="0"/>
               <a:t>第三级</a:t>
             </a:r>
           </a:p>
           <a:p>
-            <a:pPr lvl="3"/>
+            <a:pPr lvl="3" eaLnBrk="1" latinLnBrk="0" hangingPunct="1"/>
             <a:r>
               <a:rPr lang="zh-CN" altLang="en-US" smtClean="0"/>
               <a:t>第四级</a:t>
             </a:r>
           </a:p>
           <a:p>
-            <a:pPr lvl="4"/>
+            <a:pPr lvl="4" eaLnBrk="1" latinLnBrk="0" hangingPunct="1"/>
             <a:r>
               <a:rPr lang="zh-CN" altLang="en-US" smtClean="0"/>
               <a:t>第五级</a:t>
             </a:r>
-            <a:endParaRPr lang="zh-CN" altLang="en-US"/>
+            <a:endParaRPr kumimoji="0" lang="en-US"/>
           </a:p>
         </p:txBody>
       </p:sp>
@@ -2140,8 +2888,8 @@
         </p:nvSpPr>
         <p:spPr>
           <a:xfrm>
-            <a:off x="457201" y="1076326"/>
-            <a:ext cx="3008313" cy="3518297"/>
+            <a:off x="5679087" y="1017973"/>
+            <a:ext cx="3008313" cy="2946818"/>
           </a:xfrm>
         </p:spPr>
         <p:txBody>
@@ -2185,12 +2933,41 @@
             </a:lvl9pPr>
           </a:lstStyle>
           <a:p>
-            <a:pPr lvl="0"/>
+            <a:pPr lvl="0" eaLnBrk="1" latinLnBrk="0" hangingPunct="1"/>
             <a:r>
               <a:rPr lang="zh-CN" altLang="en-US" smtClean="0"/>
               <a:t>单击此处编辑母版文本样式</a:t>
             </a:r>
           </a:p>
+          <a:p>
+            <a:pPr lvl="1" eaLnBrk="1" latinLnBrk="0" hangingPunct="1"/>
+            <a:r>
+              <a:rPr lang="zh-CN" altLang="en-US" smtClean="0"/>
+              <a:t>第二级</a:t>
+            </a:r>
+          </a:p>
+          <a:p>
+            <a:pPr lvl="2" eaLnBrk="1" latinLnBrk="0" hangingPunct="1"/>
+            <a:r>
+              <a:rPr lang="zh-CN" altLang="en-US" smtClean="0"/>
+              <a:t>第三级</a:t>
+            </a:r>
+          </a:p>
+          <a:p>
+            <a:pPr lvl="3" eaLnBrk="1" latinLnBrk="0" hangingPunct="1"/>
+            <a:r>
+              <a:rPr lang="zh-CN" altLang="en-US" smtClean="0"/>
+              <a:t>第四级</a:t>
+            </a:r>
+          </a:p>
+          <a:p>
+            <a:pPr lvl="4" eaLnBrk="1" latinLnBrk="0" hangingPunct="1"/>
+            <a:r>
+              <a:rPr lang="zh-CN" altLang="en-US" smtClean="0"/>
+              <a:t>第五级</a:t>
+            </a:r>
+            <a:endParaRPr kumimoji="0" lang="en-US"/>
+          </a:p>
         </p:txBody>
       </p:sp>
       <p:sp>
@@ -2210,7 +2987,7 @@
           <a:p>
             <a:fld id="{530820CF-B880-4189-942D-D702A7CBA730}" type="datetimeFigureOut">
               <a:rPr lang="zh-CN" altLang="en-US" smtClean="0"/>
-              <a:t>2018/1/30</a:t>
+              <a:t>2018/6/7</a:t>
             </a:fld>
             <a:endParaRPr lang="zh-CN" altLang="en-US"/>
           </a:p>
@@ -2258,6 +3035,39 @@
           </a:p>
         </p:txBody>
       </p:sp>
+      <p:pic>
+        <p:nvPicPr>
+          <p:cNvPr id="9" name="图片 8"/>
+          <p:cNvPicPr>
+            <a:picLocks noChangeAspect="1"/>
+          </p:cNvPicPr>
+          <p:nvPr/>
+        </p:nvPicPr>
+        <p:blipFill>
+          <a:blip r:embed="rId3">
+            <a:duotone>
+              <a:schemeClr val="bg2"/>
+              <a:srgbClr val="FFF1C1"/>
+            </a:duotone>
+          </a:blip>
+          <a:stretch>
+            <a:fillRect/>
+          </a:stretch>
+        </p:blipFill>
+        <p:spPr>
+          <a:xfrm>
+            <a:off x="8135908" y="0"/>
+            <a:ext cx="1008093" cy="1071552"/>
+          </a:xfrm>
+          <a:prstGeom prst="rect">
+            <a:avLst/>
+          </a:prstGeom>
+          <a:noFill/>
+          <a:ln>
+            <a:noFill/>
+          </a:ln>
+        </p:spPr>
+      </p:pic>
     </p:spTree>
   </p:cSld>
   <p:clrMapOvr>
@@ -2285,33 +3095,103 @@
       </p:grpSpPr>
       <p:sp>
         <p:nvSpPr>
-          <p:cNvPr id="2" name="标题 1"/>
-          <p:cNvSpPr>
-            <a:spLocks noGrp="1"/>
-          </p:cNvSpPr>
-          <p:nvPr>
-            <p:ph type="title"/>
-          </p:nvPr>
+          <p:cNvPr id="8" name="矩形 7"/>
+          <p:cNvSpPr/>
+          <p:nvPr/>
         </p:nvSpPr>
         <p:spPr>
           <a:xfrm>
-            <a:off x="1792288" y="3600450"/>
-            <a:ext cx="5486400" cy="425054"/>
+            <a:off x="0" y="0"/>
+            <a:ext cx="669600" cy="5143500"/>
+          </a:xfrm>
+          <a:prstGeom prst="rect">
+            <a:avLst/>
+          </a:prstGeom>
+          <a:blipFill>
+            <a:blip r:embed="rId2">
+              <a:alphaModFix amt="40000"/>
+            </a:blip>
+            <a:tile tx="0" ty="0" sx="50000" sy="50000" flip="x" algn="tl"/>
+          </a:blipFill>
+          <a:ln w="25400" cap="rnd" cmpd="sng" algn="ctr">
+            <a:noFill/>
+            <a:prstDash val="solid"/>
+          </a:ln>
+        </p:spPr>
+        <p:style>
+          <a:lnRef idx="2">
+            <a:schemeClr val="accent1"/>
+          </a:lnRef>
+          <a:fillRef idx="1">
+            <a:schemeClr val="accent1"/>
+          </a:fillRef>
+          <a:effectRef idx="0">
+            <a:schemeClr val="accent1"/>
+          </a:effectRef>
+          <a:fontRef idx="minor">
+            <a:schemeClr val="lt1"/>
+          </a:fontRef>
+        </p:style>
+        <p:txBody>
+          <a:bodyPr rtlCol="0" anchor="ctr"/>
+          <a:lstStyle/>
+          <a:p>
+            <a:pPr algn="ctr" eaLnBrk="1" latinLnBrk="0" hangingPunct="1"/>
+            <a:endParaRPr kumimoji="0" lang="zh-CN" altLang="en-US"/>
+          </a:p>
+        </p:txBody>
+      </p:sp>
+      <p:sp>
+        <p:nvSpPr>
+          <p:cNvPr id="2" name="标题 1"/>
+          <p:cNvSpPr>
+            <a:spLocks noGrp="1"/>
+          </p:cNvSpPr>
+          <p:nvPr>
+            <p:ph type="title"/>
+          </p:nvPr>
+        </p:nvSpPr>
+        <p:spPr>
+          <a:xfrm>
+            <a:off x="695298" y="160718"/>
+            <a:ext cx="7448602" cy="585789"/>
           </a:xfrm>
         </p:spPr>
         <p:txBody>
-          <a:bodyPr anchor="b"/>
+          <a:bodyPr anchor="ctr"/>
           <a:lstStyle>
-            <a:lvl1pPr algn="l">
-              <a:defRPr sz="2000" b="1"/>
+            <a:lvl1pPr algn="ctr" rtl="0">
+              <a:spcBef>
+                <a:spcPct val="0"/>
+              </a:spcBef>
+              <a:buNone/>
+              <a:defRPr sz="3600" b="0" kern="1200" spc="50">
+                <a:ln w="12700">
+                  <a:noFill/>
+                  <a:prstDash val="solid"/>
+                </a:ln>
+                <a:solidFill>
+                  <a:schemeClr val="accent4"/>
+                </a:solidFill>
+                <a:effectLst>
+                  <a:outerShdw blurRad="38100" dist="20320" dir="2700000" algn="tl" rotWithShape="0">
+                    <a:srgbClr val="000000">
+                      <a:alpha val="70000"/>
+                    </a:srgbClr>
+                  </a:outerShdw>
+                </a:effectLst>
+                <a:latin typeface="+mj-lt"/>
+                <a:ea typeface="+mj-ea"/>
+                <a:cs typeface="+mj-cs"/>
+              </a:defRPr>
             </a:lvl1pPr>
           </a:lstStyle>
           <a:p>
             <a:r>
-              <a:rPr lang="zh-CN" altLang="en-US" smtClean="0"/>
+              <a:rPr kumimoji="0" lang="zh-CN" altLang="en-US" smtClean="0"/>
               <a:t>单击此处编辑母版标题样式</a:t>
             </a:r>
-            <a:endParaRPr lang="zh-CN" altLang="en-US"/>
+            <a:endParaRPr kumimoji="0" lang="en-US"/>
           </a:p>
         </p:txBody>
       </p:sp>
@@ -2327,10 +3207,30 @@
         </p:nvSpPr>
         <p:spPr>
           <a:xfrm>
-            <a:off x="1792288" y="459581"/>
-            <a:ext cx="5486400" cy="3086100"/>
+            <a:off x="681015" y="750081"/>
+            <a:ext cx="7452360" cy="3911231"/>
           </a:xfrm>
+          <a:prstGeom prst="snip2DiagRect">
+            <a:avLst>
+              <a:gd name="adj1" fmla="val 0"/>
+              <a:gd name="adj2" fmla="val 17946"/>
+            </a:avLst>
+          </a:prstGeom>
         </p:spPr>
+        <p:style>
+          <a:lnRef idx="2">
+            <a:schemeClr val="accent1"/>
+          </a:lnRef>
+          <a:fillRef idx="1">
+            <a:schemeClr val="lt1"/>
+          </a:fillRef>
+          <a:effectRef idx="0">
+            <a:schemeClr val="accent1"/>
+          </a:effectRef>
+          <a:fontRef idx="minor">
+            <a:schemeClr val="dk1"/>
+          </a:fontRef>
+        </p:style>
         <p:txBody>
           <a:bodyPr/>
           <a:lstStyle>
@@ -2372,7 +3272,11 @@
             </a:lvl9pPr>
           </a:lstStyle>
           <a:p>
-            <a:endParaRPr lang="zh-CN" altLang="en-US"/>
+            <a:r>
+              <a:rPr kumimoji="0" lang="zh-CN" altLang="en-US" smtClean="0"/>
+              <a:t>单击图标添加图片</a:t>
+            </a:r>
+            <a:endParaRPr kumimoji="0" lang="en-US"/>
           </a:p>
         </p:txBody>
       </p:sp>
@@ -2388,30 +3292,30 @@
         </p:nvSpPr>
         <p:spPr>
           <a:xfrm>
-            <a:off x="1792288" y="4025503"/>
-            <a:ext cx="5486400" cy="603647"/>
+            <a:off x="4953001" y="4682725"/>
+            <a:ext cx="3180375" cy="460775"/>
           </a:xfrm>
         </p:spPr>
         <p:txBody>
-          <a:bodyPr/>
+          <a:bodyPr anchor="t"/>
           <a:lstStyle>
-            <a:lvl1pPr marL="0" indent="0">
+            <a:lvl1pPr marL="0" indent="0" algn="r">
               <a:buNone/>
               <a:defRPr sz="1400"/>
             </a:lvl1pPr>
-            <a:lvl2pPr marL="457200" indent="0">
+            <a:lvl2pPr marL="457200" indent="0" algn="r">
               <a:buNone/>
               <a:defRPr sz="1200"/>
             </a:lvl2pPr>
-            <a:lvl3pPr marL="914400" indent="0">
+            <a:lvl3pPr marL="914400" indent="0" algn="r">
               <a:buNone/>
               <a:defRPr sz="1000"/>
             </a:lvl3pPr>
-            <a:lvl4pPr marL="1371600" indent="0">
+            <a:lvl4pPr marL="1371600" indent="0" algn="r">
               <a:buNone/>
               <a:defRPr sz="900"/>
             </a:lvl4pPr>
-            <a:lvl5pPr marL="1828800" indent="0">
+            <a:lvl5pPr marL="1828800" indent="0" algn="r">
               <a:buNone/>
               <a:defRPr sz="900"/>
             </a:lvl5pPr>
@@ -2433,9 +3337,9 @@
             </a:lvl9pPr>
           </a:lstStyle>
           <a:p>
-            <a:pPr lvl="0"/>
-            <a:r>
-              <a:rPr lang="zh-CN" altLang="en-US" smtClean="0"/>
+            <a:pPr lvl="0" eaLnBrk="1" latinLnBrk="0" hangingPunct="1"/>
+            <a:r>
+              <a:rPr kumimoji="0" lang="zh-CN" altLang="en-US" smtClean="0"/>
               <a:t>单击此处编辑母版文本样式</a:t>
             </a:r>
           </a:p>
@@ -2451,14 +3355,19 @@
             <p:ph type="dt" sz="half" idx="10"/>
           </p:nvPr>
         </p:nvSpPr>
-        <p:spPr/>
+        <p:spPr>
+          <a:xfrm>
+            <a:off x="609600" y="4869659"/>
+            <a:ext cx="1676384" cy="273844"/>
+          </a:xfrm>
+        </p:spPr>
         <p:txBody>
           <a:bodyPr/>
           <a:lstStyle/>
           <a:p>
             <a:fld id="{530820CF-B880-4189-942D-D702A7CBA730}" type="datetimeFigureOut">
               <a:rPr lang="zh-CN" altLang="en-US" smtClean="0"/>
-              <a:t>2018/1/30</a:t>
+              <a:t>2018/6/7</a:t>
             </a:fld>
             <a:endParaRPr lang="zh-CN" altLang="en-US"/>
           </a:p>
@@ -2474,7 +3383,12 @@
             <p:ph type="ftr" sz="quarter" idx="11"/>
           </p:nvPr>
         </p:nvSpPr>
-        <p:spPr/>
+        <p:spPr>
+          <a:xfrm>
+            <a:off x="2285984" y="4869657"/>
+            <a:ext cx="2643206" cy="273844"/>
+          </a:xfrm>
+        </p:spPr>
         <p:txBody>
           <a:bodyPr/>
           <a:lstStyle/>
@@ -2493,7 +3407,30 @@
             <p:ph type="sldNum" sz="quarter" idx="12"/>
           </p:nvPr>
         </p:nvSpPr>
-        <p:spPr/>
+        <p:spPr>
+          <a:xfrm>
+            <a:off x="683073" y="4010254"/>
+            <a:ext cx="871200" cy="653400"/>
+          </a:xfrm>
+          <a:prstGeom prst="rtTriangle">
+            <a:avLst/>
+          </a:prstGeom>
+          <a:noFill/>
+        </p:spPr>
+        <p:style>
+          <a:lnRef idx="2">
+            <a:schemeClr val="accent1"/>
+          </a:lnRef>
+          <a:fillRef idx="1">
+            <a:schemeClr val="lt1"/>
+          </a:fillRef>
+          <a:effectRef idx="0">
+            <a:schemeClr val="accent1"/>
+          </a:effectRef>
+          <a:fontRef idx="minor">
+            <a:schemeClr val="dk1"/>
+          </a:fontRef>
+        </p:style>
         <p:txBody>
           <a:bodyPr/>
           <a:lstStyle/>
@@ -2506,6 +3443,39 @@
           </a:p>
         </p:txBody>
       </p:sp>
+      <p:pic>
+        <p:nvPicPr>
+          <p:cNvPr id="9" name="图片 8"/>
+          <p:cNvPicPr>
+            <a:picLocks noChangeAspect="1"/>
+          </p:cNvPicPr>
+          <p:nvPr/>
+        </p:nvPicPr>
+        <p:blipFill>
+          <a:blip r:embed="rId3">
+            <a:duotone>
+              <a:schemeClr val="bg2"/>
+              <a:srgbClr val="FFF1C1"/>
+            </a:duotone>
+          </a:blip>
+          <a:stretch>
+            <a:fillRect/>
+          </a:stretch>
+        </p:blipFill>
+        <p:spPr>
+          <a:xfrm>
+            <a:off x="8135908" y="0"/>
+            <a:ext cx="1008093" cy="1071552"/>
+          </a:xfrm>
+          <a:prstGeom prst="rect">
+            <a:avLst/>
+          </a:prstGeom>
+          <a:noFill/>
+          <a:ln>
+            <a:noFill/>
+          </a:ln>
+        </p:spPr>
+      </p:pic>
     </p:spTree>
   </p:cSld>
   <p:clrMapOvr>
@@ -2519,7 +3489,7 @@
   <p:cSld>
     <p:bg>
       <p:bgRef idx="1001">
-        <a:schemeClr val="bg1"/>
+        <a:schemeClr val="bg2"/>
       </p:bgRef>
     </p:bg>
     <p:spTree>
@@ -2549,23 +3519,30 @@
         <p:spPr>
           <a:xfrm>
             <a:off x="457200" y="205979"/>
-            <a:ext cx="8229600" cy="857250"/>
+            <a:ext cx="7776000" cy="857250"/>
           </a:xfrm>
           <a:prstGeom prst="rect">
             <a:avLst/>
           </a:prstGeom>
         </p:spPr>
         <p:txBody>
-          <a:bodyPr vert="horz" lIns="91440" tIns="45720" rIns="91440" bIns="45720" rtlCol="0" anchor="ctr">
+          <a:bodyPr vert="horz" rtlCol="0" anchor="ctr">
             <a:normAutofit/>
+            <a:scene3d>
+              <a:camera prst="orthographicFront"/>
+              <a:lightRig rig="soft" dir="t"/>
+            </a:scene3d>
+            <a:sp3d prstMaterial="matte">
+              <a:bevelT w="12700" h="12700"/>
+            </a:sp3d>
           </a:bodyPr>
           <a:lstStyle/>
           <a:p>
             <a:r>
-              <a:rPr lang="zh-CN" altLang="en-US" smtClean="0"/>
+              <a:rPr kumimoji="0" lang="zh-CN" altLang="en-US" smtClean="0"/>
               <a:t>单击此处编辑母版标题样式</a:t>
             </a:r>
-            <a:endParaRPr lang="zh-CN" altLang="en-US"/>
+            <a:endParaRPr kumimoji="0" lang="en-US"/>
           </a:p>
         </p:txBody>
       </p:sp>
@@ -2589,45 +3566,45 @@
           </a:prstGeom>
         </p:spPr>
         <p:txBody>
-          <a:bodyPr vert="horz" lIns="91440" tIns="45720" rIns="91440" bIns="45720" rtlCol="0">
+          <a:bodyPr vert="horz" rtlCol="0">
             <a:normAutofit/>
           </a:bodyPr>
           <a:lstStyle/>
           <a:p>
-            <a:pPr lvl="0"/>
-            <a:r>
-              <a:rPr lang="zh-CN" altLang="en-US" smtClean="0"/>
+            <a:pPr lvl="0" eaLnBrk="1" latinLnBrk="0" hangingPunct="1"/>
+            <a:r>
+              <a:rPr kumimoji="0" lang="zh-CN" altLang="en-US" smtClean="0"/>
               <a:t>单击此处编辑母版文本样式</a:t>
             </a:r>
           </a:p>
           <a:p>
-            <a:pPr lvl="1"/>
-            <a:r>
-              <a:rPr lang="zh-CN" altLang="en-US" smtClean="0"/>
+            <a:pPr lvl="1" eaLnBrk="1" latinLnBrk="0" hangingPunct="1"/>
+            <a:r>
+              <a:rPr kumimoji="0" lang="zh-CN" altLang="en-US" smtClean="0"/>
               <a:t>第二级</a:t>
             </a:r>
           </a:p>
           <a:p>
-            <a:pPr lvl="2"/>
-            <a:r>
-              <a:rPr lang="zh-CN" altLang="en-US" smtClean="0"/>
+            <a:pPr lvl="2" eaLnBrk="1" latinLnBrk="0" hangingPunct="1"/>
+            <a:r>
+              <a:rPr kumimoji="0" lang="zh-CN" altLang="en-US" smtClean="0"/>
               <a:t>第三级</a:t>
             </a:r>
           </a:p>
           <a:p>
-            <a:pPr lvl="3"/>
-            <a:r>
-              <a:rPr lang="zh-CN" altLang="en-US" smtClean="0"/>
+            <a:pPr lvl="3" eaLnBrk="1" latinLnBrk="0" hangingPunct="1"/>
+            <a:r>
+              <a:rPr kumimoji="0" lang="zh-CN" altLang="en-US" smtClean="0"/>
               <a:t>第四级</a:t>
             </a:r>
           </a:p>
           <a:p>
-            <a:pPr lvl="4"/>
-            <a:r>
-              <a:rPr lang="zh-CN" altLang="en-US" smtClean="0"/>
+            <a:pPr lvl="4" eaLnBrk="1" latinLnBrk="0" hangingPunct="1"/>
+            <a:r>
+              <a:rPr kumimoji="0" lang="zh-CN" altLang="en-US" smtClean="0"/>
               <a:t>第五级</a:t>
             </a:r>
-            <a:endParaRPr lang="zh-CN" altLang="en-US"/>
+            <a:endParaRPr kumimoji="0" lang="en-US"/>
           </a:p>
         </p:txBody>
       </p:sp>
@@ -2651,14 +3628,12 @@
           </a:prstGeom>
         </p:spPr>
         <p:txBody>
-          <a:bodyPr vert="horz" lIns="91440" tIns="45720" rIns="91440" bIns="45720" rtlCol="0" anchor="ctr"/>
+          <a:bodyPr vert="horz" lIns="274320" rtlCol="0" anchor="ctr"/>
           <a:lstStyle>
-            <a:lvl1pPr algn="l">
-              <a:defRPr sz="1200">
+            <a:lvl1pPr algn="l" eaLnBrk="1" latinLnBrk="0" hangingPunct="1">
+              <a:defRPr kumimoji="0" sz="1200">
                 <a:solidFill>
-                  <a:schemeClr val="tx1">
-                    <a:tint val="75000"/>
-                  </a:schemeClr>
+                  <a:schemeClr val="tx1"/>
                 </a:solidFill>
               </a:defRPr>
             </a:lvl1pPr>
@@ -2666,7 +3641,7 @@
           <a:p>
             <a:fld id="{530820CF-B880-4189-942D-D702A7CBA730}" type="datetimeFigureOut">
               <a:rPr lang="zh-CN" altLang="en-US" smtClean="0"/>
-              <a:t>2018/1/30</a:t>
+              <a:t>2018/6/7</a:t>
             </a:fld>
             <a:endParaRPr lang="zh-CN" altLang="en-US"/>
           </a:p>
@@ -2692,14 +3667,12 @@
           </a:prstGeom>
         </p:spPr>
         <p:txBody>
-          <a:bodyPr vert="horz" lIns="91440" tIns="45720" rIns="91440" bIns="45720" rtlCol="0" anchor="ctr"/>
+          <a:bodyPr vert="horz" rtlCol="0" anchor="ctr"/>
           <a:lstStyle>
-            <a:lvl1pPr algn="ctr">
-              <a:defRPr sz="1200">
+            <a:lvl1pPr algn="ctr" eaLnBrk="1" latinLnBrk="0" hangingPunct="1">
+              <a:defRPr kumimoji="0" sz="1200">
                 <a:solidFill>
-                  <a:schemeClr val="tx1">
-                    <a:tint val="75000"/>
-                  </a:schemeClr>
+                  <a:schemeClr val="tx1"/>
                 </a:solidFill>
               </a:defRPr>
             </a:lvl1pPr>
@@ -2729,14 +3702,12 @@
           </a:prstGeom>
         </p:spPr>
         <p:txBody>
-          <a:bodyPr vert="horz" lIns="91440" tIns="45720" rIns="91440" bIns="45720" rtlCol="0" anchor="ctr"/>
+          <a:bodyPr vert="horz" lIns="45720" tIns="45720" rIns="45720" rtlCol="0" anchor="ctr"/>
           <a:lstStyle>
-            <a:lvl1pPr algn="r">
-              <a:defRPr sz="1200">
+            <a:lvl1pPr algn="r" eaLnBrk="1" latinLnBrk="0" hangingPunct="1">
+              <a:defRPr kumimoji="0" sz="1200">
                 <a:solidFill>
-                  <a:schemeClr val="tx1">
-                    <a:tint val="75000"/>
-                  </a:schemeClr>
+                  <a:schemeClr val="tx1"/>
                 </a:solidFill>
               </a:defRPr>
             </a:lvl1pPr>
@@ -2752,45 +3723,116 @@
       </p:sp>
     </p:spTree>
   </p:cSld>
-  <p:clrMap bg1="lt1" tx1="dk1" bg2="lt2" tx2="dk2" accent1="accent1" accent2="accent2" accent3="accent3" accent4="accent4" accent5="accent5" accent6="accent6" hlink="hlink" folHlink="folHlink"/>
+  <p:clrMap bg1="dk1" tx1="lt1" bg2="dk2" tx2="lt2" accent1="accent1" accent2="accent2" accent3="accent3" accent4="accent4" accent5="accent5" accent6="accent6" hlink="hlink" folHlink="folHlink"/>
   <p:sldLayoutIdLst>
-    <p:sldLayoutId id="2147483649" r:id="rId1"/>
-    <p:sldLayoutId id="2147483650" r:id="rId2"/>
-    <p:sldLayoutId id="2147483651" r:id="rId3"/>
-    <p:sldLayoutId id="2147483652" r:id="rId4"/>
-    <p:sldLayoutId id="2147483653" r:id="rId5"/>
-    <p:sldLayoutId id="2147483654" r:id="rId6"/>
-    <p:sldLayoutId id="2147483655" r:id="rId7"/>
-    <p:sldLayoutId id="2147483656" r:id="rId8"/>
-    <p:sldLayoutId id="2147483657" r:id="rId9"/>
-    <p:sldLayoutId id="2147483658" r:id="rId10"/>
-    <p:sldLayoutId id="2147483659" r:id="rId11"/>
+    <p:sldLayoutId id="2147483661" r:id="rId1"/>
+    <p:sldLayoutId id="2147483662" r:id="rId2"/>
+    <p:sldLayoutId id="2147483663" r:id="rId3"/>
+    <p:sldLayoutId id="2147483664" r:id="rId4"/>
+    <p:sldLayoutId id="2147483665" r:id="rId5"/>
+    <p:sldLayoutId id="2147483666" r:id="rId6"/>
+    <p:sldLayoutId id="2147483667" r:id="rId7"/>
+    <p:sldLayoutId id="2147483668" r:id="rId8"/>
+    <p:sldLayoutId id="2147483669" r:id="rId9"/>
+    <p:sldLayoutId id="2147483670" r:id="rId10"/>
+    <p:sldLayoutId id="2147483671" r:id="rId11"/>
   </p:sldLayoutIdLst>
   <p:txStyles>
     <p:titleStyle>
-      <a:lvl1pPr algn="ctr" defTabSz="914400" rtl="0" eaLnBrk="1" latinLnBrk="0" hangingPunct="1">
+      <a:lvl1pPr algn="l" rtl="0" eaLnBrk="1" latinLnBrk="0" hangingPunct="1">
         <a:spcBef>
           <a:spcPct val="0"/>
         </a:spcBef>
         <a:buNone/>
-        <a:defRPr sz="4400" kern="1200">
+        <a:defRPr kumimoji="0" lang="zh-CN" altLang="en-US" sz="4400" b="0" kern="1200" spc="50" dirty="0">
+          <a:ln w="12700">
+            <a:noFill/>
+            <a:prstDash val="solid"/>
+          </a:ln>
           <a:solidFill>
-            <a:schemeClr val="tx1"/>
+            <a:schemeClr val="accent4"/>
           </a:solidFill>
+          <a:effectLst>
+            <a:outerShdw blurRad="38100" dist="20320" dir="2700000" algn="tl" rotWithShape="0">
+              <a:srgbClr val="000000">
+                <a:alpha val="70000"/>
+              </a:srgbClr>
+            </a:outerShdw>
+          </a:effectLst>
           <a:latin typeface="+mj-lt"/>
           <a:ea typeface="+mj-ea"/>
           <a:cs typeface="+mj-cs"/>
         </a:defRPr>
       </a:lvl1pPr>
+      <a:lvl2pPr eaLnBrk="1" latinLnBrk="0" hangingPunct="1">
+        <a:defRPr kumimoji="0">
+          <a:solidFill>
+            <a:schemeClr val="tx2"/>
+          </a:solidFill>
+        </a:defRPr>
+      </a:lvl2pPr>
+      <a:lvl3pPr eaLnBrk="1" latinLnBrk="0" hangingPunct="1">
+        <a:defRPr kumimoji="0">
+          <a:solidFill>
+            <a:schemeClr val="tx2"/>
+          </a:solidFill>
+        </a:defRPr>
+      </a:lvl3pPr>
+      <a:lvl4pPr eaLnBrk="1" latinLnBrk="0" hangingPunct="1">
+        <a:defRPr kumimoji="0">
+          <a:solidFill>
+            <a:schemeClr val="tx2"/>
+          </a:solidFill>
+        </a:defRPr>
+      </a:lvl4pPr>
+      <a:lvl5pPr eaLnBrk="1" latinLnBrk="0" hangingPunct="1">
+        <a:defRPr kumimoji="0">
+          <a:solidFill>
+            <a:schemeClr val="tx2"/>
+          </a:solidFill>
+        </a:defRPr>
+      </a:lvl5pPr>
+      <a:lvl6pPr eaLnBrk="1" latinLnBrk="0" hangingPunct="1">
+        <a:defRPr kumimoji="0">
+          <a:solidFill>
+            <a:schemeClr val="tx2"/>
+          </a:solidFill>
+        </a:defRPr>
+      </a:lvl6pPr>
+      <a:lvl7pPr eaLnBrk="1" latinLnBrk="0" hangingPunct="1">
+        <a:defRPr kumimoji="0">
+          <a:solidFill>
+            <a:schemeClr val="tx2"/>
+          </a:solidFill>
+        </a:defRPr>
+      </a:lvl7pPr>
+      <a:lvl8pPr eaLnBrk="1" latinLnBrk="0" hangingPunct="1">
+        <a:defRPr kumimoji="0">
+          <a:solidFill>
+            <a:schemeClr val="tx2"/>
+          </a:solidFill>
+        </a:defRPr>
+      </a:lvl8pPr>
+      <a:lvl9pPr eaLnBrk="1" latinLnBrk="0" hangingPunct="1">
+        <a:defRPr kumimoji="0">
+          <a:solidFill>
+            <a:schemeClr val="tx2"/>
+          </a:solidFill>
+        </a:defRPr>
+      </a:lvl9pPr>
     </p:titleStyle>
     <p:bodyStyle>
-      <a:lvl1pPr marL="342900" indent="-342900" algn="l" defTabSz="914400" rtl="0" eaLnBrk="1" latinLnBrk="0" hangingPunct="1">
+      <a:lvl1pPr marL="342900" indent="-342900" algn="l" rtl="0" eaLnBrk="1" latinLnBrk="0" hangingPunct="1">
         <a:spcBef>
           <a:spcPct val="20000"/>
         </a:spcBef>
-        <a:buFont typeface="Arial" pitchFamily="34" charset="0"/>
-        <a:buChar char="•"/>
-        <a:defRPr sz="3200" kern="1200">
+        <a:buClr>
+          <a:schemeClr val="tx2"/>
+        </a:buClr>
+        <a:buSzPct val="60000"/>
+        <a:buFont typeface="Wingdings 2"/>
+        <a:buChar char=""/>
+        <a:defRPr kumimoji="0" sz="3200" kern="1200">
           <a:solidFill>
             <a:schemeClr val="tx1"/>
           </a:solidFill>
@@ -2799,13 +3841,17 @@
           <a:cs typeface="+mn-cs"/>
         </a:defRPr>
       </a:lvl1pPr>
-      <a:lvl2pPr marL="742950" indent="-285750" algn="l" defTabSz="914400" rtl="0" eaLnBrk="1" latinLnBrk="0" hangingPunct="1">
+      <a:lvl2pPr marL="742950" indent="-285750" algn="l" rtl="0" eaLnBrk="1" latinLnBrk="0" hangingPunct="1">
         <a:spcBef>
           <a:spcPct val="20000"/>
         </a:spcBef>
-        <a:buFont typeface="Arial" pitchFamily="34" charset="0"/>
-        <a:buChar char="–"/>
-        <a:defRPr sz="2800" kern="1200">
+        <a:buClr>
+          <a:schemeClr val="tx2"/>
+        </a:buClr>
+        <a:buSzPct val="60000"/>
+        <a:buFont typeface="Wingdings 2"/>
+        <a:buChar char=""/>
+        <a:defRPr kumimoji="0" sz="2800" kern="1200">
           <a:solidFill>
             <a:schemeClr val="tx1"/>
           </a:solidFill>
@@ -2814,13 +3860,17 @@
           <a:cs typeface="+mn-cs"/>
         </a:defRPr>
       </a:lvl2pPr>
-      <a:lvl3pPr marL="1143000" indent="-228600" algn="l" defTabSz="914400" rtl="0" eaLnBrk="1" latinLnBrk="0" hangingPunct="1">
+      <a:lvl3pPr marL="1143000" indent="-228600" algn="l" rtl="0" eaLnBrk="1" latinLnBrk="0" hangingPunct="1">
         <a:spcBef>
           <a:spcPct val="20000"/>
         </a:spcBef>
-        <a:buFont typeface="Arial" pitchFamily="34" charset="0"/>
-        <a:buChar char="•"/>
-        <a:defRPr sz="2400" kern="1200">
+        <a:buClr>
+          <a:schemeClr val="tx2"/>
+        </a:buClr>
+        <a:buSzPct val="60000"/>
+        <a:buFont typeface="Wingdings 2"/>
+        <a:buChar char=""/>
+        <a:defRPr kumimoji="0" sz="2400" kern="1200">
           <a:solidFill>
             <a:schemeClr val="tx1"/>
           </a:solidFill>
@@ -2829,13 +3879,17 @@
           <a:cs typeface="+mn-cs"/>
         </a:defRPr>
       </a:lvl3pPr>
-      <a:lvl4pPr marL="1600200" indent="-228600" algn="l" defTabSz="914400" rtl="0" eaLnBrk="1" latinLnBrk="0" hangingPunct="1">
+      <a:lvl4pPr marL="1600200" indent="-228600" algn="l" rtl="0" eaLnBrk="1" latinLnBrk="0" hangingPunct="1">
         <a:spcBef>
           <a:spcPct val="20000"/>
         </a:spcBef>
-        <a:buFont typeface="Arial" pitchFamily="34" charset="0"/>
-        <a:buChar char="–"/>
-        <a:defRPr sz="2000" kern="1200">
+        <a:buClr>
+          <a:schemeClr val="tx2"/>
+        </a:buClr>
+        <a:buSzPct val="60000"/>
+        <a:buFont typeface="Wingdings 2"/>
+        <a:buChar char=""/>
+        <a:defRPr kumimoji="0" sz="2000" kern="1200">
           <a:solidFill>
             <a:schemeClr val="tx1"/>
           </a:solidFill>
@@ -2844,13 +3898,17 @@
           <a:cs typeface="+mn-cs"/>
         </a:defRPr>
       </a:lvl4pPr>
-      <a:lvl5pPr marL="2057400" indent="-228600" algn="l" defTabSz="914400" rtl="0" eaLnBrk="1" latinLnBrk="0" hangingPunct="1">
+      <a:lvl5pPr marL="2057400" indent="-228600" algn="l" rtl="0" eaLnBrk="1" latinLnBrk="0" hangingPunct="1">
         <a:spcBef>
           <a:spcPct val="20000"/>
         </a:spcBef>
-        <a:buFont typeface="Arial" pitchFamily="34" charset="0"/>
-        <a:buChar char="»"/>
-        <a:defRPr sz="2000" kern="1200">
+        <a:buClr>
+          <a:schemeClr val="tx2"/>
+        </a:buClr>
+        <a:buSzPct val="60000"/>
+        <a:buFont typeface="Wingdings 2"/>
+        <a:buChar char=""/>
+        <a:defRPr kumimoji="0" sz="2000" kern="1200">
           <a:solidFill>
             <a:schemeClr val="tx1"/>
           </a:solidFill>
@@ -2859,13 +3917,13 @@
           <a:cs typeface="+mn-cs"/>
         </a:defRPr>
       </a:lvl5pPr>
-      <a:lvl6pPr marL="2514600" indent="-228600" algn="l" defTabSz="914400" rtl="0" eaLnBrk="1" latinLnBrk="0" hangingPunct="1">
+      <a:lvl6pPr marL="2514600" indent="-228600" algn="l" rtl="0" eaLnBrk="1" latinLnBrk="0" hangingPunct="1">
         <a:spcBef>
           <a:spcPct val="20000"/>
         </a:spcBef>
-        <a:buFont typeface="Arial" pitchFamily="34" charset="0"/>
+        <a:buFont typeface="Arial"/>
         <a:buChar char="•"/>
-        <a:defRPr sz="2000" kern="1200">
+        <a:defRPr kumimoji="0" sz="2000" kern="1200">
           <a:solidFill>
             <a:schemeClr val="tx1"/>
           </a:solidFill>
@@ -2874,13 +3932,13 @@
           <a:cs typeface="+mn-cs"/>
         </a:defRPr>
       </a:lvl6pPr>
-      <a:lvl7pPr marL="2971800" indent="-228600" algn="l" defTabSz="914400" rtl="0" eaLnBrk="1" latinLnBrk="0" hangingPunct="1">
+      <a:lvl7pPr marL="2971800" indent="-228600" algn="l" rtl="0" eaLnBrk="1" latinLnBrk="0" hangingPunct="1">
         <a:spcBef>
           <a:spcPct val="20000"/>
         </a:spcBef>
-        <a:buFont typeface="Arial" pitchFamily="34" charset="0"/>
+        <a:buFont typeface="Arial"/>
         <a:buChar char="•"/>
-        <a:defRPr sz="2000" kern="1200">
+        <a:defRPr kumimoji="0" sz="2000" kern="1200">
           <a:solidFill>
             <a:schemeClr val="tx1"/>
           </a:solidFill>
@@ -2889,13 +3947,13 @@
           <a:cs typeface="+mn-cs"/>
         </a:defRPr>
       </a:lvl7pPr>
-      <a:lvl8pPr marL="3429000" indent="-228600" algn="l" defTabSz="914400" rtl="0" eaLnBrk="1" latinLnBrk="0" hangingPunct="1">
+      <a:lvl8pPr marL="3429000" indent="-228600" algn="l" rtl="0" eaLnBrk="1" latinLnBrk="0" hangingPunct="1">
         <a:spcBef>
           <a:spcPct val="20000"/>
         </a:spcBef>
-        <a:buFont typeface="Arial" pitchFamily="34" charset="0"/>
+        <a:buFont typeface="Arial"/>
         <a:buChar char="•"/>
-        <a:defRPr sz="2000" kern="1200">
+        <a:defRPr kumimoji="0" sz="2000" kern="1200">
           <a:solidFill>
             <a:schemeClr val="tx1"/>
           </a:solidFill>
@@ -2904,13 +3962,13 @@
           <a:cs typeface="+mn-cs"/>
         </a:defRPr>
       </a:lvl8pPr>
-      <a:lvl9pPr marL="3886200" indent="-228600" algn="l" defTabSz="914400" rtl="0" eaLnBrk="1" latinLnBrk="0" hangingPunct="1">
+      <a:lvl9pPr marL="3886200" indent="-228600" algn="l" rtl="0" eaLnBrk="1" latinLnBrk="0" hangingPunct="1">
         <a:spcBef>
           <a:spcPct val="20000"/>
         </a:spcBef>
-        <a:buFont typeface="Arial" pitchFamily="34" charset="0"/>
+        <a:buFont typeface="Arial"/>
         <a:buChar char="•"/>
-        <a:defRPr sz="2000" kern="1200">
+        <a:defRPr kumimoji="0" sz="2000" kern="1200">
           <a:solidFill>
             <a:schemeClr val="tx1"/>
           </a:solidFill>
@@ -2921,11 +3979,8 @@
       </a:lvl9pPr>
     </p:bodyStyle>
     <p:otherStyle>
-      <a:defPPr>
-        <a:defRPr lang="zh-CN"/>
-      </a:defPPr>
-      <a:lvl1pPr marL="0" algn="l" defTabSz="914400" rtl="0" eaLnBrk="1" latinLnBrk="0" hangingPunct="1">
-        <a:defRPr sz="1800" kern="1200">
+      <a:lvl1pPr marL="0" algn="l" rtl="0" eaLnBrk="1" latinLnBrk="0" hangingPunct="1">
+        <a:defRPr kumimoji="0" kern="1200">
           <a:solidFill>
             <a:schemeClr val="tx1"/>
           </a:solidFill>
@@ -2934,8 +3989,8 @@
           <a:cs typeface="+mn-cs"/>
         </a:defRPr>
       </a:lvl1pPr>
-      <a:lvl2pPr marL="457200" algn="l" defTabSz="914400" rtl="0" eaLnBrk="1" latinLnBrk="0" hangingPunct="1">
-        <a:defRPr sz="1800" kern="1200">
+      <a:lvl2pPr marL="457200" algn="l" rtl="0" eaLnBrk="1" latinLnBrk="0" hangingPunct="1">
+        <a:defRPr kumimoji="0" kern="1200">
           <a:solidFill>
             <a:schemeClr val="tx1"/>
           </a:solidFill>
@@ -2944,8 +3999,8 @@
           <a:cs typeface="+mn-cs"/>
         </a:defRPr>
       </a:lvl2pPr>
-      <a:lvl3pPr marL="914400" algn="l" defTabSz="914400" rtl="0" eaLnBrk="1" latinLnBrk="0" hangingPunct="1">
-        <a:defRPr sz="1800" kern="1200">
+      <a:lvl3pPr marL="914400" algn="l" rtl="0" eaLnBrk="1" latinLnBrk="0" hangingPunct="1">
+        <a:defRPr kumimoji="0" kern="1200">
           <a:solidFill>
             <a:schemeClr val="tx1"/>
           </a:solidFill>
@@ -2954,8 +4009,8 @@
           <a:cs typeface="+mn-cs"/>
         </a:defRPr>
       </a:lvl3pPr>
-      <a:lvl4pPr marL="1371600" algn="l" defTabSz="914400" rtl="0" eaLnBrk="1" latinLnBrk="0" hangingPunct="1">
-        <a:defRPr sz="1800" kern="1200">
+      <a:lvl4pPr marL="1371600" algn="l" rtl="0" eaLnBrk="1" latinLnBrk="0" hangingPunct="1">
+        <a:defRPr kumimoji="0" kern="1200">
           <a:solidFill>
             <a:schemeClr val="tx1"/>
           </a:solidFill>
@@ -2964,8 +4019,8 @@
           <a:cs typeface="+mn-cs"/>
         </a:defRPr>
       </a:lvl4pPr>
-      <a:lvl5pPr marL="1828800" algn="l" defTabSz="914400" rtl="0" eaLnBrk="1" latinLnBrk="0" hangingPunct="1">
-        <a:defRPr sz="1800" kern="1200">
+      <a:lvl5pPr marL="1828800" algn="l" rtl="0" eaLnBrk="1" latinLnBrk="0" hangingPunct="1">
+        <a:defRPr kumimoji="0" kern="1200">
           <a:solidFill>
             <a:schemeClr val="tx1"/>
           </a:solidFill>
@@ -2974,8 +4029,8 @@
           <a:cs typeface="+mn-cs"/>
         </a:defRPr>
       </a:lvl5pPr>
-      <a:lvl6pPr marL="2286000" algn="l" defTabSz="914400" rtl="0" eaLnBrk="1" latinLnBrk="0" hangingPunct="1">
-        <a:defRPr sz="1800" kern="1200">
+      <a:lvl6pPr marL="2286000" algn="l" rtl="0" eaLnBrk="1" latinLnBrk="0" hangingPunct="1">
+        <a:defRPr kumimoji="0" kern="1200">
           <a:solidFill>
             <a:schemeClr val="tx1"/>
           </a:solidFill>
@@ -2984,8 +4039,8 @@
           <a:cs typeface="+mn-cs"/>
         </a:defRPr>
       </a:lvl6pPr>
-      <a:lvl7pPr marL="2743200" algn="l" defTabSz="914400" rtl="0" eaLnBrk="1" latinLnBrk="0" hangingPunct="1">
-        <a:defRPr sz="1800" kern="1200">
+      <a:lvl7pPr marL="2743200" algn="l" rtl="0" eaLnBrk="1" latinLnBrk="0" hangingPunct="1">
+        <a:defRPr kumimoji="0" kern="1200">
           <a:solidFill>
             <a:schemeClr val="tx1"/>
           </a:solidFill>
@@ -2994,8 +4049,8 @@
           <a:cs typeface="+mn-cs"/>
         </a:defRPr>
       </a:lvl7pPr>
-      <a:lvl8pPr marL="3200400" algn="l" defTabSz="914400" rtl="0" eaLnBrk="1" latinLnBrk="0" hangingPunct="1">
-        <a:defRPr sz="1800" kern="1200">
+      <a:lvl8pPr marL="3200400" algn="l" rtl="0" eaLnBrk="1" latinLnBrk="0" hangingPunct="1">
+        <a:defRPr kumimoji="0" kern="1200">
           <a:solidFill>
             <a:schemeClr val="tx1"/>
           </a:solidFill>
@@ -3004,8 +4059,8 @@
           <a:cs typeface="+mn-cs"/>
         </a:defRPr>
       </a:lvl8pPr>
-      <a:lvl9pPr marL="3657600" algn="l" defTabSz="914400" rtl="0" eaLnBrk="1" latinLnBrk="0" hangingPunct="1">
-        <a:defRPr sz="1800" kern="1200">
+      <a:lvl9pPr marL="3657600" algn="l" rtl="0" eaLnBrk="1" latinLnBrk="0" hangingPunct="1">
+        <a:defRPr kumimoji="0" kern="1200">
           <a:solidFill>
             <a:schemeClr val="tx1"/>
           </a:solidFill>
@@ -3113,6 +4168,1485 @@
 </p:sld>
 </file>
 
+<file path=ppt/slides/slide10.xml><?xml version="1.0" encoding="utf-8"?>
+<p:sld xmlns:a="http://schemas.openxmlformats.org/drawingml/2006/main" xmlns:r="http://schemas.openxmlformats.org/officeDocument/2006/relationships" xmlns:p="http://schemas.openxmlformats.org/presentationml/2006/main">
+  <p:cSld>
+    <p:spTree>
+      <p:nvGrpSpPr>
+        <p:cNvPr id="1" name=""/>
+        <p:cNvGrpSpPr/>
+        <p:nvPr/>
+      </p:nvGrpSpPr>
+      <p:grpSpPr>
+        <a:xfrm>
+          <a:off x="0" y="0"/>
+          <a:ext cx="0" cy="0"/>
+          <a:chOff x="0" y="0"/>
+          <a:chExt cx="0" cy="0"/>
+        </a:xfrm>
+      </p:grpSpPr>
+      <p:sp>
+        <p:nvSpPr>
+          <p:cNvPr id="2" name="标题 1"/>
+          <p:cNvSpPr>
+            <a:spLocks noGrp="1"/>
+          </p:cNvSpPr>
+          <p:nvPr>
+            <p:ph type="title"/>
+          </p:nvPr>
+        </p:nvSpPr>
+        <p:spPr/>
+        <p:txBody>
+          <a:bodyPr/>
+          <a:lstStyle/>
+          <a:p>
+            <a:endParaRPr lang="zh-CN" altLang="en-US"/>
+          </a:p>
+        </p:txBody>
+      </p:sp>
+      <p:sp>
+        <p:nvSpPr>
+          <p:cNvPr id="3" name="内容占位符 2"/>
+          <p:cNvSpPr>
+            <a:spLocks noGrp="1"/>
+          </p:cNvSpPr>
+          <p:nvPr>
+            <p:ph idx="1"/>
+          </p:nvPr>
+        </p:nvSpPr>
+        <p:spPr/>
+        <p:txBody>
+          <a:bodyPr/>
+          <a:lstStyle/>
+          <a:p>
+            <a:r>
+              <a:rPr lang="zh-CN" altLang="zh-CN" dirty="0"/>
+              <a:t>接下来，通过一个例子说明动态分配内存的</a:t>
+            </a:r>
+            <a:r>
+              <a:rPr lang="zh-CN" altLang="zh-CN" dirty="0" smtClean="0"/>
+              <a:t>使用</a:t>
+            </a:r>
+            <a:endParaRPr lang="en-US" altLang="zh-CN" dirty="0" smtClean="0"/>
+          </a:p>
+          <a:p>
+            <a:pPr lvl="1"/>
+            <a:r>
+              <a:rPr lang="zh-CN" altLang="zh-CN" dirty="0" smtClean="0"/>
+              <a:t>编写</a:t>
+            </a:r>
+            <a:r>
+              <a:rPr lang="zh-CN" altLang="zh-CN" dirty="0"/>
+              <a:t>一段程序，随机生成用户指定长度的学生信息，并输出平均分和最高分等统计结果。</a:t>
+            </a:r>
+          </a:p>
+          <a:p>
+            <a:endParaRPr lang="zh-CN" altLang="en-US" dirty="0"/>
+          </a:p>
+        </p:txBody>
+      </p:sp>
+    </p:spTree>
+    <p:extLst>
+      <p:ext uri="{BB962C8B-B14F-4D97-AF65-F5344CB8AC3E}">
+        <p14:creationId xmlns:p14="http://schemas.microsoft.com/office/powerpoint/2010/main" val="3737946585"/>
+      </p:ext>
+    </p:extLst>
+  </p:cSld>
+  <p:clrMapOvr>
+    <a:masterClrMapping/>
+  </p:clrMapOvr>
+</p:sld>
+</file>
+
+<file path=ppt/slides/slide11.xml><?xml version="1.0" encoding="utf-8"?>
+<p:sld xmlns:a="http://schemas.openxmlformats.org/drawingml/2006/main" xmlns:r="http://schemas.openxmlformats.org/officeDocument/2006/relationships" xmlns:p="http://schemas.openxmlformats.org/presentationml/2006/main">
+  <p:cSld>
+    <p:spTree>
+      <p:nvGrpSpPr>
+        <p:cNvPr id="1" name=""/>
+        <p:cNvGrpSpPr/>
+        <p:nvPr/>
+      </p:nvGrpSpPr>
+      <p:grpSpPr>
+        <a:xfrm>
+          <a:off x="0" y="0"/>
+          <a:ext cx="0" cy="0"/>
+          <a:chOff x="0" y="0"/>
+          <a:chExt cx="0" cy="0"/>
+        </a:xfrm>
+      </p:grpSpPr>
+      <p:sp>
+        <p:nvSpPr>
+          <p:cNvPr id="2" name="标题 1"/>
+          <p:cNvSpPr>
+            <a:spLocks noGrp="1"/>
+          </p:cNvSpPr>
+          <p:nvPr>
+            <p:ph type="title"/>
+          </p:nvPr>
+        </p:nvSpPr>
+        <p:spPr/>
+        <p:txBody>
+          <a:bodyPr/>
+          <a:lstStyle/>
+          <a:p>
+            <a:endParaRPr lang="zh-CN" altLang="en-US"/>
+          </a:p>
+        </p:txBody>
+      </p:sp>
+      <p:sp>
+        <p:nvSpPr>
+          <p:cNvPr id="3" name="内容占位符 2"/>
+          <p:cNvSpPr>
+            <a:spLocks noGrp="1"/>
+          </p:cNvSpPr>
+          <p:nvPr>
+            <p:ph idx="1"/>
+          </p:nvPr>
+        </p:nvSpPr>
+        <p:spPr/>
+        <p:txBody>
+          <a:bodyPr/>
+          <a:lstStyle/>
+          <a:p>
+            <a:endParaRPr lang="zh-CN" altLang="en-US"/>
+          </a:p>
+        </p:txBody>
+      </p:sp>
+      <p:pic>
+        <p:nvPicPr>
+          <p:cNvPr id="1026" name="Picture 2"/>
+          <p:cNvPicPr>
+            <a:picLocks noChangeAspect="1" noChangeArrowheads="1"/>
+          </p:cNvPicPr>
+          <p:nvPr/>
+        </p:nvPicPr>
+        <p:blipFill>
+          <a:blip r:embed="rId2" cstate="print">
+            <a:extLst>
+              <a:ext uri="{28A0092B-C50C-407E-A947-70E740481C1C}">
+                <a14:useLocalDpi xmlns:a14="http://schemas.microsoft.com/office/drawing/2010/main" val="0"/>
+              </a:ext>
+            </a:extLst>
+          </a:blip>
+          <a:srcRect/>
+          <a:stretch>
+            <a:fillRect/>
+          </a:stretch>
+        </p:blipFill>
+        <p:spPr bwMode="auto">
+          <a:xfrm>
+            <a:off x="2339752" y="51470"/>
+            <a:ext cx="4083347" cy="4893641"/>
+          </a:xfrm>
+          <a:prstGeom prst="rect">
+            <a:avLst/>
+          </a:prstGeom>
+          <a:noFill/>
+          <a:ln>
+            <a:noFill/>
+          </a:ln>
+          <a:effectLst/>
+          <a:extLst>
+            <a:ext uri="{909E8E84-426E-40DD-AFC4-6F175D3DCCD1}">
+              <a14:hiddenFill xmlns:a14="http://schemas.microsoft.com/office/drawing/2010/main">
+                <a:solidFill>
+                  <a:schemeClr val="accent1"/>
+                </a:solidFill>
+              </a14:hiddenFill>
+            </a:ext>
+            <a:ext uri="{91240B29-F687-4F45-9708-019B960494DF}">
+              <a14:hiddenLine xmlns:a14="http://schemas.microsoft.com/office/drawing/2010/main" w="9525">
+                <a:solidFill>
+                  <a:schemeClr val="tx1"/>
+                </a:solidFill>
+                <a:miter lim="800000"/>
+                <a:headEnd/>
+                <a:tailEnd/>
+              </a14:hiddenLine>
+            </a:ext>
+            <a:ext uri="{AF507438-7753-43E0-B8FC-AC1667EBCBE1}">
+              <a14:hiddenEffects xmlns:a14="http://schemas.microsoft.com/office/drawing/2010/main">
+                <a:effectLst>
+                  <a:outerShdw dist="35921" dir="2700000" algn="ctr" rotWithShape="0">
+                    <a:schemeClr val="bg2"/>
+                  </a:outerShdw>
+                </a:effectLst>
+              </a14:hiddenEffects>
+            </a:ext>
+          </a:extLst>
+        </p:spPr>
+      </p:pic>
+    </p:spTree>
+    <p:extLst>
+      <p:ext uri="{BB962C8B-B14F-4D97-AF65-F5344CB8AC3E}">
+        <p14:creationId xmlns:p14="http://schemas.microsoft.com/office/powerpoint/2010/main" val="393475281"/>
+      </p:ext>
+    </p:extLst>
+  </p:cSld>
+  <p:clrMapOvr>
+    <a:masterClrMapping/>
+  </p:clrMapOvr>
+</p:sld>
+</file>
+
+<file path=ppt/slides/slide12.xml><?xml version="1.0" encoding="utf-8"?>
+<p:sld xmlns:a="http://schemas.openxmlformats.org/drawingml/2006/main" xmlns:r="http://schemas.openxmlformats.org/officeDocument/2006/relationships" xmlns:p="http://schemas.openxmlformats.org/presentationml/2006/main">
+  <p:cSld>
+    <p:spTree>
+      <p:nvGrpSpPr>
+        <p:cNvPr id="1" name=""/>
+        <p:cNvGrpSpPr/>
+        <p:nvPr/>
+      </p:nvGrpSpPr>
+      <p:grpSpPr>
+        <a:xfrm>
+          <a:off x="0" y="0"/>
+          <a:ext cx="0" cy="0"/>
+          <a:chOff x="0" y="0"/>
+          <a:chExt cx="0" cy="0"/>
+        </a:xfrm>
+      </p:grpSpPr>
+      <p:sp>
+        <p:nvSpPr>
+          <p:cNvPr id="2" name="标题 1"/>
+          <p:cNvSpPr>
+            <a:spLocks noGrp="1"/>
+          </p:cNvSpPr>
+          <p:nvPr>
+            <p:ph type="title"/>
+          </p:nvPr>
+        </p:nvSpPr>
+        <p:spPr/>
+        <p:txBody>
+          <a:bodyPr/>
+          <a:lstStyle/>
+          <a:p>
+            <a:r>
+              <a:rPr lang="zh-CN" altLang="en-US" dirty="0"/>
+              <a:t>指向指针的指针</a:t>
+            </a:r>
+          </a:p>
+        </p:txBody>
+      </p:sp>
+      <p:sp>
+        <p:nvSpPr>
+          <p:cNvPr id="3" name="内容占位符 2"/>
+          <p:cNvSpPr>
+            <a:spLocks noGrp="1"/>
+          </p:cNvSpPr>
+          <p:nvPr>
+            <p:ph idx="1"/>
+          </p:nvPr>
+        </p:nvSpPr>
+        <p:spPr/>
+        <p:txBody>
+          <a:bodyPr>
+            <a:normAutofit fontScale="77500" lnSpcReduction="20000"/>
+          </a:bodyPr>
+          <a:lstStyle/>
+          <a:p>
+            <a:r>
+              <a:rPr lang="zh-CN" altLang="zh-CN" dirty="0" smtClean="0"/>
+              <a:t>如果</a:t>
+            </a:r>
+            <a:r>
+              <a:rPr lang="zh-CN" altLang="zh-CN" dirty="0"/>
+              <a:t>一个指针变量存放的又是另一个指针变量的地址，则称其为指向指针的指针变量。</a:t>
+            </a:r>
+          </a:p>
+          <a:p>
+            <a:r>
+              <a:rPr lang="en-US" altLang="zh-CN" dirty="0"/>
+              <a:t>    float f </a:t>
+            </a:r>
+            <a:r>
+              <a:rPr lang="en-US" altLang="zh-CN" b="1" dirty="0"/>
+              <a:t>=</a:t>
+            </a:r>
+            <a:r>
+              <a:rPr lang="en-US" altLang="zh-CN" dirty="0"/>
+              <a:t> 5.0f</a:t>
+            </a:r>
+            <a:r>
+              <a:rPr lang="en-US" altLang="zh-CN" b="1" dirty="0"/>
+              <a:t>;</a:t>
+            </a:r>
+            <a:endParaRPr lang="zh-CN" altLang="zh-CN" sz="3600" dirty="0"/>
+          </a:p>
+          <a:p>
+            <a:r>
+              <a:rPr lang="en-US" altLang="zh-CN" dirty="0"/>
+              <a:t>    float </a:t>
+            </a:r>
+            <a:r>
+              <a:rPr lang="en-US" altLang="zh-CN" b="1" dirty="0"/>
+              <a:t>*</a:t>
+            </a:r>
+            <a:r>
+              <a:rPr lang="en-US" altLang="zh-CN" dirty="0"/>
+              <a:t>p </a:t>
+            </a:r>
+            <a:r>
+              <a:rPr lang="en-US" altLang="zh-CN" b="1" dirty="0"/>
+              <a:t>=</a:t>
+            </a:r>
+            <a:r>
+              <a:rPr lang="en-US" altLang="zh-CN" dirty="0"/>
+              <a:t> </a:t>
+            </a:r>
+            <a:r>
+              <a:rPr lang="en-US" altLang="zh-CN" b="1" dirty="0"/>
+              <a:t>&amp;</a:t>
+            </a:r>
+            <a:r>
+              <a:rPr lang="en-US" altLang="zh-CN" dirty="0"/>
+              <a:t>f</a:t>
+            </a:r>
+            <a:r>
+              <a:rPr lang="en-US" altLang="zh-CN" b="1" dirty="0"/>
+              <a:t>;</a:t>
+            </a:r>
+            <a:endParaRPr lang="zh-CN" altLang="zh-CN" sz="3600" dirty="0"/>
+          </a:p>
+          <a:p>
+            <a:r>
+              <a:rPr lang="en-US" altLang="zh-CN" dirty="0"/>
+              <a:t>    float </a:t>
+            </a:r>
+            <a:r>
+              <a:rPr lang="en-US" altLang="zh-CN" b="1" dirty="0"/>
+              <a:t>**</a:t>
+            </a:r>
+            <a:r>
+              <a:rPr lang="en-US" altLang="zh-CN" dirty="0"/>
+              <a:t>pp </a:t>
+            </a:r>
+            <a:r>
+              <a:rPr lang="en-US" altLang="zh-CN" b="1" dirty="0"/>
+              <a:t>=</a:t>
+            </a:r>
+            <a:r>
+              <a:rPr lang="en-US" altLang="zh-CN" dirty="0"/>
+              <a:t> </a:t>
+            </a:r>
+            <a:r>
+              <a:rPr lang="en-US" altLang="zh-CN" b="1" dirty="0"/>
+              <a:t>&amp;</a:t>
+            </a:r>
+            <a:r>
+              <a:rPr lang="en-US" altLang="zh-CN" dirty="0"/>
+              <a:t>p</a:t>
+            </a:r>
+            <a:r>
+              <a:rPr lang="en-US" altLang="zh-CN" b="1" dirty="0"/>
+              <a:t>;</a:t>
+            </a:r>
+            <a:endParaRPr lang="zh-CN" altLang="zh-CN" sz="3600" dirty="0"/>
+          </a:p>
+          <a:p>
+            <a:r>
+              <a:rPr lang="en-US" altLang="zh-CN" dirty="0"/>
+              <a:t>    </a:t>
+            </a:r>
+            <a:r>
+              <a:rPr lang="en-US" altLang="zh-CN" dirty="0" err="1"/>
+              <a:t>printf</a:t>
+            </a:r>
+            <a:r>
+              <a:rPr lang="en-US" altLang="zh-CN" b="1" dirty="0"/>
+              <a:t>(</a:t>
+            </a:r>
+            <a:r>
+              <a:rPr lang="en-US" altLang="zh-CN" dirty="0"/>
+              <a:t>"&amp;f=%x\np=%x\</a:t>
+            </a:r>
+            <a:r>
+              <a:rPr lang="en-US" altLang="zh-CN" dirty="0" err="1"/>
+              <a:t>n&amp;p</a:t>
+            </a:r>
+            <a:r>
+              <a:rPr lang="en-US" altLang="zh-CN" dirty="0"/>
+              <a:t>=%x\</a:t>
+            </a:r>
+            <a:r>
+              <a:rPr lang="en-US" altLang="zh-CN" dirty="0" err="1"/>
+              <a:t>npp</a:t>
+            </a:r>
+            <a:r>
+              <a:rPr lang="en-US" altLang="zh-CN" dirty="0"/>
+              <a:t>=%x\n\</a:t>
+            </a:r>
+            <a:r>
+              <a:rPr lang="en-US" altLang="zh-CN" dirty="0" err="1"/>
+              <a:t>nf</a:t>
+            </a:r>
+            <a:r>
+              <a:rPr lang="en-US" altLang="zh-CN" dirty="0"/>
+              <a:t>=%f\n*p=%f\n**pp=%f"</a:t>
+            </a:r>
+            <a:endParaRPr lang="zh-CN" altLang="zh-CN" sz="3600" dirty="0"/>
+          </a:p>
+          <a:p>
+            <a:r>
+              <a:rPr lang="en-US" altLang="zh-CN" b="1" dirty="0"/>
+              <a:t>,</a:t>
+            </a:r>
+            <a:r>
+              <a:rPr lang="en-US" altLang="zh-CN" dirty="0"/>
+              <a:t> </a:t>
+            </a:r>
+            <a:r>
+              <a:rPr lang="en-US" altLang="zh-CN" b="1" dirty="0"/>
+              <a:t>&amp;</a:t>
+            </a:r>
+            <a:r>
+              <a:rPr lang="en-US" altLang="zh-CN" dirty="0"/>
+              <a:t>f</a:t>
+            </a:r>
+            <a:r>
+              <a:rPr lang="en-US" altLang="zh-CN" b="1" dirty="0"/>
+              <a:t>,</a:t>
+            </a:r>
+            <a:r>
+              <a:rPr lang="en-US" altLang="zh-CN" dirty="0"/>
+              <a:t> p</a:t>
+            </a:r>
+            <a:r>
+              <a:rPr lang="en-US" altLang="zh-CN" b="1" dirty="0"/>
+              <a:t>,</a:t>
+            </a:r>
+            <a:r>
+              <a:rPr lang="en-US" altLang="zh-CN" dirty="0"/>
+              <a:t> </a:t>
+            </a:r>
+            <a:r>
+              <a:rPr lang="en-US" altLang="zh-CN" b="1" dirty="0"/>
+              <a:t>&amp;</a:t>
+            </a:r>
+            <a:r>
+              <a:rPr lang="en-US" altLang="zh-CN" dirty="0" err="1"/>
+              <a:t>p</a:t>
+            </a:r>
+            <a:r>
+              <a:rPr lang="en-US" altLang="zh-CN" b="1" dirty="0" err="1"/>
+              <a:t>,</a:t>
+            </a:r>
+            <a:r>
+              <a:rPr lang="en-US" altLang="zh-CN" dirty="0" err="1"/>
+              <a:t>pp</a:t>
+            </a:r>
+            <a:r>
+              <a:rPr lang="en-US" altLang="zh-CN" b="1" dirty="0" err="1"/>
+              <a:t>,</a:t>
+            </a:r>
+            <a:r>
+              <a:rPr lang="en-US" altLang="zh-CN" dirty="0" err="1"/>
+              <a:t>f</a:t>
+            </a:r>
+            <a:r>
+              <a:rPr lang="en-US" altLang="zh-CN" b="1" dirty="0"/>
+              <a:t>,*</a:t>
+            </a:r>
+            <a:r>
+              <a:rPr lang="en-US" altLang="zh-CN" dirty="0"/>
+              <a:t>p</a:t>
+            </a:r>
+            <a:r>
+              <a:rPr lang="en-US" altLang="zh-CN" b="1" dirty="0"/>
+              <a:t>,**</a:t>
+            </a:r>
+            <a:r>
+              <a:rPr lang="en-US" altLang="zh-CN" dirty="0"/>
+              <a:t>pp</a:t>
+            </a:r>
+            <a:r>
+              <a:rPr lang="en-US" altLang="zh-CN" b="1" dirty="0"/>
+              <a:t>);</a:t>
+            </a:r>
+            <a:endParaRPr lang="zh-CN" altLang="zh-CN" sz="3600" dirty="0"/>
+          </a:p>
+          <a:p>
+            <a:endParaRPr lang="zh-CN" altLang="en-US" dirty="0"/>
+          </a:p>
+        </p:txBody>
+      </p:sp>
+    </p:spTree>
+    <p:extLst>
+      <p:ext uri="{BB962C8B-B14F-4D97-AF65-F5344CB8AC3E}">
+        <p14:creationId xmlns:p14="http://schemas.microsoft.com/office/powerpoint/2010/main" val="1772128154"/>
+      </p:ext>
+    </p:extLst>
+  </p:cSld>
+  <p:clrMapOvr>
+    <a:masterClrMapping/>
+  </p:clrMapOvr>
+</p:sld>
+</file>
+
+<file path=ppt/slides/slide13.xml><?xml version="1.0" encoding="utf-8"?>
+<p:sld xmlns:a="http://schemas.openxmlformats.org/drawingml/2006/main" xmlns:r="http://schemas.openxmlformats.org/officeDocument/2006/relationships" xmlns:p="http://schemas.openxmlformats.org/presentationml/2006/main">
+  <p:cSld>
+    <p:spTree>
+      <p:nvGrpSpPr>
+        <p:cNvPr id="1" name=""/>
+        <p:cNvGrpSpPr/>
+        <p:nvPr/>
+      </p:nvGrpSpPr>
+      <p:grpSpPr>
+        <a:xfrm>
+          <a:off x="0" y="0"/>
+          <a:ext cx="0" cy="0"/>
+          <a:chOff x="0" y="0"/>
+          <a:chExt cx="0" cy="0"/>
+        </a:xfrm>
+      </p:grpSpPr>
+      <p:sp>
+        <p:nvSpPr>
+          <p:cNvPr id="2" name="标题 1"/>
+          <p:cNvSpPr>
+            <a:spLocks noGrp="1"/>
+          </p:cNvSpPr>
+          <p:nvPr>
+            <p:ph type="title"/>
+          </p:nvPr>
+        </p:nvSpPr>
+        <p:spPr/>
+        <p:txBody>
+          <a:bodyPr/>
+          <a:lstStyle/>
+          <a:p>
+            <a:endParaRPr lang="zh-CN" altLang="en-US"/>
+          </a:p>
+        </p:txBody>
+      </p:sp>
+      <p:sp>
+        <p:nvSpPr>
+          <p:cNvPr id="3" name="内容占位符 2"/>
+          <p:cNvSpPr>
+            <a:spLocks noGrp="1"/>
+          </p:cNvSpPr>
+          <p:nvPr>
+            <p:ph idx="1"/>
+          </p:nvPr>
+        </p:nvSpPr>
+        <p:spPr/>
+        <p:txBody>
+          <a:bodyPr/>
+          <a:lstStyle/>
+          <a:p>
+            <a:r>
+              <a:rPr lang="zh-CN" altLang="zh-CN" dirty="0"/>
+              <a:t>在上面的代码片段中，</a:t>
+            </a:r>
+            <a:r>
+              <a:rPr lang="en-US" altLang="zh-CN" dirty="0"/>
+              <a:t>f</a:t>
+            </a:r>
+            <a:r>
+              <a:rPr lang="zh-CN" altLang="zh-CN" dirty="0"/>
+              <a:t>为</a:t>
+            </a:r>
+            <a:r>
+              <a:rPr lang="en-US" altLang="zh-CN" dirty="0"/>
+              <a:t>float</a:t>
+            </a:r>
+            <a:r>
+              <a:rPr lang="zh-CN" altLang="zh-CN" dirty="0"/>
+              <a:t>类型变量，使用指针</a:t>
+            </a:r>
+            <a:r>
+              <a:rPr lang="en-US" altLang="zh-CN" dirty="0"/>
+              <a:t>p</a:t>
+            </a:r>
+            <a:r>
+              <a:rPr lang="zh-CN" altLang="zh-CN" dirty="0"/>
+              <a:t>保存其地址，再使用指向指针的指针类型</a:t>
+            </a:r>
+            <a:r>
+              <a:rPr lang="en-US" altLang="zh-CN" dirty="0"/>
+              <a:t>pp</a:t>
+            </a:r>
+            <a:r>
+              <a:rPr lang="zh-CN" altLang="zh-CN" dirty="0"/>
+              <a:t>保存指针变量</a:t>
+            </a:r>
+            <a:r>
+              <a:rPr lang="en-US" altLang="zh-CN" dirty="0"/>
+              <a:t>p</a:t>
+            </a:r>
+            <a:r>
+              <a:rPr lang="zh-CN" altLang="zh-CN" dirty="0"/>
+              <a:t>的</a:t>
+            </a:r>
+            <a:r>
+              <a:rPr lang="zh-CN" altLang="zh-CN" dirty="0" smtClean="0"/>
+              <a:t>地址</a:t>
+            </a:r>
+            <a:endParaRPr lang="zh-CN" altLang="en-US" dirty="0"/>
+          </a:p>
+        </p:txBody>
+      </p:sp>
+    </p:spTree>
+    <p:extLst>
+      <p:ext uri="{BB962C8B-B14F-4D97-AF65-F5344CB8AC3E}">
+        <p14:creationId xmlns:p14="http://schemas.microsoft.com/office/powerpoint/2010/main" val="1409083663"/>
+      </p:ext>
+    </p:extLst>
+  </p:cSld>
+  <p:clrMapOvr>
+    <a:masterClrMapping/>
+  </p:clrMapOvr>
+</p:sld>
+</file>
+
+<file path=ppt/slides/slide14.xml><?xml version="1.0" encoding="utf-8"?>
+<p:sld xmlns:a="http://schemas.openxmlformats.org/drawingml/2006/main" xmlns:r="http://schemas.openxmlformats.org/officeDocument/2006/relationships" xmlns:p="http://schemas.openxmlformats.org/presentationml/2006/main">
+  <p:cSld>
+    <p:spTree>
+      <p:nvGrpSpPr>
+        <p:cNvPr id="1" name=""/>
+        <p:cNvGrpSpPr/>
+        <p:nvPr/>
+      </p:nvGrpSpPr>
+      <p:grpSpPr>
+        <a:xfrm>
+          <a:off x="0" y="0"/>
+          <a:ext cx="0" cy="0"/>
+          <a:chOff x="0" y="0"/>
+          <a:chExt cx="0" cy="0"/>
+        </a:xfrm>
+      </p:grpSpPr>
+      <p:sp>
+        <p:nvSpPr>
+          <p:cNvPr id="2" name="标题 1"/>
+          <p:cNvSpPr>
+            <a:spLocks noGrp="1"/>
+          </p:cNvSpPr>
+          <p:nvPr>
+            <p:ph type="title"/>
+          </p:nvPr>
+        </p:nvSpPr>
+        <p:spPr/>
+        <p:txBody>
+          <a:bodyPr/>
+          <a:lstStyle/>
+          <a:p>
+            <a:endParaRPr lang="zh-CN" altLang="en-US"/>
+          </a:p>
+        </p:txBody>
+      </p:sp>
+      <p:sp>
+        <p:nvSpPr>
+          <p:cNvPr id="3" name="内容占位符 2"/>
+          <p:cNvSpPr>
+            <a:spLocks noGrp="1"/>
+          </p:cNvSpPr>
+          <p:nvPr>
+            <p:ph idx="1"/>
+          </p:nvPr>
+        </p:nvSpPr>
+        <p:spPr/>
+        <p:txBody>
+          <a:bodyPr/>
+          <a:lstStyle/>
+          <a:p>
+            <a:endParaRPr lang="zh-CN" altLang="en-US"/>
+          </a:p>
+        </p:txBody>
+      </p:sp>
+      <p:pic>
+        <p:nvPicPr>
+          <p:cNvPr id="2050" name="Picture 2"/>
+          <p:cNvPicPr>
+            <a:picLocks noChangeAspect="1" noChangeArrowheads="1"/>
+          </p:cNvPicPr>
+          <p:nvPr/>
+        </p:nvPicPr>
+        <p:blipFill>
+          <a:blip r:embed="rId2" cstate="print">
+            <a:extLst>
+              <a:ext uri="{28A0092B-C50C-407E-A947-70E740481C1C}">
+                <a14:useLocalDpi xmlns:a14="http://schemas.microsoft.com/office/drawing/2010/main" val="0"/>
+              </a:ext>
+            </a:extLst>
+          </a:blip>
+          <a:srcRect/>
+          <a:stretch>
+            <a:fillRect/>
+          </a:stretch>
+        </p:blipFill>
+        <p:spPr bwMode="auto">
+          <a:xfrm>
+            <a:off x="1927225" y="1778000"/>
+            <a:ext cx="5287963" cy="1584325"/>
+          </a:xfrm>
+          <a:prstGeom prst="rect">
+            <a:avLst/>
+          </a:prstGeom>
+          <a:noFill/>
+          <a:ln>
+            <a:noFill/>
+          </a:ln>
+          <a:effectLst/>
+          <a:extLst>
+            <a:ext uri="{909E8E84-426E-40DD-AFC4-6F175D3DCCD1}">
+              <a14:hiddenFill xmlns:a14="http://schemas.microsoft.com/office/drawing/2010/main">
+                <a:solidFill>
+                  <a:schemeClr val="accent1"/>
+                </a:solidFill>
+              </a14:hiddenFill>
+            </a:ext>
+            <a:ext uri="{91240B29-F687-4F45-9708-019B960494DF}">
+              <a14:hiddenLine xmlns:a14="http://schemas.microsoft.com/office/drawing/2010/main" w="9525">
+                <a:solidFill>
+                  <a:schemeClr val="tx1"/>
+                </a:solidFill>
+                <a:miter lim="800000"/>
+                <a:headEnd/>
+                <a:tailEnd/>
+              </a14:hiddenLine>
+            </a:ext>
+            <a:ext uri="{AF507438-7753-43E0-B8FC-AC1667EBCBE1}">
+              <a14:hiddenEffects xmlns:a14="http://schemas.microsoft.com/office/drawing/2010/main">
+                <a:effectLst>
+                  <a:outerShdw dist="35921" dir="2700000" algn="ctr" rotWithShape="0">
+                    <a:schemeClr val="bg2"/>
+                  </a:outerShdw>
+                </a:effectLst>
+              </a14:hiddenEffects>
+            </a:ext>
+          </a:extLst>
+        </p:spPr>
+      </p:pic>
+    </p:spTree>
+    <p:extLst>
+      <p:ext uri="{BB962C8B-B14F-4D97-AF65-F5344CB8AC3E}">
+        <p14:creationId xmlns:p14="http://schemas.microsoft.com/office/powerpoint/2010/main" val="3060521287"/>
+      </p:ext>
+    </p:extLst>
+  </p:cSld>
+  <p:clrMapOvr>
+    <a:masterClrMapping/>
+  </p:clrMapOvr>
+</p:sld>
+</file>
+
+<file path=ppt/slides/slide15.xml><?xml version="1.0" encoding="utf-8"?>
+<p:sld xmlns:a="http://schemas.openxmlformats.org/drawingml/2006/main" xmlns:r="http://schemas.openxmlformats.org/officeDocument/2006/relationships" xmlns:p="http://schemas.openxmlformats.org/presentationml/2006/main">
+  <p:cSld>
+    <p:spTree>
+      <p:nvGrpSpPr>
+        <p:cNvPr id="1" name=""/>
+        <p:cNvGrpSpPr/>
+        <p:nvPr/>
+      </p:nvGrpSpPr>
+      <p:grpSpPr>
+        <a:xfrm>
+          <a:off x="0" y="0"/>
+          <a:ext cx="0" cy="0"/>
+          <a:chOff x="0" y="0"/>
+          <a:chExt cx="0" cy="0"/>
+        </a:xfrm>
+      </p:grpSpPr>
+      <p:sp>
+        <p:nvSpPr>
+          <p:cNvPr id="2" name="标题 1"/>
+          <p:cNvSpPr>
+            <a:spLocks noGrp="1"/>
+          </p:cNvSpPr>
+          <p:nvPr>
+            <p:ph type="title"/>
+          </p:nvPr>
+        </p:nvSpPr>
+        <p:spPr/>
+        <p:txBody>
+          <a:bodyPr/>
+          <a:lstStyle/>
+          <a:p>
+            <a:endParaRPr lang="zh-CN" altLang="en-US"/>
+          </a:p>
+        </p:txBody>
+      </p:sp>
+      <p:sp>
+        <p:nvSpPr>
+          <p:cNvPr id="3" name="内容占位符 2"/>
+          <p:cNvSpPr>
+            <a:spLocks noGrp="1"/>
+          </p:cNvSpPr>
+          <p:nvPr>
+            <p:ph idx="1"/>
+          </p:nvPr>
+        </p:nvSpPr>
+        <p:spPr/>
+        <p:txBody>
+          <a:bodyPr>
+            <a:normAutofit fontScale="92500" lnSpcReduction="10000"/>
+          </a:bodyPr>
+          <a:lstStyle/>
+          <a:p>
+            <a:r>
+              <a:rPr lang="zh-CN" altLang="zh-CN" dirty="0"/>
+              <a:t>从输出结果可以看出，</a:t>
+            </a:r>
+            <a:r>
+              <a:rPr lang="en-US" altLang="zh-CN" dirty="0"/>
+              <a:t>p</a:t>
+            </a:r>
+            <a:r>
+              <a:rPr lang="zh-CN" altLang="zh-CN" dirty="0"/>
+              <a:t>的值是变量</a:t>
+            </a:r>
+            <a:r>
+              <a:rPr lang="en-US" altLang="zh-CN" dirty="0"/>
+              <a:t>f</a:t>
+            </a:r>
+            <a:r>
+              <a:rPr lang="zh-CN" altLang="zh-CN" dirty="0"/>
+              <a:t>的地址，而</a:t>
+            </a:r>
+            <a:r>
+              <a:rPr lang="en-US" altLang="zh-CN" dirty="0"/>
+              <a:t>pp</a:t>
+            </a:r>
+            <a:r>
+              <a:rPr lang="zh-CN" altLang="zh-CN" dirty="0"/>
+              <a:t>的值为指针变量</a:t>
+            </a:r>
+            <a:r>
+              <a:rPr lang="en-US" altLang="zh-CN" dirty="0"/>
+              <a:t>p</a:t>
+            </a:r>
+            <a:r>
+              <a:rPr lang="zh-CN" altLang="zh-CN" dirty="0"/>
+              <a:t>的</a:t>
+            </a:r>
+            <a:r>
+              <a:rPr lang="zh-CN" altLang="zh-CN" dirty="0" smtClean="0"/>
+              <a:t>地址</a:t>
+            </a:r>
+            <a:endParaRPr lang="en-US" altLang="zh-CN" dirty="0" smtClean="0"/>
+          </a:p>
+          <a:p>
+            <a:pPr lvl="1"/>
+            <a:r>
+              <a:rPr lang="zh-CN" altLang="zh-CN" dirty="0" smtClean="0"/>
+              <a:t>也就是说</a:t>
+            </a:r>
+            <a:r>
+              <a:rPr lang="zh-CN" altLang="zh-CN" dirty="0"/>
+              <a:t>，指针</a:t>
+            </a:r>
+            <a:r>
+              <a:rPr lang="en-US" altLang="zh-CN" dirty="0"/>
+              <a:t>p</a:t>
+            </a:r>
+            <a:r>
+              <a:rPr lang="zh-CN" altLang="zh-CN" dirty="0"/>
+              <a:t>指向变量</a:t>
+            </a:r>
+            <a:r>
+              <a:rPr lang="en-US" altLang="zh-CN" dirty="0"/>
+              <a:t>f</a:t>
+            </a:r>
+            <a:r>
+              <a:rPr lang="zh-CN" altLang="zh-CN" dirty="0"/>
+              <a:t>，而指针</a:t>
+            </a:r>
+            <a:r>
+              <a:rPr lang="en-US" altLang="zh-CN" dirty="0"/>
+              <a:t>pp</a:t>
+            </a:r>
+            <a:r>
+              <a:rPr lang="zh-CN" altLang="zh-CN" dirty="0"/>
+              <a:t>指向变量</a:t>
+            </a:r>
+            <a:r>
+              <a:rPr lang="en-US" altLang="zh-CN" dirty="0" smtClean="0"/>
+              <a:t>p</a:t>
+            </a:r>
+          </a:p>
+          <a:p>
+            <a:r>
+              <a:rPr lang="zh-CN" altLang="zh-CN" dirty="0" smtClean="0"/>
+              <a:t>变量</a:t>
+            </a:r>
+            <a:r>
+              <a:rPr lang="en-US" altLang="zh-CN" dirty="0"/>
+              <a:t>f</a:t>
+            </a:r>
+            <a:r>
+              <a:rPr lang="zh-CN" altLang="zh-CN" dirty="0"/>
+              <a:t>的值为</a:t>
+            </a:r>
+            <a:r>
+              <a:rPr lang="en-US" altLang="zh-CN" dirty="0"/>
+              <a:t>5</a:t>
+            </a:r>
+            <a:r>
+              <a:rPr lang="zh-CN" altLang="zh-CN" dirty="0"/>
+              <a:t>，使用指针</a:t>
+            </a:r>
+            <a:r>
+              <a:rPr lang="en-US" altLang="zh-CN" dirty="0"/>
+              <a:t>p</a:t>
+            </a:r>
+            <a:r>
+              <a:rPr lang="zh-CN" altLang="zh-CN" dirty="0"/>
+              <a:t>指向的值也为</a:t>
+            </a:r>
+            <a:r>
+              <a:rPr lang="en-US" altLang="zh-CN" dirty="0"/>
+              <a:t>5</a:t>
+            </a:r>
+            <a:r>
+              <a:rPr lang="zh-CN" altLang="zh-CN" dirty="0"/>
+              <a:t>；调用两次指向操作，</a:t>
+            </a:r>
+            <a:r>
+              <a:rPr lang="en-US" altLang="zh-CN" dirty="0"/>
+              <a:t>pp</a:t>
+            </a:r>
+            <a:r>
+              <a:rPr lang="zh-CN" altLang="zh-CN" dirty="0"/>
+              <a:t>指向</a:t>
+            </a:r>
+            <a:r>
+              <a:rPr lang="en-US" altLang="zh-CN" dirty="0"/>
+              <a:t>p</a:t>
+            </a:r>
+            <a:r>
+              <a:rPr lang="zh-CN" altLang="zh-CN" dirty="0"/>
+              <a:t>，</a:t>
+            </a:r>
+            <a:r>
+              <a:rPr lang="en-US" altLang="zh-CN" dirty="0"/>
+              <a:t>p</a:t>
+            </a:r>
+            <a:r>
+              <a:rPr lang="zh-CN" altLang="zh-CN" dirty="0"/>
+              <a:t>又指向</a:t>
+            </a:r>
+            <a:r>
+              <a:rPr lang="en-US" altLang="zh-CN" dirty="0"/>
+              <a:t>f</a:t>
+            </a:r>
+            <a:r>
+              <a:rPr lang="zh-CN" altLang="zh-CN" dirty="0"/>
+              <a:t>，最终也能得到结果是</a:t>
+            </a:r>
+            <a:r>
+              <a:rPr lang="en-US" altLang="zh-CN" dirty="0"/>
+              <a:t>5</a:t>
+            </a:r>
+            <a:r>
+              <a:rPr lang="zh-CN" altLang="zh-CN" dirty="0"/>
+              <a:t>；证明经过两次指向，</a:t>
+            </a:r>
+            <a:r>
+              <a:rPr lang="en-US" altLang="zh-CN" dirty="0"/>
+              <a:t>pp</a:t>
+            </a:r>
+            <a:r>
+              <a:rPr lang="zh-CN" altLang="zh-CN" dirty="0"/>
+              <a:t>最终间接指向了变量</a:t>
+            </a:r>
+            <a:r>
+              <a:rPr lang="en-US" altLang="zh-CN" dirty="0"/>
+              <a:t>f</a:t>
+            </a:r>
+            <a:r>
+              <a:rPr lang="zh-CN" altLang="zh-CN" dirty="0"/>
+              <a:t>。</a:t>
+            </a:r>
+          </a:p>
+          <a:p>
+            <a:endParaRPr lang="zh-CN" altLang="en-US" dirty="0"/>
+          </a:p>
+        </p:txBody>
+      </p:sp>
+    </p:spTree>
+    <p:extLst>
+      <p:ext uri="{BB962C8B-B14F-4D97-AF65-F5344CB8AC3E}">
+        <p14:creationId xmlns:p14="http://schemas.microsoft.com/office/powerpoint/2010/main" val="2836664934"/>
+      </p:ext>
+    </p:extLst>
+  </p:cSld>
+  <p:clrMapOvr>
+    <a:masterClrMapping/>
+  </p:clrMapOvr>
+</p:sld>
+</file>
+
+<file path=ppt/slides/slide16.xml><?xml version="1.0" encoding="utf-8"?>
+<p:sld xmlns:a="http://schemas.openxmlformats.org/drawingml/2006/main" xmlns:r="http://schemas.openxmlformats.org/officeDocument/2006/relationships" xmlns:p="http://schemas.openxmlformats.org/presentationml/2006/main">
+  <p:cSld>
+    <p:spTree>
+      <p:nvGrpSpPr>
+        <p:cNvPr id="1" name=""/>
+        <p:cNvGrpSpPr/>
+        <p:nvPr/>
+      </p:nvGrpSpPr>
+      <p:grpSpPr>
+        <a:xfrm>
+          <a:off x="0" y="0"/>
+          <a:ext cx="0" cy="0"/>
+          <a:chOff x="0" y="0"/>
+          <a:chExt cx="0" cy="0"/>
+        </a:xfrm>
+      </p:grpSpPr>
+      <p:sp>
+        <p:nvSpPr>
+          <p:cNvPr id="2" name="标题 1"/>
+          <p:cNvSpPr>
+            <a:spLocks noGrp="1"/>
+          </p:cNvSpPr>
+          <p:nvPr>
+            <p:ph type="title"/>
+          </p:nvPr>
+        </p:nvSpPr>
+        <p:spPr/>
+        <p:txBody>
+          <a:bodyPr/>
+          <a:lstStyle/>
+          <a:p>
+            <a:endParaRPr lang="zh-CN" altLang="en-US"/>
+          </a:p>
+        </p:txBody>
+      </p:sp>
+      <p:sp>
+        <p:nvSpPr>
+          <p:cNvPr id="3" name="内容占位符 2"/>
+          <p:cNvSpPr>
+            <a:spLocks noGrp="1"/>
+          </p:cNvSpPr>
+          <p:nvPr>
+            <p:ph idx="1"/>
+          </p:nvPr>
+        </p:nvSpPr>
+        <p:spPr/>
+        <p:txBody>
+          <a:bodyPr/>
+          <a:lstStyle/>
+          <a:p>
+            <a:r>
+              <a:rPr lang="zh-CN" altLang="zh-CN" dirty="0"/>
+              <a:t>指向指针的指针常用在二维数组中，比如下面的代码通过两次指向，遍历字符串数组中的每个字符串及字符。</a:t>
+            </a:r>
+          </a:p>
+          <a:p>
+            <a:endParaRPr lang="zh-CN" altLang="en-US" dirty="0"/>
+          </a:p>
+        </p:txBody>
+      </p:sp>
+    </p:spTree>
+    <p:extLst>
+      <p:ext uri="{BB962C8B-B14F-4D97-AF65-F5344CB8AC3E}">
+        <p14:creationId xmlns:p14="http://schemas.microsoft.com/office/powerpoint/2010/main" val="4088811077"/>
+      </p:ext>
+    </p:extLst>
+  </p:cSld>
+  <p:clrMapOvr>
+    <a:masterClrMapping/>
+  </p:clrMapOvr>
+</p:sld>
+</file>
+
+<file path=ppt/slides/slide17.xml><?xml version="1.0" encoding="utf-8"?>
+<p:sld xmlns:a="http://schemas.openxmlformats.org/drawingml/2006/main" xmlns:r="http://schemas.openxmlformats.org/officeDocument/2006/relationships" xmlns:p="http://schemas.openxmlformats.org/presentationml/2006/main">
+  <p:cSld>
+    <p:spTree>
+      <p:nvGrpSpPr>
+        <p:cNvPr id="1" name=""/>
+        <p:cNvGrpSpPr/>
+        <p:nvPr/>
+      </p:nvGrpSpPr>
+      <p:grpSpPr>
+        <a:xfrm>
+          <a:off x="0" y="0"/>
+          <a:ext cx="0" cy="0"/>
+          <a:chOff x="0" y="0"/>
+          <a:chExt cx="0" cy="0"/>
+        </a:xfrm>
+      </p:grpSpPr>
+      <p:sp>
+        <p:nvSpPr>
+          <p:cNvPr id="2" name="标题 1"/>
+          <p:cNvSpPr>
+            <a:spLocks noGrp="1"/>
+          </p:cNvSpPr>
+          <p:nvPr>
+            <p:ph type="title"/>
+          </p:nvPr>
+        </p:nvSpPr>
+        <p:spPr/>
+        <p:txBody>
+          <a:bodyPr/>
+          <a:lstStyle/>
+          <a:p>
+            <a:endParaRPr lang="zh-CN" altLang="en-US"/>
+          </a:p>
+        </p:txBody>
+      </p:sp>
+      <p:sp>
+        <p:nvSpPr>
+          <p:cNvPr id="3" name="内容占位符 2"/>
+          <p:cNvSpPr>
+            <a:spLocks noGrp="1"/>
+          </p:cNvSpPr>
+          <p:nvPr>
+            <p:ph idx="1"/>
+          </p:nvPr>
+        </p:nvSpPr>
+        <p:spPr/>
+        <p:txBody>
+          <a:bodyPr/>
+          <a:lstStyle/>
+          <a:p>
+            <a:endParaRPr lang="zh-CN" altLang="en-US"/>
+          </a:p>
+        </p:txBody>
+      </p:sp>
+      <p:pic>
+        <p:nvPicPr>
+          <p:cNvPr id="3074" name="Picture 2"/>
+          <p:cNvPicPr>
+            <a:picLocks noChangeAspect="1" noChangeArrowheads="1"/>
+          </p:cNvPicPr>
+          <p:nvPr/>
+        </p:nvPicPr>
+        <p:blipFill>
+          <a:blip r:embed="rId2" cstate="print">
+            <a:extLst>
+              <a:ext uri="{28A0092B-C50C-407E-A947-70E740481C1C}">
+                <a14:useLocalDpi xmlns:a14="http://schemas.microsoft.com/office/drawing/2010/main" val="0"/>
+              </a:ext>
+            </a:extLst>
+          </a:blip>
+          <a:srcRect/>
+          <a:stretch>
+            <a:fillRect/>
+          </a:stretch>
+        </p:blipFill>
+        <p:spPr bwMode="auto">
+          <a:xfrm>
+            <a:off x="1927225" y="887413"/>
+            <a:ext cx="5287963" cy="3367087"/>
+          </a:xfrm>
+          <a:prstGeom prst="rect">
+            <a:avLst/>
+          </a:prstGeom>
+          <a:noFill/>
+          <a:ln>
+            <a:noFill/>
+          </a:ln>
+          <a:effectLst/>
+          <a:extLst>
+            <a:ext uri="{909E8E84-426E-40DD-AFC4-6F175D3DCCD1}">
+              <a14:hiddenFill xmlns:a14="http://schemas.microsoft.com/office/drawing/2010/main">
+                <a:solidFill>
+                  <a:schemeClr val="accent1"/>
+                </a:solidFill>
+              </a14:hiddenFill>
+            </a:ext>
+            <a:ext uri="{91240B29-F687-4F45-9708-019B960494DF}">
+              <a14:hiddenLine xmlns:a14="http://schemas.microsoft.com/office/drawing/2010/main" w="9525">
+                <a:solidFill>
+                  <a:schemeClr val="tx1"/>
+                </a:solidFill>
+                <a:miter lim="800000"/>
+                <a:headEnd/>
+                <a:tailEnd/>
+              </a14:hiddenLine>
+            </a:ext>
+            <a:ext uri="{AF507438-7753-43E0-B8FC-AC1667EBCBE1}">
+              <a14:hiddenEffects xmlns:a14="http://schemas.microsoft.com/office/drawing/2010/main">
+                <a:effectLst>
+                  <a:outerShdw dist="35921" dir="2700000" algn="ctr" rotWithShape="0">
+                    <a:schemeClr val="bg2"/>
+                  </a:outerShdw>
+                </a:effectLst>
+              </a14:hiddenEffects>
+            </a:ext>
+          </a:extLst>
+        </p:spPr>
+      </p:pic>
+    </p:spTree>
+    <p:extLst>
+      <p:ext uri="{BB962C8B-B14F-4D97-AF65-F5344CB8AC3E}">
+        <p14:creationId xmlns:p14="http://schemas.microsoft.com/office/powerpoint/2010/main" val="313349240"/>
+      </p:ext>
+    </p:extLst>
+  </p:cSld>
+  <p:clrMapOvr>
+    <a:masterClrMapping/>
+  </p:clrMapOvr>
+</p:sld>
+</file>
+
+<file path=ppt/slides/slide18.xml><?xml version="1.0" encoding="utf-8"?>
+<p:sld xmlns:a="http://schemas.openxmlformats.org/drawingml/2006/main" xmlns:r="http://schemas.openxmlformats.org/officeDocument/2006/relationships" xmlns:p="http://schemas.openxmlformats.org/presentationml/2006/main">
+  <p:cSld>
+    <p:spTree>
+      <p:nvGrpSpPr>
+        <p:cNvPr id="1" name=""/>
+        <p:cNvGrpSpPr/>
+        <p:nvPr/>
+      </p:nvGrpSpPr>
+      <p:grpSpPr>
+        <a:xfrm>
+          <a:off x="0" y="0"/>
+          <a:ext cx="0" cy="0"/>
+          <a:chOff x="0" y="0"/>
+          <a:chExt cx="0" cy="0"/>
+        </a:xfrm>
+      </p:grpSpPr>
+      <p:sp>
+        <p:nvSpPr>
+          <p:cNvPr id="2" name="标题 1"/>
+          <p:cNvSpPr>
+            <a:spLocks noGrp="1"/>
+          </p:cNvSpPr>
+          <p:nvPr>
+            <p:ph type="title"/>
+          </p:nvPr>
+        </p:nvSpPr>
+        <p:spPr/>
+        <p:txBody>
+          <a:bodyPr/>
+          <a:lstStyle/>
+          <a:p>
+            <a:endParaRPr lang="zh-CN" altLang="en-US"/>
+          </a:p>
+        </p:txBody>
+      </p:sp>
+      <p:sp>
+        <p:nvSpPr>
+          <p:cNvPr id="3" name="内容占位符 2"/>
+          <p:cNvSpPr>
+            <a:spLocks noGrp="1"/>
+          </p:cNvSpPr>
+          <p:nvPr>
+            <p:ph idx="1"/>
+          </p:nvPr>
+        </p:nvSpPr>
+        <p:spPr/>
+        <p:txBody>
+          <a:bodyPr/>
+          <a:lstStyle/>
+          <a:p>
+            <a:endParaRPr lang="zh-CN" altLang="en-US"/>
+          </a:p>
+        </p:txBody>
+      </p:sp>
+      <p:pic>
+        <p:nvPicPr>
+          <p:cNvPr id="4098" name="Picture 2"/>
+          <p:cNvPicPr>
+            <a:picLocks noChangeAspect="1" noChangeArrowheads="1"/>
+          </p:cNvPicPr>
+          <p:nvPr/>
+        </p:nvPicPr>
+        <p:blipFill>
+          <a:blip r:embed="rId2" cstate="print">
+            <a:extLst>
+              <a:ext uri="{28A0092B-C50C-407E-A947-70E740481C1C}">
+                <a14:useLocalDpi xmlns:a14="http://schemas.microsoft.com/office/drawing/2010/main" val="0"/>
+              </a:ext>
+            </a:extLst>
+          </a:blip>
+          <a:srcRect/>
+          <a:stretch>
+            <a:fillRect/>
+          </a:stretch>
+        </p:blipFill>
+        <p:spPr bwMode="auto">
+          <a:xfrm>
+            <a:off x="1927225" y="2174875"/>
+            <a:ext cx="5287963" cy="792163"/>
+          </a:xfrm>
+          <a:prstGeom prst="rect">
+            <a:avLst/>
+          </a:prstGeom>
+          <a:noFill/>
+          <a:ln>
+            <a:noFill/>
+          </a:ln>
+          <a:effectLst/>
+          <a:extLst>
+            <a:ext uri="{909E8E84-426E-40DD-AFC4-6F175D3DCCD1}">
+              <a14:hiddenFill xmlns:a14="http://schemas.microsoft.com/office/drawing/2010/main">
+                <a:solidFill>
+                  <a:schemeClr val="accent1"/>
+                </a:solidFill>
+              </a14:hiddenFill>
+            </a:ext>
+            <a:ext uri="{91240B29-F687-4F45-9708-019B960494DF}">
+              <a14:hiddenLine xmlns:a14="http://schemas.microsoft.com/office/drawing/2010/main" w="9525">
+                <a:solidFill>
+                  <a:schemeClr val="tx1"/>
+                </a:solidFill>
+                <a:miter lim="800000"/>
+                <a:headEnd/>
+                <a:tailEnd/>
+              </a14:hiddenLine>
+            </a:ext>
+            <a:ext uri="{AF507438-7753-43E0-B8FC-AC1667EBCBE1}">
+              <a14:hiddenEffects xmlns:a14="http://schemas.microsoft.com/office/drawing/2010/main">
+                <a:effectLst>
+                  <a:outerShdw dist="35921" dir="2700000" algn="ctr" rotWithShape="0">
+                    <a:schemeClr val="bg2"/>
+                  </a:outerShdw>
+                </a:effectLst>
+              </a14:hiddenEffects>
+            </a:ext>
+          </a:extLst>
+        </p:spPr>
+      </p:pic>
+    </p:spTree>
+    <p:extLst>
+      <p:ext uri="{BB962C8B-B14F-4D97-AF65-F5344CB8AC3E}">
+        <p14:creationId xmlns:p14="http://schemas.microsoft.com/office/powerpoint/2010/main" val="2366965812"/>
+      </p:ext>
+    </p:extLst>
+  </p:cSld>
+  <p:clrMapOvr>
+    <a:masterClrMapping/>
+  </p:clrMapOvr>
+</p:sld>
+</file>
+
+<file path=ppt/slides/slide19.xml><?xml version="1.0" encoding="utf-8"?>
+<p:sld xmlns:a="http://schemas.openxmlformats.org/drawingml/2006/main" xmlns:r="http://schemas.openxmlformats.org/officeDocument/2006/relationships" xmlns:p="http://schemas.openxmlformats.org/presentationml/2006/main">
+  <p:cSld>
+    <p:spTree>
+      <p:nvGrpSpPr>
+        <p:cNvPr id="1" name=""/>
+        <p:cNvGrpSpPr/>
+        <p:nvPr/>
+      </p:nvGrpSpPr>
+      <p:grpSpPr>
+        <a:xfrm>
+          <a:off x="0" y="0"/>
+          <a:ext cx="0" cy="0"/>
+          <a:chOff x="0" y="0"/>
+          <a:chExt cx="0" cy="0"/>
+        </a:xfrm>
+      </p:grpSpPr>
+      <p:sp>
+        <p:nvSpPr>
+          <p:cNvPr id="2" name="标题 1"/>
+          <p:cNvSpPr>
+            <a:spLocks noGrp="1"/>
+          </p:cNvSpPr>
+          <p:nvPr>
+            <p:ph type="title"/>
+          </p:nvPr>
+        </p:nvSpPr>
+        <p:spPr/>
+        <p:txBody>
+          <a:bodyPr>
+            <a:normAutofit/>
+          </a:bodyPr>
+          <a:lstStyle/>
+          <a:p>
+            <a:r>
+              <a:rPr lang="zh-CN" altLang="en-US" dirty="0" smtClean="0"/>
+              <a:t>链表</a:t>
+            </a:r>
+            <a:endParaRPr lang="zh-CN" altLang="en-US" dirty="0"/>
+          </a:p>
+        </p:txBody>
+      </p:sp>
+      <p:sp>
+        <p:nvSpPr>
+          <p:cNvPr id="3" name="内容占位符 2"/>
+          <p:cNvSpPr>
+            <a:spLocks noGrp="1"/>
+          </p:cNvSpPr>
+          <p:nvPr>
+            <p:ph idx="1"/>
+          </p:nvPr>
+        </p:nvSpPr>
+        <p:spPr/>
+        <p:txBody>
+          <a:bodyPr>
+            <a:normAutofit fontScale="77500" lnSpcReduction="20000"/>
+          </a:bodyPr>
+          <a:lstStyle/>
+          <a:p>
+            <a:r>
+              <a:rPr lang="zh-CN" altLang="zh-CN" dirty="0" smtClean="0"/>
+              <a:t>前面</a:t>
+            </a:r>
+            <a:r>
+              <a:rPr lang="zh-CN" altLang="zh-CN" dirty="0"/>
+              <a:t>提到的数组，包括使用动态内存分配方式得到的可变长数组，可以对一系列具有相同类型的数据进行组织</a:t>
+            </a:r>
+            <a:r>
+              <a:rPr lang="zh-CN" altLang="zh-CN" dirty="0" smtClean="0"/>
+              <a:t>管理</a:t>
+            </a:r>
+            <a:endParaRPr lang="en-US" altLang="zh-CN" dirty="0" smtClean="0"/>
+          </a:p>
+          <a:p>
+            <a:r>
+              <a:rPr lang="zh-CN" altLang="zh-CN" dirty="0" smtClean="0"/>
+              <a:t>由于</a:t>
+            </a:r>
+            <a:r>
+              <a:rPr lang="zh-CN" altLang="zh-CN" dirty="0"/>
+              <a:t>数组元素的引用可以采用下标方式，随机访问会比较</a:t>
+            </a:r>
+            <a:r>
+              <a:rPr lang="zh-CN" altLang="zh-CN" dirty="0" smtClean="0"/>
+              <a:t>便捷</a:t>
+            </a:r>
+            <a:endParaRPr lang="en-US" altLang="zh-CN" dirty="0" smtClean="0"/>
+          </a:p>
+          <a:p>
+            <a:r>
+              <a:rPr lang="zh-CN" altLang="zh-CN" dirty="0" smtClean="0"/>
+              <a:t>然而</a:t>
+            </a:r>
+            <a:r>
+              <a:rPr lang="zh-CN" altLang="zh-CN" dirty="0"/>
+              <a:t>，在数组中对元素进行增删操作却并不十分高效，增加一个元素可能需要重新分配具有更多元素的数组，而删除一个元素则需要后续的数组元素向前</a:t>
+            </a:r>
+            <a:r>
+              <a:rPr lang="zh-CN" altLang="zh-CN" dirty="0" smtClean="0"/>
+              <a:t>移动</a:t>
+            </a:r>
+            <a:endParaRPr lang="en-US" altLang="zh-CN" dirty="0" smtClean="0"/>
+          </a:p>
+          <a:p>
+            <a:r>
+              <a:rPr lang="zh-CN" altLang="zh-CN" dirty="0" smtClean="0"/>
+              <a:t>这种</a:t>
+            </a:r>
+            <a:r>
+              <a:rPr lang="zh-CN" altLang="zh-CN" dirty="0"/>
+              <a:t>情况下，使用链表来组织数据会更合适。</a:t>
+            </a:r>
+          </a:p>
+          <a:p>
+            <a:endParaRPr lang="zh-CN" altLang="en-US" dirty="0"/>
+          </a:p>
+        </p:txBody>
+      </p:sp>
+    </p:spTree>
+    <p:extLst>
+      <p:ext uri="{BB962C8B-B14F-4D97-AF65-F5344CB8AC3E}">
+        <p14:creationId xmlns:p14="http://schemas.microsoft.com/office/powerpoint/2010/main" val="4248807246"/>
+      </p:ext>
+    </p:extLst>
+  </p:cSld>
+  <p:clrMapOvr>
+    <a:masterClrMapping/>
+  </p:clrMapOvr>
+</p:sld>
+</file>
+
 <file path=ppt/slides/slide2.xml><?xml version="1.0" encoding="utf-8"?>
 <p:sld xmlns:a="http://schemas.openxmlformats.org/drawingml/2006/main" xmlns:r="http://schemas.openxmlformats.org/officeDocument/2006/relationships" xmlns:p="http://schemas.openxmlformats.org/presentationml/2006/main">
   <p:cSld>
@@ -3235,10 +5769,2880 @@
 </p:sld>
 </file>
 
+<file path=ppt/slides/slide20.xml><?xml version="1.0" encoding="utf-8"?>
+<p:sld xmlns:a="http://schemas.openxmlformats.org/drawingml/2006/main" xmlns:r="http://schemas.openxmlformats.org/officeDocument/2006/relationships" xmlns:p="http://schemas.openxmlformats.org/presentationml/2006/main">
+  <p:cSld>
+    <p:spTree>
+      <p:nvGrpSpPr>
+        <p:cNvPr id="1" name=""/>
+        <p:cNvGrpSpPr/>
+        <p:nvPr/>
+      </p:nvGrpSpPr>
+      <p:grpSpPr>
+        <a:xfrm>
+          <a:off x="0" y="0"/>
+          <a:ext cx="0" cy="0"/>
+          <a:chOff x="0" y="0"/>
+          <a:chExt cx="0" cy="0"/>
+        </a:xfrm>
+      </p:grpSpPr>
+      <p:sp>
+        <p:nvSpPr>
+          <p:cNvPr id="2" name="标题 1"/>
+          <p:cNvSpPr>
+            <a:spLocks noGrp="1"/>
+          </p:cNvSpPr>
+          <p:nvPr>
+            <p:ph type="title"/>
+          </p:nvPr>
+        </p:nvSpPr>
+        <p:spPr/>
+        <p:txBody>
+          <a:bodyPr/>
+          <a:lstStyle/>
+          <a:p>
+            <a:endParaRPr lang="zh-CN" altLang="en-US"/>
+          </a:p>
+        </p:txBody>
+      </p:sp>
+      <p:sp>
+        <p:nvSpPr>
+          <p:cNvPr id="3" name="内容占位符 2"/>
+          <p:cNvSpPr>
+            <a:spLocks noGrp="1"/>
+          </p:cNvSpPr>
+          <p:nvPr>
+            <p:ph idx="1"/>
+          </p:nvPr>
+        </p:nvSpPr>
+        <p:spPr/>
+        <p:txBody>
+          <a:bodyPr>
+            <a:normAutofit fontScale="70000" lnSpcReduction="20000"/>
+          </a:bodyPr>
+          <a:lstStyle/>
+          <a:p>
+            <a:r>
+              <a:rPr lang="zh-CN" altLang="zh-CN" dirty="0"/>
+              <a:t>链表是一种常见的重要数据结构，它可以动态地进行存储分配，可以在程序执行过程中从无到有地建立</a:t>
+            </a:r>
+            <a:r>
+              <a:rPr lang="zh-CN" altLang="zh-CN" dirty="0" smtClean="0"/>
+              <a:t>起来</a:t>
+            </a:r>
+            <a:endParaRPr lang="en-US" altLang="zh-CN" dirty="0" smtClean="0"/>
+          </a:p>
+          <a:p>
+            <a:r>
+              <a:rPr lang="zh-CN" altLang="zh-CN" dirty="0" smtClean="0"/>
+              <a:t>正如</a:t>
+            </a:r>
+            <a:r>
+              <a:rPr lang="zh-CN" altLang="zh-CN" dirty="0"/>
+              <a:t>其名字所暗示的那样，所谓链表，类似于链条，链条中的相邻节点会挂接到一起。只需要取到第一个节点，利用这种挂接关系，就可以依次取到后续的所有</a:t>
+            </a:r>
+            <a:r>
+              <a:rPr lang="zh-CN" altLang="zh-CN" dirty="0" smtClean="0"/>
+              <a:t>节点</a:t>
+            </a:r>
+            <a:endParaRPr lang="en-US" altLang="zh-CN" dirty="0" smtClean="0"/>
+          </a:p>
+          <a:p>
+            <a:r>
+              <a:rPr lang="zh-CN" altLang="zh-CN" dirty="0" smtClean="0"/>
+              <a:t>更为</a:t>
+            </a:r>
+            <a:r>
+              <a:rPr lang="zh-CN" altLang="zh-CN" dirty="0"/>
+              <a:t>重要的是，当需要删除某个节点的时候，只需要将这个节点从链表中取出，并将这个节点前后相邻的节点重新挂接起来，保持链表的完整性即</a:t>
+            </a:r>
+            <a:r>
+              <a:rPr lang="zh-CN" altLang="zh-CN" dirty="0" smtClean="0"/>
+              <a:t>可</a:t>
+            </a:r>
+            <a:endParaRPr lang="en-US" altLang="zh-CN" dirty="0" smtClean="0"/>
+          </a:p>
+          <a:p>
+            <a:r>
+              <a:rPr lang="zh-CN" altLang="zh-CN" dirty="0" smtClean="0"/>
+              <a:t>而</a:t>
+            </a:r>
+            <a:r>
+              <a:rPr lang="zh-CN" altLang="zh-CN" dirty="0"/>
+              <a:t>当增加某个节点的时候，也只需要找到该节点的插入位置，将插入位置相邻的两个节点断开，依次和待插入的节点挂接起来即可。</a:t>
+            </a:r>
+          </a:p>
+          <a:p>
+            <a:endParaRPr lang="zh-CN" altLang="en-US" dirty="0"/>
+          </a:p>
+        </p:txBody>
+      </p:sp>
+    </p:spTree>
+    <p:extLst>
+      <p:ext uri="{BB962C8B-B14F-4D97-AF65-F5344CB8AC3E}">
+        <p14:creationId xmlns:p14="http://schemas.microsoft.com/office/powerpoint/2010/main" val="2937054446"/>
+      </p:ext>
+    </p:extLst>
+  </p:cSld>
+  <p:clrMapOvr>
+    <a:masterClrMapping/>
+  </p:clrMapOvr>
+</p:sld>
+</file>
+
+<file path=ppt/slides/slide21.xml><?xml version="1.0" encoding="utf-8"?>
+<p:sld xmlns:a="http://schemas.openxmlformats.org/drawingml/2006/main" xmlns:r="http://schemas.openxmlformats.org/officeDocument/2006/relationships" xmlns:p="http://schemas.openxmlformats.org/presentationml/2006/main">
+  <p:cSld>
+    <p:spTree>
+      <p:nvGrpSpPr>
+        <p:cNvPr id="1" name=""/>
+        <p:cNvGrpSpPr/>
+        <p:nvPr/>
+      </p:nvGrpSpPr>
+      <p:grpSpPr>
+        <a:xfrm>
+          <a:off x="0" y="0"/>
+          <a:ext cx="0" cy="0"/>
+          <a:chOff x="0" y="0"/>
+          <a:chExt cx="0" cy="0"/>
+        </a:xfrm>
+      </p:grpSpPr>
+      <p:sp>
+        <p:nvSpPr>
+          <p:cNvPr id="2" name="标题 1"/>
+          <p:cNvSpPr>
+            <a:spLocks noGrp="1"/>
+          </p:cNvSpPr>
+          <p:nvPr>
+            <p:ph type="title"/>
+          </p:nvPr>
+        </p:nvSpPr>
+        <p:spPr/>
+        <p:txBody>
+          <a:bodyPr/>
+          <a:lstStyle/>
+          <a:p>
+            <a:endParaRPr lang="zh-CN" altLang="en-US"/>
+          </a:p>
+        </p:txBody>
+      </p:sp>
+      <p:sp>
+        <p:nvSpPr>
+          <p:cNvPr id="3" name="内容占位符 2"/>
+          <p:cNvSpPr>
+            <a:spLocks noGrp="1"/>
+          </p:cNvSpPr>
+          <p:nvPr>
+            <p:ph idx="1"/>
+          </p:nvPr>
+        </p:nvSpPr>
+        <p:spPr/>
+        <p:txBody>
+          <a:bodyPr/>
+          <a:lstStyle/>
+          <a:p>
+            <a:r>
+              <a:rPr lang="zh-CN" altLang="zh-CN" dirty="0"/>
+              <a:t>对于链表的操作基本上涵盖了</a:t>
+            </a:r>
+            <a:r>
+              <a:rPr lang="en-US" altLang="zh-CN" dirty="0"/>
+              <a:t>C</a:t>
+            </a:r>
+            <a:r>
+              <a:rPr lang="zh-CN" altLang="zh-CN" dirty="0"/>
+              <a:t>语言的所有重要概念，从数据组织管理到程序结构再到算法设计，几乎会用到前面章节中所学的所有</a:t>
+            </a:r>
+            <a:r>
+              <a:rPr lang="zh-CN" altLang="zh-CN" dirty="0" smtClean="0"/>
+              <a:t>内容</a:t>
+            </a:r>
+            <a:endParaRPr lang="en-US" altLang="zh-CN" dirty="0" smtClean="0"/>
+          </a:p>
+          <a:p>
+            <a:r>
+              <a:rPr lang="zh-CN" altLang="zh-CN" dirty="0" smtClean="0"/>
+              <a:t>因此</a:t>
+            </a:r>
+            <a:r>
+              <a:rPr lang="zh-CN" altLang="zh-CN" dirty="0"/>
+              <a:t>，如果能够熟练掌握对链表的所有操作的话，也就掌握了近乎所有的</a:t>
+            </a:r>
+            <a:r>
+              <a:rPr lang="en-US" altLang="zh-CN" dirty="0"/>
+              <a:t>C</a:t>
+            </a:r>
+            <a:r>
+              <a:rPr lang="zh-CN" altLang="zh-CN" dirty="0"/>
+              <a:t>语言知识。</a:t>
+            </a:r>
+          </a:p>
+          <a:p>
+            <a:endParaRPr lang="zh-CN" altLang="en-US" dirty="0"/>
+          </a:p>
+        </p:txBody>
+      </p:sp>
+    </p:spTree>
+    <p:extLst>
+      <p:ext uri="{BB962C8B-B14F-4D97-AF65-F5344CB8AC3E}">
+        <p14:creationId xmlns:p14="http://schemas.microsoft.com/office/powerpoint/2010/main" val="3952753073"/>
+      </p:ext>
+    </p:extLst>
+  </p:cSld>
+  <p:clrMapOvr>
+    <a:masterClrMapping/>
+  </p:clrMapOvr>
+</p:sld>
+</file>
+
+<file path=ppt/slides/slide22.xml><?xml version="1.0" encoding="utf-8"?>
+<p:sld xmlns:a="http://schemas.openxmlformats.org/drawingml/2006/main" xmlns:r="http://schemas.openxmlformats.org/officeDocument/2006/relationships" xmlns:p="http://schemas.openxmlformats.org/presentationml/2006/main">
+  <p:cSld>
+    <p:spTree>
+      <p:nvGrpSpPr>
+        <p:cNvPr id="1" name=""/>
+        <p:cNvGrpSpPr/>
+        <p:nvPr/>
+      </p:nvGrpSpPr>
+      <p:grpSpPr>
+        <a:xfrm>
+          <a:off x="0" y="0"/>
+          <a:ext cx="0" cy="0"/>
+          <a:chOff x="0" y="0"/>
+          <a:chExt cx="0" cy="0"/>
+        </a:xfrm>
+      </p:grpSpPr>
+      <p:sp>
+        <p:nvSpPr>
+          <p:cNvPr id="2" name="标题 1"/>
+          <p:cNvSpPr>
+            <a:spLocks noGrp="1"/>
+          </p:cNvSpPr>
+          <p:nvPr>
+            <p:ph type="title"/>
+          </p:nvPr>
+        </p:nvSpPr>
+        <p:spPr/>
+        <p:txBody>
+          <a:bodyPr/>
+          <a:lstStyle/>
+          <a:p>
+            <a:endParaRPr lang="zh-CN" altLang="en-US"/>
+          </a:p>
+        </p:txBody>
+      </p:sp>
+      <p:sp>
+        <p:nvSpPr>
+          <p:cNvPr id="3" name="内容占位符 2"/>
+          <p:cNvSpPr>
+            <a:spLocks noGrp="1"/>
+          </p:cNvSpPr>
+          <p:nvPr>
+            <p:ph idx="1"/>
+          </p:nvPr>
+        </p:nvSpPr>
+        <p:spPr/>
+        <p:txBody>
+          <a:bodyPr>
+            <a:normAutofit fontScale="85000" lnSpcReduction="10000"/>
+          </a:bodyPr>
+          <a:lstStyle/>
+          <a:p>
+            <a:r>
+              <a:rPr lang="zh-CN" altLang="zh-CN" dirty="0"/>
+              <a:t>最基本的链表是单向链表，每个节点除了保存自身的数据之外，还有一个指针项，指向下一个节点，最后一个节点的指针项为空，代表链表的</a:t>
+            </a:r>
+            <a:r>
+              <a:rPr lang="zh-CN" altLang="zh-CN" dirty="0" smtClean="0"/>
+              <a:t>结束</a:t>
+            </a:r>
+            <a:endParaRPr lang="en-US" altLang="zh-CN" dirty="0" smtClean="0"/>
+          </a:p>
+          <a:p>
+            <a:r>
+              <a:rPr lang="zh-CN" altLang="zh-CN" dirty="0" smtClean="0"/>
+              <a:t>程序</a:t>
+            </a:r>
+            <a:r>
+              <a:rPr lang="zh-CN" altLang="zh-CN" dirty="0"/>
+              <a:t>中只需要保存第一个节点的指针，通过它可以依次访问到链表中的所有</a:t>
+            </a:r>
+            <a:r>
+              <a:rPr lang="zh-CN" altLang="zh-CN" dirty="0" smtClean="0"/>
+              <a:t>节点</a:t>
+            </a:r>
+            <a:endParaRPr lang="en-US" altLang="zh-CN" dirty="0" smtClean="0"/>
+          </a:p>
+          <a:p>
+            <a:r>
+              <a:rPr lang="zh-CN" altLang="zh-CN" dirty="0" smtClean="0"/>
+              <a:t>有时候</a:t>
+            </a:r>
+            <a:r>
+              <a:rPr lang="zh-CN" altLang="zh-CN" dirty="0"/>
+              <a:t>，也会专门设置一个头节点，它可以保存一些关于整个链表的信息，但最主要功能是通过它来保存链表第一个节点的指针。</a:t>
+            </a:r>
+          </a:p>
+          <a:p>
+            <a:endParaRPr lang="zh-CN" altLang="en-US" dirty="0"/>
+          </a:p>
+        </p:txBody>
+      </p:sp>
+    </p:spTree>
+    <p:extLst>
+      <p:ext uri="{BB962C8B-B14F-4D97-AF65-F5344CB8AC3E}">
+        <p14:creationId xmlns:p14="http://schemas.microsoft.com/office/powerpoint/2010/main" val="251979586"/>
+      </p:ext>
+    </p:extLst>
+  </p:cSld>
+  <p:clrMapOvr>
+    <a:masterClrMapping/>
+  </p:clrMapOvr>
+</p:sld>
+</file>
+
+<file path=ppt/slides/slide23.xml><?xml version="1.0" encoding="utf-8"?>
+<p:sld xmlns:a="http://schemas.openxmlformats.org/drawingml/2006/main" xmlns:r="http://schemas.openxmlformats.org/officeDocument/2006/relationships" xmlns:p="http://schemas.openxmlformats.org/presentationml/2006/main">
+  <p:cSld>
+    <p:spTree>
+      <p:nvGrpSpPr>
+        <p:cNvPr id="1" name=""/>
+        <p:cNvGrpSpPr/>
+        <p:nvPr/>
+      </p:nvGrpSpPr>
+      <p:grpSpPr>
+        <a:xfrm>
+          <a:off x="0" y="0"/>
+          <a:ext cx="0" cy="0"/>
+          <a:chOff x="0" y="0"/>
+          <a:chExt cx="0" cy="0"/>
+        </a:xfrm>
+      </p:grpSpPr>
+      <p:sp>
+        <p:nvSpPr>
+          <p:cNvPr id="2" name="标题 1"/>
+          <p:cNvSpPr>
+            <a:spLocks noGrp="1"/>
+          </p:cNvSpPr>
+          <p:nvPr>
+            <p:ph type="title"/>
+          </p:nvPr>
+        </p:nvSpPr>
+        <p:spPr/>
+        <p:txBody>
+          <a:bodyPr/>
+          <a:lstStyle/>
+          <a:p>
+            <a:endParaRPr lang="zh-CN" altLang="en-US"/>
+          </a:p>
+        </p:txBody>
+      </p:sp>
+      <p:sp>
+        <p:nvSpPr>
+          <p:cNvPr id="3" name="内容占位符 2"/>
+          <p:cNvSpPr>
+            <a:spLocks noGrp="1"/>
+          </p:cNvSpPr>
+          <p:nvPr>
+            <p:ph idx="1"/>
+          </p:nvPr>
+        </p:nvSpPr>
+        <p:spPr/>
+        <p:txBody>
+          <a:bodyPr/>
+          <a:lstStyle/>
+          <a:p>
+            <a:endParaRPr lang="zh-CN" altLang="en-US"/>
+          </a:p>
+        </p:txBody>
+      </p:sp>
+      <p:pic>
+        <p:nvPicPr>
+          <p:cNvPr id="5122" name="Picture 2"/>
+          <p:cNvPicPr>
+            <a:picLocks noChangeAspect="1" noChangeArrowheads="1"/>
+          </p:cNvPicPr>
+          <p:nvPr/>
+        </p:nvPicPr>
+        <p:blipFill>
+          <a:blip r:embed="rId2" cstate="print">
+            <a:extLst>
+              <a:ext uri="{28A0092B-C50C-407E-A947-70E740481C1C}">
+                <a14:useLocalDpi xmlns:a14="http://schemas.microsoft.com/office/drawing/2010/main" val="0"/>
+              </a:ext>
+            </a:extLst>
+          </a:blip>
+          <a:srcRect/>
+          <a:stretch>
+            <a:fillRect/>
+          </a:stretch>
+        </p:blipFill>
+        <p:spPr bwMode="auto">
+          <a:xfrm>
+            <a:off x="1927225" y="1382713"/>
+            <a:ext cx="5287963" cy="2376487"/>
+          </a:xfrm>
+          <a:prstGeom prst="rect">
+            <a:avLst/>
+          </a:prstGeom>
+          <a:noFill/>
+          <a:ln>
+            <a:noFill/>
+          </a:ln>
+          <a:effectLst/>
+          <a:extLst>
+            <a:ext uri="{909E8E84-426E-40DD-AFC4-6F175D3DCCD1}">
+              <a14:hiddenFill xmlns:a14="http://schemas.microsoft.com/office/drawing/2010/main">
+                <a:solidFill>
+                  <a:schemeClr val="accent1"/>
+                </a:solidFill>
+              </a14:hiddenFill>
+            </a:ext>
+            <a:ext uri="{91240B29-F687-4F45-9708-019B960494DF}">
+              <a14:hiddenLine xmlns:a14="http://schemas.microsoft.com/office/drawing/2010/main" w="9525">
+                <a:solidFill>
+                  <a:schemeClr val="tx1"/>
+                </a:solidFill>
+                <a:miter lim="800000"/>
+                <a:headEnd/>
+                <a:tailEnd/>
+              </a14:hiddenLine>
+            </a:ext>
+            <a:ext uri="{AF507438-7753-43E0-B8FC-AC1667EBCBE1}">
+              <a14:hiddenEffects xmlns:a14="http://schemas.microsoft.com/office/drawing/2010/main">
+                <a:effectLst>
+                  <a:outerShdw dist="35921" dir="2700000" algn="ctr" rotWithShape="0">
+                    <a:schemeClr val="bg2"/>
+                  </a:outerShdw>
+                </a:effectLst>
+              </a14:hiddenEffects>
+            </a:ext>
+          </a:extLst>
+        </p:spPr>
+      </p:pic>
+    </p:spTree>
+    <p:extLst>
+      <p:ext uri="{BB962C8B-B14F-4D97-AF65-F5344CB8AC3E}">
+        <p14:creationId xmlns:p14="http://schemas.microsoft.com/office/powerpoint/2010/main" val="1084624031"/>
+      </p:ext>
+    </p:extLst>
+  </p:cSld>
+  <p:clrMapOvr>
+    <a:masterClrMapping/>
+  </p:clrMapOvr>
+</p:sld>
+</file>
+
+<file path=ppt/slides/slide24.xml><?xml version="1.0" encoding="utf-8"?>
+<p:sld xmlns:a="http://schemas.openxmlformats.org/drawingml/2006/main" xmlns:r="http://schemas.openxmlformats.org/officeDocument/2006/relationships" xmlns:p="http://schemas.openxmlformats.org/presentationml/2006/main">
+  <p:cSld>
+    <p:spTree>
+      <p:nvGrpSpPr>
+        <p:cNvPr id="1" name=""/>
+        <p:cNvGrpSpPr/>
+        <p:nvPr/>
+      </p:nvGrpSpPr>
+      <p:grpSpPr>
+        <a:xfrm>
+          <a:off x="0" y="0"/>
+          <a:ext cx="0" cy="0"/>
+          <a:chOff x="0" y="0"/>
+          <a:chExt cx="0" cy="0"/>
+        </a:xfrm>
+      </p:grpSpPr>
+      <p:sp>
+        <p:nvSpPr>
+          <p:cNvPr id="2" name="标题 1"/>
+          <p:cNvSpPr>
+            <a:spLocks noGrp="1"/>
+          </p:cNvSpPr>
+          <p:nvPr>
+            <p:ph type="title"/>
+          </p:nvPr>
+        </p:nvSpPr>
+        <p:spPr/>
+        <p:txBody>
+          <a:bodyPr/>
+          <a:lstStyle/>
+          <a:p>
+            <a:r>
+              <a:rPr lang="zh-CN" altLang="en-US" dirty="0" smtClean="0"/>
+              <a:t>程序分析</a:t>
+            </a:r>
+            <a:endParaRPr lang="zh-CN" altLang="en-US" dirty="0"/>
+          </a:p>
+        </p:txBody>
+      </p:sp>
+      <p:sp>
+        <p:nvSpPr>
+          <p:cNvPr id="3" name="内容占位符 2"/>
+          <p:cNvSpPr>
+            <a:spLocks noGrp="1"/>
+          </p:cNvSpPr>
+          <p:nvPr>
+            <p:ph idx="1"/>
+          </p:nvPr>
+        </p:nvSpPr>
+        <p:spPr/>
+        <p:txBody>
+          <a:bodyPr>
+            <a:normAutofit fontScale="85000" lnSpcReduction="10000"/>
+          </a:bodyPr>
+          <a:lstStyle/>
+          <a:p>
+            <a:r>
+              <a:rPr lang="zh-CN" altLang="zh-CN" dirty="0"/>
+              <a:t>接下来，通过一个例子来说明链表的</a:t>
+            </a:r>
+            <a:r>
+              <a:rPr lang="zh-CN" altLang="zh-CN" dirty="0" smtClean="0"/>
+              <a:t>用法</a:t>
+            </a:r>
+            <a:endParaRPr lang="en-US" altLang="zh-CN" dirty="0" smtClean="0"/>
+          </a:p>
+          <a:p>
+            <a:r>
+              <a:rPr lang="zh-CN" altLang="zh-CN" dirty="0" smtClean="0"/>
+              <a:t>使用</a:t>
+            </a:r>
+            <a:r>
+              <a:rPr lang="zh-CN" altLang="zh-CN" dirty="0"/>
+              <a:t>链表实现一个大规模多人在线游戏的玩家管理系统，玩家包含以下属性：健康值、魔法值、用户名</a:t>
+            </a:r>
+            <a:r>
+              <a:rPr lang="zh-CN" altLang="zh-CN" dirty="0" smtClean="0"/>
+              <a:t>等</a:t>
+            </a:r>
+            <a:endParaRPr lang="en-US" altLang="zh-CN" dirty="0" smtClean="0"/>
+          </a:p>
+          <a:p>
+            <a:r>
+              <a:rPr lang="zh-CN" altLang="zh-CN" dirty="0" smtClean="0"/>
+              <a:t>要求</a:t>
+            </a:r>
+            <a:r>
+              <a:rPr lang="zh-CN" altLang="zh-CN" dirty="0"/>
+              <a:t>实现新玩家进入，玩家退出，寻找指定用户名的玩家和按照健康值由小到大进行排序的</a:t>
+            </a:r>
+            <a:r>
+              <a:rPr lang="zh-CN" altLang="zh-CN" dirty="0" smtClean="0"/>
+              <a:t>功能</a:t>
+            </a:r>
+            <a:endParaRPr lang="en-US" altLang="zh-CN" dirty="0" smtClean="0"/>
+          </a:p>
+          <a:p>
+            <a:r>
+              <a:rPr lang="zh-CN" altLang="zh-CN" dirty="0" smtClean="0"/>
+              <a:t>使用</a:t>
+            </a:r>
+            <a:r>
+              <a:rPr lang="zh-CN" altLang="zh-CN" dirty="0"/>
+              <a:t>普通链表节点保存玩家信息，而链表头节点中保存整个链表以及玩家链表的头指针信息。</a:t>
+            </a:r>
+          </a:p>
+          <a:p>
+            <a:endParaRPr lang="zh-CN" altLang="en-US" dirty="0"/>
+          </a:p>
+        </p:txBody>
+      </p:sp>
+    </p:spTree>
+    <p:extLst>
+      <p:ext uri="{BB962C8B-B14F-4D97-AF65-F5344CB8AC3E}">
+        <p14:creationId xmlns:p14="http://schemas.microsoft.com/office/powerpoint/2010/main" val="694362110"/>
+      </p:ext>
+    </p:extLst>
+  </p:cSld>
+  <p:clrMapOvr>
+    <a:masterClrMapping/>
+  </p:clrMapOvr>
+</p:sld>
+</file>
+
+<file path=ppt/slides/slide25.xml><?xml version="1.0" encoding="utf-8"?>
+<p:sld xmlns:a="http://schemas.openxmlformats.org/drawingml/2006/main" xmlns:r="http://schemas.openxmlformats.org/officeDocument/2006/relationships" xmlns:p="http://schemas.openxmlformats.org/presentationml/2006/main">
+  <p:cSld>
+    <p:spTree>
+      <p:nvGrpSpPr>
+        <p:cNvPr id="1" name=""/>
+        <p:cNvGrpSpPr/>
+        <p:nvPr/>
+      </p:nvGrpSpPr>
+      <p:grpSpPr>
+        <a:xfrm>
+          <a:off x="0" y="0"/>
+          <a:ext cx="0" cy="0"/>
+          <a:chOff x="0" y="0"/>
+          <a:chExt cx="0" cy="0"/>
+        </a:xfrm>
+      </p:grpSpPr>
+      <p:sp>
+        <p:nvSpPr>
+          <p:cNvPr id="2" name="标题 1"/>
+          <p:cNvSpPr>
+            <a:spLocks noGrp="1"/>
+          </p:cNvSpPr>
+          <p:nvPr>
+            <p:ph type="title"/>
+          </p:nvPr>
+        </p:nvSpPr>
+        <p:spPr/>
+        <p:txBody>
+          <a:bodyPr>
+            <a:normAutofit/>
+          </a:bodyPr>
+          <a:lstStyle/>
+          <a:p>
+            <a:r>
+              <a:rPr lang="zh-CN" altLang="en-US" dirty="0"/>
+              <a:t> 终极版坦克</a:t>
+            </a:r>
+            <a:r>
+              <a:rPr lang="zh-CN" altLang="en-US" dirty="0" smtClean="0"/>
+              <a:t>大战</a:t>
+            </a:r>
+            <a:endParaRPr lang="zh-CN" altLang="en-US" dirty="0"/>
+          </a:p>
+        </p:txBody>
+      </p:sp>
+      <p:sp>
+        <p:nvSpPr>
+          <p:cNvPr id="3" name="内容占位符 2"/>
+          <p:cNvSpPr>
+            <a:spLocks noGrp="1"/>
+          </p:cNvSpPr>
+          <p:nvPr>
+            <p:ph idx="1"/>
+          </p:nvPr>
+        </p:nvSpPr>
+        <p:spPr/>
+        <p:txBody>
+          <a:bodyPr>
+            <a:normAutofit fontScale="70000" lnSpcReduction="20000"/>
+          </a:bodyPr>
+          <a:lstStyle/>
+          <a:p>
+            <a:r>
+              <a:rPr lang="zh-CN" altLang="zh-CN" dirty="0" smtClean="0"/>
+              <a:t>我们</a:t>
+            </a:r>
+            <a:r>
+              <a:rPr lang="zh-CN" altLang="zh-CN" dirty="0"/>
+              <a:t>在前面改进版坦克大战的基础上，应用本章所学的指针的高级应用知识，使用链表、动态分配等操作，来对游戏中的敌人、炮弹采用带有头结点的单向链表进行管理，以便于实现增删</a:t>
+            </a:r>
+            <a:r>
+              <a:rPr lang="zh-CN" altLang="zh-CN" dirty="0" smtClean="0"/>
+              <a:t>操作</a:t>
+            </a:r>
+            <a:endParaRPr lang="en-US" altLang="zh-CN" dirty="0" smtClean="0"/>
+          </a:p>
+          <a:p>
+            <a:r>
+              <a:rPr lang="zh-CN" altLang="zh-CN" dirty="0" smtClean="0"/>
+              <a:t>而且</a:t>
+            </a:r>
+            <a:r>
+              <a:rPr lang="zh-CN" altLang="zh-CN" dirty="0"/>
+              <a:t>我们将游戏中的不同功能函数进行分类，并放置于不同源代码文件中，使用头文件开放函数</a:t>
+            </a:r>
+            <a:r>
+              <a:rPr lang="zh-CN" altLang="zh-CN" dirty="0" smtClean="0"/>
+              <a:t>声明</a:t>
+            </a:r>
+            <a:endParaRPr lang="en-US" altLang="zh-CN" dirty="0" smtClean="0"/>
+          </a:p>
+          <a:p>
+            <a:r>
+              <a:rPr lang="zh-CN" altLang="zh-CN" dirty="0" smtClean="0"/>
+              <a:t>主文件</a:t>
+            </a:r>
+            <a:r>
+              <a:rPr lang="zh-CN" altLang="zh-CN" dirty="0"/>
+              <a:t>不实现具体功能，只进行功能调用。这种对程序内容进行分门别类的策略，会使得整个工程更加易于</a:t>
+            </a:r>
+            <a:r>
+              <a:rPr lang="zh-CN" altLang="zh-CN" dirty="0" smtClean="0"/>
+              <a:t>维护</a:t>
+            </a:r>
+            <a:endParaRPr lang="en-US" altLang="zh-CN" dirty="0" smtClean="0"/>
+          </a:p>
+          <a:p>
+            <a:r>
+              <a:rPr lang="zh-CN" altLang="zh-CN" dirty="0" smtClean="0"/>
+              <a:t>此外</a:t>
+            </a:r>
+            <a:r>
+              <a:rPr lang="zh-CN" altLang="zh-CN" dirty="0"/>
+              <a:t>，我们邀请了美术人员重新绘制了游戏中使用的美术资源，还实现了动画效果。</a:t>
+            </a:r>
+          </a:p>
+          <a:p>
+            <a:endParaRPr lang="zh-CN" altLang="en-US" dirty="0"/>
+          </a:p>
+        </p:txBody>
+      </p:sp>
+    </p:spTree>
+    <p:extLst>
+      <p:ext uri="{BB962C8B-B14F-4D97-AF65-F5344CB8AC3E}">
+        <p14:creationId xmlns:p14="http://schemas.microsoft.com/office/powerpoint/2010/main" val="1077093281"/>
+      </p:ext>
+    </p:extLst>
+  </p:cSld>
+  <p:clrMapOvr>
+    <a:masterClrMapping/>
+  </p:clrMapOvr>
+</p:sld>
+</file>
+
+<file path=ppt/slides/slide26.xml><?xml version="1.0" encoding="utf-8"?>
+<p:sld xmlns:a="http://schemas.openxmlformats.org/drawingml/2006/main" xmlns:r="http://schemas.openxmlformats.org/officeDocument/2006/relationships" xmlns:p="http://schemas.openxmlformats.org/presentationml/2006/main">
+  <p:cSld>
+    <p:spTree>
+      <p:nvGrpSpPr>
+        <p:cNvPr id="1" name=""/>
+        <p:cNvGrpSpPr/>
+        <p:nvPr/>
+      </p:nvGrpSpPr>
+      <p:grpSpPr>
+        <a:xfrm>
+          <a:off x="0" y="0"/>
+          <a:ext cx="0" cy="0"/>
+          <a:chOff x="0" y="0"/>
+          <a:chExt cx="0" cy="0"/>
+        </a:xfrm>
+      </p:grpSpPr>
+      <p:sp>
+        <p:nvSpPr>
+          <p:cNvPr id="2" name="标题 1"/>
+          <p:cNvSpPr>
+            <a:spLocks noGrp="1"/>
+          </p:cNvSpPr>
+          <p:nvPr>
+            <p:ph type="title"/>
+          </p:nvPr>
+        </p:nvSpPr>
+        <p:spPr/>
+        <p:txBody>
+          <a:bodyPr/>
+          <a:lstStyle/>
+          <a:p>
+            <a:endParaRPr lang="zh-CN" altLang="en-US"/>
+          </a:p>
+        </p:txBody>
+      </p:sp>
+      <p:sp>
+        <p:nvSpPr>
+          <p:cNvPr id="3" name="内容占位符 2"/>
+          <p:cNvSpPr>
+            <a:spLocks noGrp="1"/>
+          </p:cNvSpPr>
+          <p:nvPr>
+            <p:ph idx="1"/>
+          </p:nvPr>
+        </p:nvSpPr>
+        <p:spPr/>
+        <p:txBody>
+          <a:bodyPr/>
+          <a:lstStyle/>
+          <a:p>
+            <a:r>
+              <a:rPr lang="zh-CN" altLang="zh-CN" dirty="0"/>
+              <a:t>整个程序分成</a:t>
+            </a:r>
+            <a:r>
+              <a:rPr lang="en-US" altLang="zh-CN" dirty="0"/>
+              <a:t>3</a:t>
+            </a:r>
+            <a:r>
+              <a:rPr lang="zh-CN" altLang="zh-CN" dirty="0"/>
+              <a:t>大模块，分别是和游戏实体相关的操作模块，和游戏运行逻辑相关的模块以及游戏初始化模块。将其分别命名为：</a:t>
+            </a:r>
+            <a:r>
+              <a:rPr lang="en-US" altLang="zh-CN" dirty="0"/>
+              <a:t>Entity</a:t>
+            </a:r>
+            <a:r>
+              <a:rPr lang="zh-CN" altLang="zh-CN" dirty="0"/>
+              <a:t>、</a:t>
+            </a:r>
+            <a:r>
+              <a:rPr lang="en-US" altLang="zh-CN" dirty="0" err="1"/>
+              <a:t>GameProc</a:t>
+            </a:r>
+            <a:r>
+              <a:rPr lang="zh-CN" altLang="zh-CN" dirty="0"/>
+              <a:t>和</a:t>
+            </a:r>
+            <a:r>
+              <a:rPr lang="en-US" altLang="zh-CN" dirty="0" err="1"/>
+              <a:t>Init</a:t>
+            </a:r>
+            <a:r>
+              <a:rPr lang="zh-CN" altLang="zh-CN" dirty="0"/>
+              <a:t>，为其建立</a:t>
+            </a:r>
+            <a:r>
+              <a:rPr lang="en-US" altLang="zh-CN" dirty="0" err="1"/>
+              <a:t>cpp</a:t>
+            </a:r>
+            <a:r>
+              <a:rPr lang="zh-CN" altLang="zh-CN" dirty="0"/>
+              <a:t>文件和对应的</a:t>
+            </a:r>
+            <a:r>
+              <a:rPr lang="en-US" altLang="zh-CN" dirty="0"/>
+              <a:t>h</a:t>
+            </a:r>
+            <a:r>
+              <a:rPr lang="zh-CN" altLang="zh-CN" dirty="0" smtClean="0"/>
+              <a:t>文件</a:t>
+            </a:r>
+            <a:endParaRPr lang="zh-CN" altLang="en-US" dirty="0"/>
+          </a:p>
+        </p:txBody>
+      </p:sp>
+    </p:spTree>
+    <p:extLst>
+      <p:ext uri="{BB962C8B-B14F-4D97-AF65-F5344CB8AC3E}">
+        <p14:creationId xmlns:p14="http://schemas.microsoft.com/office/powerpoint/2010/main" val="1567222115"/>
+      </p:ext>
+    </p:extLst>
+  </p:cSld>
+  <p:clrMapOvr>
+    <a:masterClrMapping/>
+  </p:clrMapOvr>
+</p:sld>
+</file>
+
+<file path=ppt/slides/slide27.xml><?xml version="1.0" encoding="utf-8"?>
+<p:sld xmlns:a="http://schemas.openxmlformats.org/drawingml/2006/main" xmlns:r="http://schemas.openxmlformats.org/officeDocument/2006/relationships" xmlns:p="http://schemas.openxmlformats.org/presentationml/2006/main">
+  <p:cSld>
+    <p:spTree>
+      <p:nvGrpSpPr>
+        <p:cNvPr id="1" name=""/>
+        <p:cNvGrpSpPr/>
+        <p:nvPr/>
+      </p:nvGrpSpPr>
+      <p:grpSpPr>
+        <a:xfrm>
+          <a:off x="0" y="0"/>
+          <a:ext cx="0" cy="0"/>
+          <a:chOff x="0" y="0"/>
+          <a:chExt cx="0" cy="0"/>
+        </a:xfrm>
+      </p:grpSpPr>
+      <p:sp>
+        <p:nvSpPr>
+          <p:cNvPr id="2" name="标题 1"/>
+          <p:cNvSpPr>
+            <a:spLocks noGrp="1"/>
+          </p:cNvSpPr>
+          <p:nvPr>
+            <p:ph type="title"/>
+          </p:nvPr>
+        </p:nvSpPr>
+        <p:spPr/>
+        <p:txBody>
+          <a:bodyPr/>
+          <a:lstStyle/>
+          <a:p>
+            <a:endParaRPr lang="zh-CN" altLang="en-US"/>
+          </a:p>
+        </p:txBody>
+      </p:sp>
+      <p:sp>
+        <p:nvSpPr>
+          <p:cNvPr id="3" name="内容占位符 2"/>
+          <p:cNvSpPr>
+            <a:spLocks noGrp="1"/>
+          </p:cNvSpPr>
+          <p:nvPr>
+            <p:ph idx="1"/>
+          </p:nvPr>
+        </p:nvSpPr>
+        <p:spPr/>
+        <p:txBody>
+          <a:bodyPr/>
+          <a:lstStyle/>
+          <a:p>
+            <a:endParaRPr lang="zh-CN" altLang="en-US"/>
+          </a:p>
+        </p:txBody>
+      </p:sp>
+      <p:pic>
+        <p:nvPicPr>
+          <p:cNvPr id="6146" name="Picture 2"/>
+          <p:cNvPicPr>
+            <a:picLocks noChangeAspect="1" noChangeArrowheads="1"/>
+          </p:cNvPicPr>
+          <p:nvPr/>
+        </p:nvPicPr>
+        <p:blipFill>
+          <a:blip r:embed="rId2" cstate="print">
+            <a:extLst>
+              <a:ext uri="{28A0092B-C50C-407E-A947-70E740481C1C}">
+                <a14:useLocalDpi xmlns:a14="http://schemas.microsoft.com/office/drawing/2010/main" val="0"/>
+              </a:ext>
+            </a:extLst>
+          </a:blip>
+          <a:srcRect/>
+          <a:stretch>
+            <a:fillRect/>
+          </a:stretch>
+        </p:blipFill>
+        <p:spPr bwMode="auto">
+          <a:xfrm>
+            <a:off x="1852613" y="280988"/>
+            <a:ext cx="5437187" cy="4579937"/>
+          </a:xfrm>
+          <a:prstGeom prst="rect">
+            <a:avLst/>
+          </a:prstGeom>
+          <a:noFill/>
+          <a:ln>
+            <a:noFill/>
+          </a:ln>
+          <a:effectLst/>
+          <a:extLst>
+            <a:ext uri="{909E8E84-426E-40DD-AFC4-6F175D3DCCD1}">
+              <a14:hiddenFill xmlns:a14="http://schemas.microsoft.com/office/drawing/2010/main">
+                <a:solidFill>
+                  <a:schemeClr val="accent1"/>
+                </a:solidFill>
+              </a14:hiddenFill>
+            </a:ext>
+            <a:ext uri="{91240B29-F687-4F45-9708-019B960494DF}">
+              <a14:hiddenLine xmlns:a14="http://schemas.microsoft.com/office/drawing/2010/main" w="9525">
+                <a:solidFill>
+                  <a:schemeClr val="tx1"/>
+                </a:solidFill>
+                <a:miter lim="800000"/>
+                <a:headEnd/>
+                <a:tailEnd/>
+              </a14:hiddenLine>
+            </a:ext>
+            <a:ext uri="{AF507438-7753-43E0-B8FC-AC1667EBCBE1}">
+              <a14:hiddenEffects xmlns:a14="http://schemas.microsoft.com/office/drawing/2010/main">
+                <a:effectLst>
+                  <a:outerShdw dist="35921" dir="2700000" algn="ctr" rotWithShape="0">
+                    <a:schemeClr val="bg2"/>
+                  </a:outerShdw>
+                </a:effectLst>
+              </a14:hiddenEffects>
+            </a:ext>
+          </a:extLst>
+        </p:spPr>
+      </p:pic>
+    </p:spTree>
+    <p:extLst>
+      <p:ext uri="{BB962C8B-B14F-4D97-AF65-F5344CB8AC3E}">
+        <p14:creationId xmlns:p14="http://schemas.microsoft.com/office/powerpoint/2010/main" val="2379540954"/>
+      </p:ext>
+    </p:extLst>
+  </p:cSld>
+  <p:clrMapOvr>
+    <a:masterClrMapping/>
+  </p:clrMapOvr>
+</p:sld>
+</file>
+
+<file path=ppt/slides/slide28.xml><?xml version="1.0" encoding="utf-8"?>
+<p:sld xmlns:a="http://schemas.openxmlformats.org/drawingml/2006/main" xmlns:r="http://schemas.openxmlformats.org/officeDocument/2006/relationships" xmlns:p="http://schemas.openxmlformats.org/presentationml/2006/main">
+  <p:cSld>
+    <p:spTree>
+      <p:nvGrpSpPr>
+        <p:cNvPr id="1" name=""/>
+        <p:cNvGrpSpPr/>
+        <p:nvPr/>
+      </p:nvGrpSpPr>
+      <p:grpSpPr>
+        <a:xfrm>
+          <a:off x="0" y="0"/>
+          <a:ext cx="0" cy="0"/>
+          <a:chOff x="0" y="0"/>
+          <a:chExt cx="0" cy="0"/>
+        </a:xfrm>
+      </p:grpSpPr>
+      <p:sp>
+        <p:nvSpPr>
+          <p:cNvPr id="2" name="标题 1"/>
+          <p:cNvSpPr>
+            <a:spLocks noGrp="1"/>
+          </p:cNvSpPr>
+          <p:nvPr>
+            <p:ph type="title"/>
+          </p:nvPr>
+        </p:nvSpPr>
+        <p:spPr/>
+        <p:txBody>
+          <a:bodyPr/>
+          <a:lstStyle/>
+          <a:p>
+            <a:endParaRPr lang="zh-CN" altLang="en-US"/>
+          </a:p>
+        </p:txBody>
+      </p:sp>
+      <p:sp>
+        <p:nvSpPr>
+          <p:cNvPr id="3" name="内容占位符 2"/>
+          <p:cNvSpPr>
+            <a:spLocks noGrp="1"/>
+          </p:cNvSpPr>
+          <p:nvPr>
+            <p:ph idx="1"/>
+          </p:nvPr>
+        </p:nvSpPr>
+        <p:spPr/>
+        <p:txBody>
+          <a:bodyPr/>
+          <a:lstStyle/>
+          <a:p>
+            <a:endParaRPr lang="zh-CN" altLang="en-US"/>
+          </a:p>
+        </p:txBody>
+      </p:sp>
+      <p:pic>
+        <p:nvPicPr>
+          <p:cNvPr id="7170" name="Picture 2"/>
+          <p:cNvPicPr>
+            <a:picLocks noChangeAspect="1" noChangeArrowheads="1"/>
+          </p:cNvPicPr>
+          <p:nvPr/>
+        </p:nvPicPr>
+        <p:blipFill>
+          <a:blip r:embed="rId2" cstate="print">
+            <a:extLst>
+              <a:ext uri="{28A0092B-C50C-407E-A947-70E740481C1C}">
+                <a14:useLocalDpi xmlns:a14="http://schemas.microsoft.com/office/drawing/2010/main" val="0"/>
+              </a:ext>
+            </a:extLst>
+          </a:blip>
+          <a:srcRect/>
+          <a:stretch>
+            <a:fillRect/>
+          </a:stretch>
+        </p:blipFill>
+        <p:spPr bwMode="auto">
+          <a:xfrm>
+            <a:off x="1852613" y="82550"/>
+            <a:ext cx="5437187" cy="4976813"/>
+          </a:xfrm>
+          <a:prstGeom prst="rect">
+            <a:avLst/>
+          </a:prstGeom>
+          <a:noFill/>
+          <a:ln>
+            <a:noFill/>
+          </a:ln>
+          <a:effectLst/>
+          <a:extLst>
+            <a:ext uri="{909E8E84-426E-40DD-AFC4-6F175D3DCCD1}">
+              <a14:hiddenFill xmlns:a14="http://schemas.microsoft.com/office/drawing/2010/main">
+                <a:solidFill>
+                  <a:schemeClr val="accent1"/>
+                </a:solidFill>
+              </a14:hiddenFill>
+            </a:ext>
+            <a:ext uri="{91240B29-F687-4F45-9708-019B960494DF}">
+              <a14:hiddenLine xmlns:a14="http://schemas.microsoft.com/office/drawing/2010/main" w="9525">
+                <a:solidFill>
+                  <a:schemeClr val="tx1"/>
+                </a:solidFill>
+                <a:miter lim="800000"/>
+                <a:headEnd/>
+                <a:tailEnd/>
+              </a14:hiddenLine>
+            </a:ext>
+            <a:ext uri="{AF507438-7753-43E0-B8FC-AC1667EBCBE1}">
+              <a14:hiddenEffects xmlns:a14="http://schemas.microsoft.com/office/drawing/2010/main">
+                <a:effectLst>
+                  <a:outerShdw dist="35921" dir="2700000" algn="ctr" rotWithShape="0">
+                    <a:schemeClr val="bg2"/>
+                  </a:outerShdw>
+                </a:effectLst>
+              </a14:hiddenEffects>
+            </a:ext>
+          </a:extLst>
+        </p:spPr>
+      </p:pic>
+    </p:spTree>
+    <p:extLst>
+      <p:ext uri="{BB962C8B-B14F-4D97-AF65-F5344CB8AC3E}">
+        <p14:creationId xmlns:p14="http://schemas.microsoft.com/office/powerpoint/2010/main" val="906164691"/>
+      </p:ext>
+    </p:extLst>
+  </p:cSld>
+  <p:clrMapOvr>
+    <a:masterClrMapping/>
+  </p:clrMapOvr>
+</p:sld>
+</file>
+
+<file path=ppt/slides/slide29.xml><?xml version="1.0" encoding="utf-8"?>
+<p:sld xmlns:a="http://schemas.openxmlformats.org/drawingml/2006/main" xmlns:r="http://schemas.openxmlformats.org/officeDocument/2006/relationships" xmlns:p="http://schemas.openxmlformats.org/presentationml/2006/main">
+  <p:cSld>
+    <p:spTree>
+      <p:nvGrpSpPr>
+        <p:cNvPr id="1" name=""/>
+        <p:cNvGrpSpPr/>
+        <p:nvPr/>
+      </p:nvGrpSpPr>
+      <p:grpSpPr>
+        <a:xfrm>
+          <a:off x="0" y="0"/>
+          <a:ext cx="0" cy="0"/>
+          <a:chOff x="0" y="0"/>
+          <a:chExt cx="0" cy="0"/>
+        </a:xfrm>
+      </p:grpSpPr>
+      <p:sp>
+        <p:nvSpPr>
+          <p:cNvPr id="2" name="标题 1"/>
+          <p:cNvSpPr>
+            <a:spLocks noGrp="1"/>
+          </p:cNvSpPr>
+          <p:nvPr>
+            <p:ph type="title"/>
+          </p:nvPr>
+        </p:nvSpPr>
+        <p:spPr/>
+        <p:txBody>
+          <a:bodyPr/>
+          <a:lstStyle/>
+          <a:p>
+            <a:endParaRPr lang="zh-CN" altLang="en-US"/>
+          </a:p>
+        </p:txBody>
+      </p:sp>
+      <p:sp>
+        <p:nvSpPr>
+          <p:cNvPr id="3" name="内容占位符 2"/>
+          <p:cNvSpPr>
+            <a:spLocks noGrp="1"/>
+          </p:cNvSpPr>
+          <p:nvPr>
+            <p:ph idx="1"/>
+          </p:nvPr>
+        </p:nvSpPr>
+        <p:spPr/>
+        <p:txBody>
+          <a:bodyPr/>
+          <a:lstStyle/>
+          <a:p>
+            <a:endParaRPr lang="zh-CN" altLang="en-US"/>
+          </a:p>
+        </p:txBody>
+      </p:sp>
+      <p:pic>
+        <p:nvPicPr>
+          <p:cNvPr id="8194" name="Picture 2"/>
+          <p:cNvPicPr>
+            <a:picLocks noChangeAspect="1" noChangeArrowheads="1"/>
+          </p:cNvPicPr>
+          <p:nvPr/>
+        </p:nvPicPr>
+        <p:blipFill>
+          <a:blip r:embed="rId2" cstate="print">
+            <a:extLst>
+              <a:ext uri="{28A0092B-C50C-407E-A947-70E740481C1C}">
+                <a14:useLocalDpi xmlns:a14="http://schemas.microsoft.com/office/drawing/2010/main" val="0"/>
+              </a:ext>
+            </a:extLst>
+          </a:blip>
+          <a:srcRect/>
+          <a:stretch>
+            <a:fillRect/>
+          </a:stretch>
+        </p:blipFill>
+        <p:spPr bwMode="auto">
+          <a:xfrm>
+            <a:off x="2411760" y="123478"/>
+            <a:ext cx="4072337" cy="4765526"/>
+          </a:xfrm>
+          <a:prstGeom prst="rect">
+            <a:avLst/>
+          </a:prstGeom>
+          <a:noFill/>
+          <a:ln>
+            <a:noFill/>
+          </a:ln>
+          <a:effectLst/>
+          <a:extLst>
+            <a:ext uri="{909E8E84-426E-40DD-AFC4-6F175D3DCCD1}">
+              <a14:hiddenFill xmlns:a14="http://schemas.microsoft.com/office/drawing/2010/main">
+                <a:solidFill>
+                  <a:schemeClr val="accent1"/>
+                </a:solidFill>
+              </a14:hiddenFill>
+            </a:ext>
+            <a:ext uri="{91240B29-F687-4F45-9708-019B960494DF}">
+              <a14:hiddenLine xmlns:a14="http://schemas.microsoft.com/office/drawing/2010/main" w="9525">
+                <a:solidFill>
+                  <a:schemeClr val="tx1"/>
+                </a:solidFill>
+                <a:miter lim="800000"/>
+                <a:headEnd/>
+                <a:tailEnd/>
+              </a14:hiddenLine>
+            </a:ext>
+            <a:ext uri="{AF507438-7753-43E0-B8FC-AC1667EBCBE1}">
+              <a14:hiddenEffects xmlns:a14="http://schemas.microsoft.com/office/drawing/2010/main">
+                <a:effectLst>
+                  <a:outerShdw dist="35921" dir="2700000" algn="ctr" rotWithShape="0">
+                    <a:schemeClr val="bg2"/>
+                  </a:outerShdw>
+                </a:effectLst>
+              </a14:hiddenEffects>
+            </a:ext>
+          </a:extLst>
+        </p:spPr>
+      </p:pic>
+    </p:spTree>
+    <p:extLst>
+      <p:ext uri="{BB962C8B-B14F-4D97-AF65-F5344CB8AC3E}">
+        <p14:creationId xmlns:p14="http://schemas.microsoft.com/office/powerpoint/2010/main" val="2857697375"/>
+      </p:ext>
+    </p:extLst>
+  </p:cSld>
+  <p:clrMapOvr>
+    <a:masterClrMapping/>
+  </p:clrMapOvr>
+</p:sld>
+</file>
+
+<file path=ppt/slides/slide3.xml><?xml version="1.0" encoding="utf-8"?>
+<p:sld xmlns:a="http://schemas.openxmlformats.org/drawingml/2006/main" xmlns:r="http://schemas.openxmlformats.org/officeDocument/2006/relationships" xmlns:p="http://schemas.openxmlformats.org/presentationml/2006/main">
+  <p:cSld>
+    <p:spTree>
+      <p:nvGrpSpPr>
+        <p:cNvPr id="1" name=""/>
+        <p:cNvGrpSpPr/>
+        <p:nvPr/>
+      </p:nvGrpSpPr>
+      <p:grpSpPr>
+        <a:xfrm>
+          <a:off x="0" y="0"/>
+          <a:ext cx="0" cy="0"/>
+          <a:chOff x="0" y="0"/>
+          <a:chExt cx="0" cy="0"/>
+        </a:xfrm>
+      </p:grpSpPr>
+      <p:sp>
+        <p:nvSpPr>
+          <p:cNvPr id="2" name="标题 1"/>
+          <p:cNvSpPr>
+            <a:spLocks noGrp="1"/>
+          </p:cNvSpPr>
+          <p:nvPr>
+            <p:ph type="title"/>
+          </p:nvPr>
+        </p:nvSpPr>
+        <p:spPr/>
+        <p:txBody>
+          <a:bodyPr/>
+          <a:lstStyle/>
+          <a:p>
+            <a:endParaRPr lang="zh-CN" altLang="en-US"/>
+          </a:p>
+        </p:txBody>
+      </p:sp>
+      <p:sp>
+        <p:nvSpPr>
+          <p:cNvPr id="3" name="内容占位符 2"/>
+          <p:cNvSpPr>
+            <a:spLocks noGrp="1"/>
+          </p:cNvSpPr>
+          <p:nvPr>
+            <p:ph idx="1"/>
+          </p:nvPr>
+        </p:nvSpPr>
+        <p:spPr/>
+        <p:txBody>
+          <a:bodyPr>
+            <a:normAutofit fontScale="92500" lnSpcReduction="10000"/>
+          </a:bodyPr>
+          <a:lstStyle/>
+          <a:p>
+            <a:r>
+              <a:rPr lang="zh-CN" altLang="zh-CN" dirty="0" smtClean="0"/>
+              <a:t>在</a:t>
+            </a:r>
+            <a:r>
+              <a:rPr lang="zh-CN" altLang="zh-CN" dirty="0"/>
+              <a:t>定义一个数组的时候，需要指定数组长度，以便编译器为它分配确定大小的</a:t>
+            </a:r>
+            <a:r>
+              <a:rPr lang="zh-CN" altLang="zh-CN" dirty="0" smtClean="0"/>
+              <a:t>内存</a:t>
+            </a:r>
+            <a:endParaRPr lang="en-US" altLang="zh-CN" dirty="0" smtClean="0"/>
+          </a:p>
+          <a:p>
+            <a:r>
+              <a:rPr lang="zh-CN" altLang="zh-CN" dirty="0" smtClean="0"/>
+              <a:t>然而</a:t>
+            </a:r>
+            <a:r>
+              <a:rPr lang="zh-CN" altLang="zh-CN" dirty="0"/>
+              <a:t>，很多时候数组所需的准确长度难以事先</a:t>
+            </a:r>
+            <a:r>
+              <a:rPr lang="zh-CN" altLang="zh-CN" dirty="0" smtClean="0"/>
+              <a:t>获知</a:t>
+            </a:r>
+            <a:endParaRPr lang="en-US" altLang="zh-CN" dirty="0" smtClean="0"/>
+          </a:p>
+          <a:p>
+            <a:r>
+              <a:rPr lang="zh-CN" altLang="zh-CN" dirty="0" smtClean="0"/>
+              <a:t>本章</a:t>
+            </a:r>
+            <a:r>
+              <a:rPr lang="zh-CN" altLang="zh-CN" dirty="0"/>
+              <a:t>的要点是如何在程序运行阶段动态分配内存，以及如何利用链表来有效组织程序中的数据集合，这些内容都需要利用指针来完成。</a:t>
+            </a:r>
+          </a:p>
+          <a:p>
+            <a:endParaRPr lang="zh-CN" altLang="en-US" dirty="0"/>
+          </a:p>
+        </p:txBody>
+      </p:sp>
+    </p:spTree>
+    <p:extLst>
+      <p:ext uri="{BB962C8B-B14F-4D97-AF65-F5344CB8AC3E}">
+        <p14:creationId xmlns:p14="http://schemas.microsoft.com/office/powerpoint/2010/main" val="1708622503"/>
+      </p:ext>
+    </p:extLst>
+  </p:cSld>
+  <p:clrMapOvr>
+    <a:masterClrMapping/>
+  </p:clrMapOvr>
+</p:sld>
+</file>
+
+<file path=ppt/slides/slide30.xml><?xml version="1.0" encoding="utf-8"?>
+<p:sld xmlns:a="http://schemas.openxmlformats.org/drawingml/2006/main" xmlns:r="http://schemas.openxmlformats.org/officeDocument/2006/relationships" xmlns:p="http://schemas.openxmlformats.org/presentationml/2006/main">
+  <p:cSld>
+    <p:spTree>
+      <p:nvGrpSpPr>
+        <p:cNvPr id="1" name=""/>
+        <p:cNvGrpSpPr/>
+        <p:nvPr/>
+      </p:nvGrpSpPr>
+      <p:grpSpPr>
+        <a:xfrm>
+          <a:off x="0" y="0"/>
+          <a:ext cx="0" cy="0"/>
+          <a:chOff x="0" y="0"/>
+          <a:chExt cx="0" cy="0"/>
+        </a:xfrm>
+      </p:grpSpPr>
+      <p:sp>
+        <p:nvSpPr>
+          <p:cNvPr id="2" name="标题 1"/>
+          <p:cNvSpPr>
+            <a:spLocks noGrp="1"/>
+          </p:cNvSpPr>
+          <p:nvPr>
+            <p:ph type="title"/>
+          </p:nvPr>
+        </p:nvSpPr>
+        <p:spPr/>
+        <p:txBody>
+          <a:bodyPr/>
+          <a:lstStyle/>
+          <a:p>
+            <a:endParaRPr lang="zh-CN" altLang="en-US"/>
+          </a:p>
+        </p:txBody>
+      </p:sp>
+      <p:sp>
+        <p:nvSpPr>
+          <p:cNvPr id="3" name="内容占位符 2"/>
+          <p:cNvSpPr>
+            <a:spLocks noGrp="1"/>
+          </p:cNvSpPr>
+          <p:nvPr>
+            <p:ph idx="1"/>
+          </p:nvPr>
+        </p:nvSpPr>
+        <p:spPr/>
+        <p:txBody>
+          <a:bodyPr>
+            <a:normAutofit fontScale="85000" lnSpcReduction="20000"/>
+          </a:bodyPr>
+          <a:lstStyle/>
+          <a:p>
+            <a:r>
+              <a:rPr lang="zh-CN" altLang="zh-CN" dirty="0"/>
+              <a:t>在头文件中使用了宏定义开关设计，用于防止重复包含同一个头文件。这种开关是将头文件中的内容放置于</a:t>
+            </a:r>
+            <a:r>
+              <a:rPr lang="en-US" altLang="zh-CN" dirty="0"/>
+              <a:t>#</a:t>
+            </a:r>
+            <a:r>
+              <a:rPr lang="en-US" altLang="zh-CN" dirty="0" err="1"/>
+              <a:t>ifndef</a:t>
+            </a:r>
+            <a:r>
+              <a:rPr lang="zh-CN" altLang="zh-CN" dirty="0"/>
+              <a:t>某个特殊常量宏和</a:t>
+            </a:r>
+            <a:r>
+              <a:rPr lang="en-US" altLang="zh-CN" dirty="0"/>
+              <a:t>#</a:t>
+            </a:r>
+            <a:r>
+              <a:rPr lang="en-US" altLang="zh-CN" dirty="0" err="1"/>
+              <a:t>endif</a:t>
+            </a:r>
+            <a:r>
+              <a:rPr lang="zh-CN" altLang="zh-CN" dirty="0"/>
+              <a:t>之间。比如在</a:t>
+            </a:r>
+            <a:r>
+              <a:rPr lang="en-US" altLang="zh-CN" dirty="0" err="1"/>
+              <a:t>Init</a:t>
+            </a:r>
+            <a:r>
+              <a:rPr lang="zh-CN" altLang="zh-CN" dirty="0"/>
+              <a:t>头文件中，进行了以下的开关设定：</a:t>
+            </a:r>
+          </a:p>
+          <a:p>
+            <a:r>
+              <a:rPr lang="en-US" altLang="zh-CN" dirty="0"/>
+              <a:t>#</a:t>
+            </a:r>
+            <a:r>
+              <a:rPr lang="en-US" altLang="zh-CN" dirty="0" err="1"/>
+              <a:t>ifndef</a:t>
+            </a:r>
+            <a:r>
+              <a:rPr lang="en-US" altLang="zh-CN" dirty="0"/>
+              <a:t> _INIT_H_ </a:t>
+            </a:r>
+            <a:r>
+              <a:rPr lang="en-US" altLang="zh-CN" i="1" dirty="0"/>
+              <a:t>// </a:t>
+            </a:r>
+            <a:r>
+              <a:rPr lang="zh-CN" altLang="zh-CN" i="1" dirty="0"/>
+              <a:t>这是为了防止头文件被重复包含。</a:t>
+            </a:r>
+            <a:endParaRPr lang="zh-CN" altLang="zh-CN" dirty="0"/>
+          </a:p>
+          <a:p>
+            <a:r>
+              <a:rPr lang="en-US" altLang="zh-CN" dirty="0"/>
+              <a:t>#define _INIT_H_</a:t>
+            </a:r>
+            <a:endParaRPr lang="zh-CN" altLang="zh-CN" dirty="0"/>
+          </a:p>
+          <a:p>
+            <a:r>
+              <a:rPr lang="zh-CN" altLang="zh-CN" dirty="0"/>
+              <a:t>头文件具体内容</a:t>
+            </a:r>
+          </a:p>
+          <a:p>
+            <a:r>
+              <a:rPr lang="en-US" altLang="zh-CN" dirty="0"/>
+              <a:t>#</a:t>
+            </a:r>
+            <a:r>
+              <a:rPr lang="en-US" altLang="zh-CN" dirty="0" err="1"/>
+              <a:t>endif</a:t>
+            </a:r>
+            <a:endParaRPr lang="zh-CN" altLang="zh-CN" dirty="0"/>
+          </a:p>
+          <a:p>
+            <a:endParaRPr lang="zh-CN" altLang="en-US" dirty="0"/>
+          </a:p>
+        </p:txBody>
+      </p:sp>
+    </p:spTree>
+    <p:extLst>
+      <p:ext uri="{BB962C8B-B14F-4D97-AF65-F5344CB8AC3E}">
+        <p14:creationId xmlns:p14="http://schemas.microsoft.com/office/powerpoint/2010/main" val="4143186805"/>
+      </p:ext>
+    </p:extLst>
+  </p:cSld>
+  <p:clrMapOvr>
+    <a:masterClrMapping/>
+  </p:clrMapOvr>
+</p:sld>
+</file>
+
+<file path=ppt/slides/slide31.xml><?xml version="1.0" encoding="utf-8"?>
+<p:sld xmlns:a="http://schemas.openxmlformats.org/drawingml/2006/main" xmlns:r="http://schemas.openxmlformats.org/officeDocument/2006/relationships" xmlns:p="http://schemas.openxmlformats.org/presentationml/2006/main">
+  <p:cSld>
+    <p:spTree>
+      <p:nvGrpSpPr>
+        <p:cNvPr id="1" name=""/>
+        <p:cNvGrpSpPr/>
+        <p:nvPr/>
+      </p:nvGrpSpPr>
+      <p:grpSpPr>
+        <a:xfrm>
+          <a:off x="0" y="0"/>
+          <a:ext cx="0" cy="0"/>
+          <a:chOff x="0" y="0"/>
+          <a:chExt cx="0" cy="0"/>
+        </a:xfrm>
+      </p:grpSpPr>
+      <p:sp>
+        <p:nvSpPr>
+          <p:cNvPr id="2" name="标题 1"/>
+          <p:cNvSpPr>
+            <a:spLocks noGrp="1"/>
+          </p:cNvSpPr>
+          <p:nvPr>
+            <p:ph type="title"/>
+          </p:nvPr>
+        </p:nvSpPr>
+        <p:spPr/>
+        <p:txBody>
+          <a:bodyPr/>
+          <a:lstStyle/>
+          <a:p>
+            <a:endParaRPr lang="zh-CN" altLang="en-US"/>
+          </a:p>
+        </p:txBody>
+      </p:sp>
+      <p:sp>
+        <p:nvSpPr>
+          <p:cNvPr id="3" name="内容占位符 2"/>
+          <p:cNvSpPr>
+            <a:spLocks noGrp="1"/>
+          </p:cNvSpPr>
+          <p:nvPr>
+            <p:ph idx="1"/>
+          </p:nvPr>
+        </p:nvSpPr>
+        <p:spPr/>
+        <p:txBody>
+          <a:bodyPr>
+            <a:normAutofit fontScale="92500" lnSpcReduction="20000"/>
+          </a:bodyPr>
+          <a:lstStyle/>
+          <a:p>
+            <a:r>
+              <a:rPr lang="zh-CN" altLang="zh-CN" dirty="0" smtClean="0"/>
+              <a:t>我们</a:t>
+            </a:r>
+            <a:r>
+              <a:rPr lang="zh-CN" altLang="zh-CN" dirty="0"/>
+              <a:t>邀请美术人员逐帧创作了游戏中部分元素的动态效果（如图 </a:t>
+            </a:r>
+            <a:r>
+              <a:rPr lang="en-US" altLang="zh-CN" dirty="0"/>
+              <a:t>11‑1</a:t>
+            </a:r>
+            <a:r>
+              <a:rPr lang="zh-CN" altLang="zh-CN" dirty="0"/>
+              <a:t>所示），将这些帧排列成一行保存到同一个图片中。在进行绘制的时候，每个时刻只是将长条形图片中，当前帧所在的图像块绘制到屏幕上，一定时刻后再切换到下一帧所在的图像块，当动画帧到达最后一帧时，则进行后退。这个动画播放控制类似于游标尺，从头到尾，再从尾到头，最终就形成了动画</a:t>
+            </a:r>
+            <a:r>
+              <a:rPr lang="zh-CN" altLang="zh-CN" dirty="0" smtClean="0"/>
+              <a:t>效果</a:t>
+            </a:r>
+            <a:endParaRPr lang="zh-CN" altLang="en-US" dirty="0"/>
+          </a:p>
+        </p:txBody>
+      </p:sp>
+    </p:spTree>
+    <p:extLst>
+      <p:ext uri="{BB962C8B-B14F-4D97-AF65-F5344CB8AC3E}">
+        <p14:creationId xmlns:p14="http://schemas.microsoft.com/office/powerpoint/2010/main" val="1567862240"/>
+      </p:ext>
+    </p:extLst>
+  </p:cSld>
+  <p:clrMapOvr>
+    <a:masterClrMapping/>
+  </p:clrMapOvr>
+</p:sld>
+</file>
+
+<file path=ppt/slides/slide32.xml><?xml version="1.0" encoding="utf-8"?>
+<p:sld xmlns:a="http://schemas.openxmlformats.org/drawingml/2006/main" xmlns:r="http://schemas.openxmlformats.org/officeDocument/2006/relationships" xmlns:p="http://schemas.openxmlformats.org/presentationml/2006/main">
+  <p:cSld>
+    <p:spTree>
+      <p:nvGrpSpPr>
+        <p:cNvPr id="1" name=""/>
+        <p:cNvGrpSpPr/>
+        <p:nvPr/>
+      </p:nvGrpSpPr>
+      <p:grpSpPr>
+        <a:xfrm>
+          <a:off x="0" y="0"/>
+          <a:ext cx="0" cy="0"/>
+          <a:chOff x="0" y="0"/>
+          <a:chExt cx="0" cy="0"/>
+        </a:xfrm>
+      </p:grpSpPr>
+      <p:sp>
+        <p:nvSpPr>
+          <p:cNvPr id="2" name="标题 1"/>
+          <p:cNvSpPr>
+            <a:spLocks noGrp="1"/>
+          </p:cNvSpPr>
+          <p:nvPr>
+            <p:ph type="title"/>
+          </p:nvPr>
+        </p:nvSpPr>
+        <p:spPr/>
+        <p:txBody>
+          <a:bodyPr/>
+          <a:lstStyle/>
+          <a:p>
+            <a:endParaRPr lang="zh-CN" altLang="en-US"/>
+          </a:p>
+        </p:txBody>
+      </p:sp>
+      <p:sp>
+        <p:nvSpPr>
+          <p:cNvPr id="3" name="内容占位符 2"/>
+          <p:cNvSpPr>
+            <a:spLocks noGrp="1"/>
+          </p:cNvSpPr>
+          <p:nvPr>
+            <p:ph idx="1"/>
+          </p:nvPr>
+        </p:nvSpPr>
+        <p:spPr/>
+        <p:txBody>
+          <a:bodyPr>
+            <a:normAutofit fontScale="85000" lnSpcReduction="20000"/>
+          </a:bodyPr>
+          <a:lstStyle/>
+          <a:p>
+            <a:r>
+              <a:rPr lang="zh-CN" altLang="zh-CN" dirty="0"/>
+              <a:t>利用链表方式，当新的敌人、炮弹等生成时，只需要将其动态生成，然后挂接到对应的链表中即可。这种链表结构，十分有利于后续的绘制操作。在绘制各种实体时，只需要遍历对应的链表，按照节点自身所保存的参数将其正确绘制即可。由于游戏中的所有实体都已经被抽象成同种类型，所以在绘制阶段，我们甚至都不需要关心所绘制的是哪种特定类型的实体，是障碍物、炮弹还是敌人？实体变量自身已经包含了绘制所需的所有信息。</a:t>
+            </a:r>
+          </a:p>
+          <a:p>
+            <a:endParaRPr lang="zh-CN" altLang="en-US" dirty="0"/>
+          </a:p>
+        </p:txBody>
+      </p:sp>
+    </p:spTree>
+    <p:extLst>
+      <p:ext uri="{BB962C8B-B14F-4D97-AF65-F5344CB8AC3E}">
+        <p14:creationId xmlns:p14="http://schemas.microsoft.com/office/powerpoint/2010/main" val="493081636"/>
+      </p:ext>
+    </p:extLst>
+  </p:cSld>
+  <p:clrMapOvr>
+    <a:masterClrMapping/>
+  </p:clrMapOvr>
+</p:sld>
+</file>
+
+<file path=ppt/slides/slide33.xml><?xml version="1.0" encoding="utf-8"?>
+<p:sld xmlns:a="http://schemas.openxmlformats.org/drawingml/2006/main" xmlns:r="http://schemas.openxmlformats.org/officeDocument/2006/relationships" xmlns:p="http://schemas.openxmlformats.org/presentationml/2006/main">
+  <p:cSld>
+    <p:spTree>
+      <p:nvGrpSpPr>
+        <p:cNvPr id="1" name=""/>
+        <p:cNvGrpSpPr/>
+        <p:nvPr/>
+      </p:nvGrpSpPr>
+      <p:grpSpPr>
+        <a:xfrm>
+          <a:off x="0" y="0"/>
+          <a:ext cx="0" cy="0"/>
+          <a:chOff x="0" y="0"/>
+          <a:chExt cx="0" cy="0"/>
+        </a:xfrm>
+      </p:grpSpPr>
+      <p:sp>
+        <p:nvSpPr>
+          <p:cNvPr id="2" name="标题 1"/>
+          <p:cNvSpPr>
+            <a:spLocks noGrp="1"/>
+          </p:cNvSpPr>
+          <p:nvPr>
+            <p:ph type="title"/>
+          </p:nvPr>
+        </p:nvSpPr>
+        <p:spPr/>
+        <p:txBody>
+          <a:bodyPr/>
+          <a:lstStyle/>
+          <a:p>
+            <a:endParaRPr lang="zh-CN" altLang="en-US"/>
+          </a:p>
+        </p:txBody>
+      </p:sp>
+      <p:sp>
+        <p:nvSpPr>
+          <p:cNvPr id="3" name="内容占位符 2"/>
+          <p:cNvSpPr>
+            <a:spLocks noGrp="1"/>
+          </p:cNvSpPr>
+          <p:nvPr>
+            <p:ph idx="1"/>
+          </p:nvPr>
+        </p:nvSpPr>
+        <p:spPr/>
+        <p:txBody>
+          <a:bodyPr>
+            <a:normAutofit fontScale="92500" lnSpcReduction="20000"/>
+          </a:bodyPr>
+          <a:lstStyle/>
+          <a:p>
+            <a:r>
+              <a:rPr lang="zh-CN" altLang="zh-CN" dirty="0"/>
+              <a:t>链表的使用，对于游戏中出现的炮弹实体管理特别有效。因为炮弹可能是随时产生和消灭，并且数量无法确定。在产生阶段，只需要为其动态分配空间，然后挂接到炮弹链表中即可。如果炮弹撞到障碍物或者实体，则也可以方便地将其从链表中删除。使用</a:t>
+            </a:r>
+            <a:r>
+              <a:rPr lang="en-US" altLang="zh-CN" dirty="0"/>
+              <a:t>Fire</a:t>
+            </a:r>
+            <a:r>
+              <a:rPr lang="zh-CN" altLang="zh-CN" dirty="0"/>
+              <a:t>函数让某个坦克发射炮弹，包括玩家坦克和敌人坦克。当炮弹需要销毁时，需要调用</a:t>
+            </a:r>
+            <a:r>
+              <a:rPr lang="en-US" altLang="zh-CN" dirty="0"/>
+              <a:t>Destroy</a:t>
+            </a:r>
+            <a:r>
+              <a:rPr lang="zh-CN" altLang="zh-CN" dirty="0"/>
+              <a:t>函数将其从链表中删除。这两个函数原型如下</a:t>
+            </a:r>
+            <a:r>
+              <a:rPr lang="en-US" altLang="zh-CN" dirty="0"/>
+              <a:t>:</a:t>
+            </a:r>
+            <a:endParaRPr lang="zh-CN" altLang="zh-CN" dirty="0"/>
+          </a:p>
+          <a:p>
+            <a:endParaRPr lang="zh-CN" altLang="en-US" dirty="0"/>
+          </a:p>
+        </p:txBody>
+      </p:sp>
+    </p:spTree>
+    <p:extLst>
+      <p:ext uri="{BB962C8B-B14F-4D97-AF65-F5344CB8AC3E}">
+        <p14:creationId xmlns:p14="http://schemas.microsoft.com/office/powerpoint/2010/main" val="1138810289"/>
+      </p:ext>
+    </p:extLst>
+  </p:cSld>
+  <p:clrMapOvr>
+    <a:masterClrMapping/>
+  </p:clrMapOvr>
+</p:sld>
+</file>
+
+<file path=ppt/slides/slide34.xml><?xml version="1.0" encoding="utf-8"?>
+<p:sld xmlns:a="http://schemas.openxmlformats.org/drawingml/2006/main" xmlns:r="http://schemas.openxmlformats.org/officeDocument/2006/relationships" xmlns:p="http://schemas.openxmlformats.org/presentationml/2006/main">
+  <p:cSld>
+    <p:spTree>
+      <p:nvGrpSpPr>
+        <p:cNvPr id="1" name=""/>
+        <p:cNvGrpSpPr/>
+        <p:nvPr/>
+      </p:nvGrpSpPr>
+      <p:grpSpPr>
+        <a:xfrm>
+          <a:off x="0" y="0"/>
+          <a:ext cx="0" cy="0"/>
+          <a:chOff x="0" y="0"/>
+          <a:chExt cx="0" cy="0"/>
+        </a:xfrm>
+      </p:grpSpPr>
+      <p:sp>
+        <p:nvSpPr>
+          <p:cNvPr id="2" name="标题 1"/>
+          <p:cNvSpPr>
+            <a:spLocks noGrp="1"/>
+          </p:cNvSpPr>
+          <p:nvPr>
+            <p:ph type="title"/>
+          </p:nvPr>
+        </p:nvSpPr>
+        <p:spPr/>
+        <p:txBody>
+          <a:bodyPr>
+            <a:normAutofit/>
+          </a:bodyPr>
+          <a:lstStyle/>
+          <a:p>
+            <a:r>
+              <a:rPr lang="zh-CN" altLang="zh-CN" dirty="0"/>
+              <a:t>上机</a:t>
+            </a:r>
+            <a:r>
+              <a:rPr lang="zh-CN" altLang="zh-CN" dirty="0" smtClean="0"/>
+              <a:t>练习题</a:t>
+            </a:r>
+            <a:endParaRPr lang="zh-CN" altLang="en-US" dirty="0"/>
+          </a:p>
+        </p:txBody>
+      </p:sp>
+      <p:sp>
+        <p:nvSpPr>
+          <p:cNvPr id="3" name="内容占位符 2"/>
+          <p:cNvSpPr>
+            <a:spLocks noGrp="1"/>
+          </p:cNvSpPr>
+          <p:nvPr>
+            <p:ph idx="1"/>
+          </p:nvPr>
+        </p:nvSpPr>
+        <p:spPr/>
+        <p:txBody>
+          <a:bodyPr>
+            <a:normAutofit/>
+          </a:bodyPr>
+          <a:lstStyle/>
+          <a:p>
+            <a:pPr lvl="0"/>
+            <a:r>
+              <a:rPr lang="zh-CN" altLang="zh-CN" dirty="0" smtClean="0"/>
+              <a:t>尝试</a:t>
+            </a:r>
+            <a:r>
+              <a:rPr lang="zh-CN" altLang="zh-CN" dirty="0"/>
+              <a:t>实现真正的红白机版坦克大战</a:t>
+            </a:r>
+          </a:p>
+          <a:p>
+            <a:pPr lvl="0"/>
+            <a:r>
+              <a:rPr lang="zh-CN" altLang="zh-CN" smtClean="0"/>
+              <a:t>增加</a:t>
+            </a:r>
+            <a:r>
+              <a:rPr lang="zh-CN" altLang="zh-CN" dirty="0"/>
+              <a:t>地图编辑功能，允许玩家自定义地图</a:t>
+            </a:r>
+          </a:p>
+          <a:p>
+            <a:pPr lvl="0"/>
+            <a:r>
+              <a:rPr lang="zh-CN" altLang="zh-CN" dirty="0"/>
+              <a:t>在编辑器中增加其他功能，比如允许玩家自定义敌人坦克属性等，这样最终完成类似于游戏引擎的游戏编辑器功能</a:t>
+            </a:r>
+          </a:p>
+          <a:p>
+            <a:endParaRPr lang="zh-CN" altLang="en-US" dirty="0"/>
+          </a:p>
+        </p:txBody>
+      </p:sp>
+    </p:spTree>
+    <p:extLst>
+      <p:ext uri="{BB962C8B-B14F-4D97-AF65-F5344CB8AC3E}">
+        <p14:creationId xmlns:p14="http://schemas.microsoft.com/office/powerpoint/2010/main" val="4077778868"/>
+      </p:ext>
+    </p:extLst>
+  </p:cSld>
+  <p:clrMapOvr>
+    <a:masterClrMapping/>
+  </p:clrMapOvr>
+</p:sld>
+</file>
+
+<file path=ppt/slides/slide4.xml><?xml version="1.0" encoding="utf-8"?>
+<p:sld xmlns:a="http://schemas.openxmlformats.org/drawingml/2006/main" xmlns:r="http://schemas.openxmlformats.org/officeDocument/2006/relationships" xmlns:p="http://schemas.openxmlformats.org/presentationml/2006/main">
+  <p:cSld>
+    <p:spTree>
+      <p:nvGrpSpPr>
+        <p:cNvPr id="1" name=""/>
+        <p:cNvGrpSpPr/>
+        <p:nvPr/>
+      </p:nvGrpSpPr>
+      <p:grpSpPr>
+        <a:xfrm>
+          <a:off x="0" y="0"/>
+          <a:ext cx="0" cy="0"/>
+          <a:chOff x="0" y="0"/>
+          <a:chExt cx="0" cy="0"/>
+        </a:xfrm>
+      </p:grpSpPr>
+      <p:sp>
+        <p:nvSpPr>
+          <p:cNvPr id="2" name="标题 1"/>
+          <p:cNvSpPr>
+            <a:spLocks noGrp="1"/>
+          </p:cNvSpPr>
+          <p:nvPr>
+            <p:ph type="title"/>
+          </p:nvPr>
+        </p:nvSpPr>
+        <p:spPr/>
+        <p:txBody>
+          <a:bodyPr>
+            <a:normAutofit/>
+          </a:bodyPr>
+          <a:lstStyle/>
+          <a:p>
+            <a:r>
+              <a:rPr lang="zh-CN" altLang="en-US" dirty="0"/>
+              <a:t>动态分配内存</a:t>
+            </a:r>
+            <a:r>
+              <a:rPr lang="zh-CN" altLang="en-US" dirty="0" smtClean="0"/>
+              <a:t>空间</a:t>
+            </a:r>
+            <a:endParaRPr lang="zh-CN" altLang="en-US" dirty="0"/>
+          </a:p>
+        </p:txBody>
+      </p:sp>
+      <p:sp>
+        <p:nvSpPr>
+          <p:cNvPr id="3" name="内容占位符 2"/>
+          <p:cNvSpPr>
+            <a:spLocks noGrp="1"/>
+          </p:cNvSpPr>
+          <p:nvPr>
+            <p:ph idx="1"/>
+          </p:nvPr>
+        </p:nvSpPr>
+        <p:spPr/>
+        <p:txBody>
+          <a:bodyPr>
+            <a:normAutofit fontScale="77500" lnSpcReduction="20000"/>
+          </a:bodyPr>
+          <a:lstStyle/>
+          <a:p>
+            <a:r>
+              <a:rPr lang="zh-CN" altLang="zh-CN" dirty="0" smtClean="0"/>
+              <a:t>在</a:t>
+            </a:r>
+            <a:r>
+              <a:rPr lang="zh-CN" altLang="zh-CN" dirty="0"/>
+              <a:t>程序中会使用大量的变量，对于非静态的局部变量，当函数调用完成之后，会被自动</a:t>
+            </a:r>
+            <a:r>
+              <a:rPr lang="zh-CN" altLang="zh-CN" dirty="0" smtClean="0"/>
+              <a:t>释放</a:t>
+            </a:r>
+            <a:endParaRPr lang="en-US" altLang="zh-CN" dirty="0" smtClean="0"/>
+          </a:p>
+          <a:p>
+            <a:pPr lvl="1"/>
+            <a:r>
+              <a:rPr lang="zh-CN" altLang="zh-CN" dirty="0" smtClean="0"/>
+              <a:t>它们</a:t>
+            </a:r>
+            <a:r>
+              <a:rPr lang="zh-CN" altLang="zh-CN" dirty="0"/>
+              <a:t>是分配在内存中的动态存储区的，这个存储区被称为</a:t>
+            </a:r>
+            <a:r>
+              <a:rPr lang="zh-CN" altLang="zh-CN" dirty="0" smtClean="0"/>
+              <a:t>栈</a:t>
+            </a:r>
+            <a:endParaRPr lang="en-US" altLang="zh-CN" dirty="0" smtClean="0"/>
+          </a:p>
+          <a:p>
+            <a:pPr lvl="1"/>
+            <a:r>
+              <a:rPr lang="zh-CN" altLang="zh-CN" dirty="0" smtClean="0"/>
+              <a:t>程序</a:t>
+            </a:r>
+            <a:r>
+              <a:rPr lang="zh-CN" altLang="zh-CN" dirty="0"/>
+              <a:t>中定义的数组，也会被存储到这个区域中，数组的长度需要提前确定为一个常量，以便系统分配合适的</a:t>
+            </a:r>
+            <a:r>
+              <a:rPr lang="zh-CN" altLang="zh-CN" dirty="0" smtClean="0"/>
+              <a:t>空间</a:t>
+            </a:r>
+            <a:endParaRPr lang="en-US" altLang="zh-CN" dirty="0" smtClean="0"/>
+          </a:p>
+          <a:p>
+            <a:r>
+              <a:rPr lang="zh-CN" altLang="zh-CN" dirty="0" smtClean="0"/>
+              <a:t>与</a:t>
+            </a:r>
+            <a:r>
+              <a:rPr lang="zh-CN" altLang="zh-CN" dirty="0"/>
+              <a:t>栈区域相对应，内存中还存在一个称为堆的自由存储区，允许在堆中动态分配区域，这些数据需要时随时开辟，不需要时随时</a:t>
+            </a:r>
+            <a:r>
+              <a:rPr lang="zh-CN" altLang="zh-CN" dirty="0" smtClean="0"/>
+              <a:t>释放</a:t>
+            </a:r>
+            <a:endParaRPr lang="en-US" altLang="zh-CN" dirty="0" smtClean="0"/>
+          </a:p>
+          <a:p>
+            <a:pPr lvl="1"/>
+            <a:r>
+              <a:rPr lang="zh-CN" altLang="zh-CN" dirty="0" smtClean="0"/>
+              <a:t>可以</a:t>
+            </a:r>
+            <a:r>
+              <a:rPr lang="zh-CN" altLang="zh-CN" dirty="0"/>
+              <a:t>将数组在堆区域中进行动态创建，这样就可以获取具有任意长度的数组，而无需提前确定数组长度。</a:t>
+            </a:r>
+          </a:p>
+          <a:p>
+            <a:endParaRPr lang="zh-CN" altLang="en-US" dirty="0"/>
+          </a:p>
+        </p:txBody>
+      </p:sp>
+    </p:spTree>
+    <p:extLst>
+      <p:ext uri="{BB962C8B-B14F-4D97-AF65-F5344CB8AC3E}">
+        <p14:creationId xmlns:p14="http://schemas.microsoft.com/office/powerpoint/2010/main" val="3883103787"/>
+      </p:ext>
+    </p:extLst>
+  </p:cSld>
+  <p:clrMapOvr>
+    <a:masterClrMapping/>
+  </p:clrMapOvr>
+</p:sld>
+</file>
+
+<file path=ppt/slides/slide5.xml><?xml version="1.0" encoding="utf-8"?>
+<p:sld xmlns:a="http://schemas.openxmlformats.org/drawingml/2006/main" xmlns:r="http://schemas.openxmlformats.org/officeDocument/2006/relationships" xmlns:p="http://schemas.openxmlformats.org/presentationml/2006/main">
+  <p:cSld>
+    <p:spTree>
+      <p:nvGrpSpPr>
+        <p:cNvPr id="1" name=""/>
+        <p:cNvGrpSpPr/>
+        <p:nvPr/>
+      </p:nvGrpSpPr>
+      <p:grpSpPr>
+        <a:xfrm>
+          <a:off x="0" y="0"/>
+          <a:ext cx="0" cy="0"/>
+          <a:chOff x="0" y="0"/>
+          <a:chExt cx="0" cy="0"/>
+        </a:xfrm>
+      </p:grpSpPr>
+      <p:sp>
+        <p:nvSpPr>
+          <p:cNvPr id="2" name="标题 1"/>
+          <p:cNvSpPr>
+            <a:spLocks noGrp="1"/>
+          </p:cNvSpPr>
+          <p:nvPr>
+            <p:ph type="title"/>
+          </p:nvPr>
+        </p:nvSpPr>
+        <p:spPr/>
+        <p:txBody>
+          <a:bodyPr/>
+          <a:lstStyle/>
+          <a:p>
+            <a:endParaRPr lang="zh-CN" altLang="en-US"/>
+          </a:p>
+        </p:txBody>
+      </p:sp>
+      <p:sp>
+        <p:nvSpPr>
+          <p:cNvPr id="3" name="内容占位符 2"/>
+          <p:cNvSpPr>
+            <a:spLocks noGrp="1"/>
+          </p:cNvSpPr>
+          <p:nvPr>
+            <p:ph idx="1"/>
+          </p:nvPr>
+        </p:nvSpPr>
+        <p:spPr/>
+        <p:txBody>
+          <a:bodyPr/>
+          <a:lstStyle/>
+          <a:p>
+            <a:r>
+              <a:rPr lang="zh-CN" altLang="zh-CN" dirty="0"/>
+              <a:t>对内存的动态分配是通过系统提供的库函数来实现</a:t>
+            </a:r>
+            <a:r>
+              <a:rPr lang="zh-CN" altLang="zh-CN" dirty="0" smtClean="0"/>
+              <a:t>的</a:t>
+            </a:r>
+            <a:endParaRPr lang="en-US" altLang="zh-CN" dirty="0" smtClean="0"/>
+          </a:p>
+          <a:p>
+            <a:pPr lvl="1"/>
+            <a:r>
+              <a:rPr lang="zh-CN" altLang="zh-CN" dirty="0" smtClean="0"/>
+              <a:t>主要</a:t>
+            </a:r>
+            <a:r>
+              <a:rPr lang="zh-CN" altLang="zh-CN" dirty="0"/>
+              <a:t>有：</a:t>
+            </a:r>
+            <a:r>
+              <a:rPr lang="en-US" altLang="zh-CN" dirty="0" err="1"/>
+              <a:t>malloc</a:t>
+            </a:r>
+            <a:r>
+              <a:rPr lang="zh-CN" altLang="zh-CN" dirty="0"/>
+              <a:t>，</a:t>
+            </a:r>
+            <a:r>
+              <a:rPr lang="en-US" altLang="zh-CN" dirty="0" err="1"/>
+              <a:t>calloc</a:t>
+            </a:r>
+            <a:r>
+              <a:rPr lang="zh-CN" altLang="zh-CN" dirty="0"/>
+              <a:t>，</a:t>
+            </a:r>
+            <a:r>
+              <a:rPr lang="en-US" altLang="zh-CN" dirty="0"/>
+              <a:t>free</a:t>
+            </a:r>
+            <a:r>
+              <a:rPr lang="zh-CN" altLang="zh-CN" dirty="0"/>
+              <a:t>和</a:t>
+            </a:r>
+            <a:r>
+              <a:rPr lang="en-US" altLang="zh-CN" dirty="0" err="1"/>
+              <a:t>realloc</a:t>
+            </a:r>
+            <a:r>
+              <a:rPr lang="zh-CN" altLang="zh-CN" dirty="0"/>
+              <a:t>这</a:t>
+            </a:r>
+            <a:r>
+              <a:rPr lang="en-US" altLang="zh-CN" dirty="0"/>
+              <a:t>4</a:t>
+            </a:r>
+            <a:r>
+              <a:rPr lang="zh-CN" altLang="zh-CN" dirty="0"/>
+              <a:t>个</a:t>
+            </a:r>
+            <a:r>
+              <a:rPr lang="zh-CN" altLang="zh-CN" dirty="0" smtClean="0"/>
+              <a:t>函数</a:t>
+            </a:r>
+            <a:endParaRPr lang="en-US" altLang="zh-CN" dirty="0" smtClean="0"/>
+          </a:p>
+          <a:p>
+            <a:r>
+              <a:rPr lang="zh-CN" altLang="zh-CN" dirty="0" smtClean="0"/>
+              <a:t>以上</a:t>
+            </a:r>
+            <a:r>
+              <a:rPr lang="en-US" altLang="zh-CN" dirty="0"/>
+              <a:t>4</a:t>
+            </a:r>
+            <a:r>
+              <a:rPr lang="zh-CN" altLang="zh-CN" dirty="0"/>
+              <a:t>个函数的声明在</a:t>
+            </a:r>
+            <a:r>
+              <a:rPr lang="en-US" altLang="zh-CN" dirty="0" err="1"/>
+              <a:t>stdlib.h</a:t>
+            </a:r>
+            <a:r>
+              <a:rPr lang="zh-CN" altLang="zh-CN" dirty="0"/>
+              <a:t>头文件中。</a:t>
+            </a:r>
+          </a:p>
+          <a:p>
+            <a:endParaRPr lang="zh-CN" altLang="en-US" dirty="0"/>
+          </a:p>
+        </p:txBody>
+      </p:sp>
+    </p:spTree>
+    <p:extLst>
+      <p:ext uri="{BB962C8B-B14F-4D97-AF65-F5344CB8AC3E}">
+        <p14:creationId xmlns:p14="http://schemas.microsoft.com/office/powerpoint/2010/main" val="3508203912"/>
+      </p:ext>
+    </p:extLst>
+  </p:cSld>
+  <p:clrMapOvr>
+    <a:masterClrMapping/>
+  </p:clrMapOvr>
+</p:sld>
+</file>
+
+<file path=ppt/slides/slide6.xml><?xml version="1.0" encoding="utf-8"?>
+<p:sld xmlns:a="http://schemas.openxmlformats.org/drawingml/2006/main" xmlns:r="http://schemas.openxmlformats.org/officeDocument/2006/relationships" xmlns:p="http://schemas.openxmlformats.org/presentationml/2006/main">
+  <p:cSld>
+    <p:spTree>
+      <p:nvGrpSpPr>
+        <p:cNvPr id="1" name=""/>
+        <p:cNvGrpSpPr/>
+        <p:nvPr/>
+      </p:nvGrpSpPr>
+      <p:grpSpPr>
+        <a:xfrm>
+          <a:off x="0" y="0"/>
+          <a:ext cx="0" cy="0"/>
+          <a:chOff x="0" y="0"/>
+          <a:chExt cx="0" cy="0"/>
+        </a:xfrm>
+      </p:grpSpPr>
+      <p:sp>
+        <p:nvSpPr>
+          <p:cNvPr id="2" name="标题 1"/>
+          <p:cNvSpPr>
+            <a:spLocks noGrp="1"/>
+          </p:cNvSpPr>
+          <p:nvPr>
+            <p:ph type="title"/>
+          </p:nvPr>
+        </p:nvSpPr>
+        <p:spPr/>
+        <p:txBody>
+          <a:bodyPr/>
+          <a:lstStyle/>
+          <a:p>
+            <a:endParaRPr lang="zh-CN" altLang="en-US"/>
+          </a:p>
+        </p:txBody>
+      </p:sp>
+      <p:sp>
+        <p:nvSpPr>
+          <p:cNvPr id="3" name="内容占位符 2"/>
+          <p:cNvSpPr>
+            <a:spLocks noGrp="1"/>
+          </p:cNvSpPr>
+          <p:nvPr>
+            <p:ph idx="1"/>
+          </p:nvPr>
+        </p:nvSpPr>
+        <p:spPr/>
+        <p:txBody>
+          <a:bodyPr>
+            <a:normAutofit fontScale="85000" lnSpcReduction="10000"/>
+          </a:bodyPr>
+          <a:lstStyle/>
+          <a:p>
+            <a:r>
+              <a:rPr lang="en-US" altLang="zh-CN" dirty="0" err="1"/>
+              <a:t>malloc</a:t>
+            </a:r>
+            <a:r>
+              <a:rPr lang="zh-CN" altLang="zh-CN" dirty="0"/>
+              <a:t>函数作用是在内存的动态存储区中分配一个长度为</a:t>
+            </a:r>
+            <a:r>
+              <a:rPr lang="en-US" altLang="zh-CN" dirty="0"/>
+              <a:t>size</a:t>
+            </a:r>
+            <a:r>
+              <a:rPr lang="zh-CN" altLang="zh-CN" dirty="0"/>
+              <a:t>的连续空间，其函数原型为：</a:t>
+            </a:r>
+          </a:p>
+          <a:p>
+            <a:r>
+              <a:rPr lang="en-US" altLang="zh-CN" dirty="0"/>
+              <a:t>void </a:t>
+            </a:r>
+            <a:r>
+              <a:rPr lang="en-US" altLang="zh-CN" b="1" dirty="0"/>
+              <a:t>*</a:t>
+            </a:r>
+            <a:r>
+              <a:rPr lang="en-US" altLang="zh-CN" dirty="0" err="1"/>
+              <a:t>malloc</a:t>
+            </a:r>
+            <a:r>
+              <a:rPr lang="en-US" altLang="zh-CN" b="1" dirty="0"/>
+              <a:t>(</a:t>
+            </a:r>
+            <a:r>
+              <a:rPr lang="en-US" altLang="zh-CN" dirty="0"/>
+              <a:t>unsigned </a:t>
+            </a:r>
+            <a:r>
+              <a:rPr lang="en-US" altLang="zh-CN" dirty="0" err="1"/>
+              <a:t>int</a:t>
+            </a:r>
+            <a:r>
+              <a:rPr lang="en-US" altLang="zh-CN" dirty="0"/>
+              <a:t> size</a:t>
+            </a:r>
+            <a:r>
+              <a:rPr lang="en-US" altLang="zh-CN" b="1" dirty="0"/>
+              <a:t>);</a:t>
+            </a:r>
+            <a:r>
+              <a:rPr lang="en-US" altLang="zh-CN" dirty="0"/>
+              <a:t> </a:t>
+            </a:r>
+            <a:endParaRPr lang="zh-CN" altLang="zh-CN" dirty="0"/>
+          </a:p>
+          <a:p>
+            <a:r>
+              <a:rPr lang="zh-CN" altLang="zh-CN" dirty="0"/>
+              <a:t>函数返回值是所分配区域的指针。需要注意的是返回的指针类型为</a:t>
+            </a:r>
+            <a:r>
+              <a:rPr lang="en-US" altLang="zh-CN" dirty="0"/>
+              <a:t>void</a:t>
+            </a:r>
+            <a:r>
+              <a:rPr lang="zh-CN" altLang="zh-CN" dirty="0"/>
+              <a:t>，即不指向任何特定类型的数据，只提供一个地址。可以通过类型强制转换的方式将这段分配的内存看作某种特定类型。如果此函数未能成功地执行，则返回空指针</a:t>
+            </a:r>
+            <a:r>
+              <a:rPr lang="en-US" altLang="zh-CN" dirty="0"/>
+              <a:t>(NULL)</a:t>
+            </a:r>
+            <a:r>
+              <a:rPr lang="zh-CN" altLang="zh-CN" dirty="0"/>
+              <a:t>。</a:t>
+            </a:r>
+          </a:p>
+          <a:p>
+            <a:endParaRPr lang="zh-CN" altLang="en-US" dirty="0"/>
+          </a:p>
+        </p:txBody>
+      </p:sp>
+    </p:spTree>
+    <p:extLst>
+      <p:ext uri="{BB962C8B-B14F-4D97-AF65-F5344CB8AC3E}">
+        <p14:creationId xmlns:p14="http://schemas.microsoft.com/office/powerpoint/2010/main" val="2678041092"/>
+      </p:ext>
+    </p:extLst>
+  </p:cSld>
+  <p:clrMapOvr>
+    <a:masterClrMapping/>
+  </p:clrMapOvr>
+</p:sld>
+</file>
+
+<file path=ppt/slides/slide7.xml><?xml version="1.0" encoding="utf-8"?>
+<p:sld xmlns:a="http://schemas.openxmlformats.org/drawingml/2006/main" xmlns:r="http://schemas.openxmlformats.org/officeDocument/2006/relationships" xmlns:p="http://schemas.openxmlformats.org/presentationml/2006/main">
+  <p:cSld>
+    <p:spTree>
+      <p:nvGrpSpPr>
+        <p:cNvPr id="1" name=""/>
+        <p:cNvGrpSpPr/>
+        <p:nvPr/>
+      </p:nvGrpSpPr>
+      <p:grpSpPr>
+        <a:xfrm>
+          <a:off x="0" y="0"/>
+          <a:ext cx="0" cy="0"/>
+          <a:chOff x="0" y="0"/>
+          <a:chExt cx="0" cy="0"/>
+        </a:xfrm>
+      </p:grpSpPr>
+      <p:sp>
+        <p:nvSpPr>
+          <p:cNvPr id="2" name="标题 1"/>
+          <p:cNvSpPr>
+            <a:spLocks noGrp="1"/>
+          </p:cNvSpPr>
+          <p:nvPr>
+            <p:ph type="title"/>
+          </p:nvPr>
+        </p:nvSpPr>
+        <p:spPr/>
+        <p:txBody>
+          <a:bodyPr/>
+          <a:lstStyle/>
+          <a:p>
+            <a:endParaRPr lang="zh-CN" altLang="en-US"/>
+          </a:p>
+        </p:txBody>
+      </p:sp>
+      <p:sp>
+        <p:nvSpPr>
+          <p:cNvPr id="3" name="内容占位符 2"/>
+          <p:cNvSpPr>
+            <a:spLocks noGrp="1"/>
+          </p:cNvSpPr>
+          <p:nvPr>
+            <p:ph idx="1"/>
+          </p:nvPr>
+        </p:nvSpPr>
+        <p:spPr/>
+        <p:txBody>
+          <a:bodyPr>
+            <a:normAutofit fontScale="92500" lnSpcReduction="20000"/>
+          </a:bodyPr>
+          <a:lstStyle/>
+          <a:p>
+            <a:r>
+              <a:rPr lang="en-US" altLang="zh-CN" dirty="0" err="1"/>
+              <a:t>calloc</a:t>
+            </a:r>
+            <a:r>
+              <a:rPr lang="zh-CN" altLang="zh-CN" dirty="0"/>
+              <a:t>函数的作用是在内存的动态存储区中分配</a:t>
+            </a:r>
+            <a:r>
+              <a:rPr lang="en-US" altLang="zh-CN" dirty="0"/>
+              <a:t>n</a:t>
+            </a:r>
+            <a:r>
+              <a:rPr lang="zh-CN" altLang="zh-CN" dirty="0"/>
+              <a:t>个长度为</a:t>
+            </a:r>
+            <a:r>
+              <a:rPr lang="en-US" altLang="zh-CN" dirty="0"/>
+              <a:t>size</a:t>
+            </a:r>
+            <a:r>
+              <a:rPr lang="zh-CN" altLang="zh-CN" dirty="0"/>
+              <a:t>的连续空间，其函数原型为</a:t>
+            </a:r>
+            <a:r>
+              <a:rPr lang="en-US" altLang="zh-CN" dirty="0"/>
+              <a:t>:</a:t>
+            </a:r>
+            <a:endParaRPr lang="zh-CN" altLang="zh-CN" dirty="0"/>
+          </a:p>
+          <a:p>
+            <a:r>
+              <a:rPr lang="en-US" altLang="zh-CN" dirty="0"/>
+              <a:t>void </a:t>
+            </a:r>
+            <a:r>
+              <a:rPr lang="en-US" altLang="zh-CN" b="1" dirty="0"/>
+              <a:t>*</a:t>
+            </a:r>
+            <a:r>
+              <a:rPr lang="en-US" altLang="zh-CN" dirty="0" err="1"/>
+              <a:t>calloc</a:t>
+            </a:r>
+            <a:r>
+              <a:rPr lang="en-US" altLang="zh-CN" b="1" dirty="0"/>
+              <a:t>(</a:t>
+            </a:r>
+            <a:r>
+              <a:rPr lang="en-US" altLang="zh-CN" dirty="0"/>
+              <a:t>unsigned n</a:t>
+            </a:r>
+            <a:r>
+              <a:rPr lang="en-US" altLang="zh-CN" b="1" dirty="0"/>
+              <a:t>, </a:t>
+            </a:r>
+            <a:r>
+              <a:rPr lang="en-US" altLang="zh-CN" dirty="0"/>
+              <a:t>unsigned size</a:t>
+            </a:r>
+            <a:r>
+              <a:rPr lang="en-US" altLang="zh-CN" b="1" dirty="0"/>
+              <a:t>);</a:t>
+            </a:r>
+            <a:r>
+              <a:rPr lang="en-US" altLang="zh-CN" dirty="0"/>
+              <a:t> </a:t>
+            </a:r>
+            <a:endParaRPr lang="zh-CN" altLang="zh-CN" dirty="0"/>
+          </a:p>
+          <a:p>
+            <a:r>
+              <a:rPr lang="zh-CN" altLang="zh-CN" dirty="0"/>
+              <a:t>和</a:t>
+            </a:r>
+            <a:r>
+              <a:rPr lang="en-US" altLang="zh-CN" dirty="0" err="1"/>
+              <a:t>malloc</a:t>
+            </a:r>
+            <a:r>
+              <a:rPr lang="zh-CN" altLang="zh-CN" dirty="0"/>
+              <a:t>函数类似，该函数返回值为所分配区域的起始位置的指针；如果分配不成功，返回</a:t>
+            </a:r>
+            <a:r>
+              <a:rPr lang="en-US" altLang="zh-CN" dirty="0"/>
+              <a:t>NULL</a:t>
+            </a:r>
+            <a:r>
+              <a:rPr lang="zh-CN" altLang="zh-CN" dirty="0"/>
+              <a:t>。</a:t>
+            </a:r>
+            <a:r>
+              <a:rPr lang="en-US" altLang="zh-CN" dirty="0" err="1"/>
+              <a:t>calloc</a:t>
+            </a:r>
+            <a:r>
+              <a:rPr lang="zh-CN" altLang="zh-CN" dirty="0"/>
+              <a:t>函数特别适合于为一维数组开辟动态存储空间，</a:t>
+            </a:r>
+            <a:r>
+              <a:rPr lang="en-US" altLang="zh-CN" dirty="0"/>
+              <a:t>n</a:t>
+            </a:r>
+            <a:r>
+              <a:rPr lang="zh-CN" altLang="zh-CN" dirty="0"/>
+              <a:t>为数组元素个数，每个元素长度为</a:t>
+            </a:r>
+            <a:r>
+              <a:rPr lang="en-US" altLang="zh-CN" dirty="0"/>
+              <a:t>size</a:t>
+            </a:r>
+            <a:r>
+              <a:rPr lang="zh-CN" altLang="zh-CN" dirty="0"/>
+              <a:t>。</a:t>
+            </a:r>
+          </a:p>
+          <a:p>
+            <a:endParaRPr lang="zh-CN" altLang="en-US" dirty="0"/>
+          </a:p>
+        </p:txBody>
+      </p:sp>
+    </p:spTree>
+    <p:extLst>
+      <p:ext uri="{BB962C8B-B14F-4D97-AF65-F5344CB8AC3E}">
+        <p14:creationId xmlns:p14="http://schemas.microsoft.com/office/powerpoint/2010/main" val="190260294"/>
+      </p:ext>
+    </p:extLst>
+  </p:cSld>
+  <p:clrMapOvr>
+    <a:masterClrMapping/>
+  </p:clrMapOvr>
+</p:sld>
+</file>
+
+<file path=ppt/slides/slide8.xml><?xml version="1.0" encoding="utf-8"?>
+<p:sld xmlns:a="http://schemas.openxmlformats.org/drawingml/2006/main" xmlns:r="http://schemas.openxmlformats.org/officeDocument/2006/relationships" xmlns:p="http://schemas.openxmlformats.org/presentationml/2006/main">
+  <p:cSld>
+    <p:spTree>
+      <p:nvGrpSpPr>
+        <p:cNvPr id="1" name=""/>
+        <p:cNvGrpSpPr/>
+        <p:nvPr/>
+      </p:nvGrpSpPr>
+      <p:grpSpPr>
+        <a:xfrm>
+          <a:off x="0" y="0"/>
+          <a:ext cx="0" cy="0"/>
+          <a:chOff x="0" y="0"/>
+          <a:chExt cx="0" cy="0"/>
+        </a:xfrm>
+      </p:grpSpPr>
+      <p:sp>
+        <p:nvSpPr>
+          <p:cNvPr id="2" name="标题 1"/>
+          <p:cNvSpPr>
+            <a:spLocks noGrp="1"/>
+          </p:cNvSpPr>
+          <p:nvPr>
+            <p:ph type="title"/>
+          </p:nvPr>
+        </p:nvSpPr>
+        <p:spPr/>
+        <p:txBody>
+          <a:bodyPr/>
+          <a:lstStyle/>
+          <a:p>
+            <a:endParaRPr lang="zh-CN" altLang="en-US"/>
+          </a:p>
+        </p:txBody>
+      </p:sp>
+      <p:sp>
+        <p:nvSpPr>
+          <p:cNvPr id="3" name="内容占位符 2"/>
+          <p:cNvSpPr>
+            <a:spLocks noGrp="1"/>
+          </p:cNvSpPr>
+          <p:nvPr>
+            <p:ph idx="1"/>
+          </p:nvPr>
+        </p:nvSpPr>
+        <p:spPr/>
+        <p:txBody>
+          <a:bodyPr>
+            <a:normAutofit fontScale="85000" lnSpcReduction="10000"/>
+          </a:bodyPr>
+          <a:lstStyle/>
+          <a:p>
+            <a:r>
+              <a:rPr lang="en-US" altLang="zh-CN" dirty="0"/>
+              <a:t>free</a:t>
+            </a:r>
+            <a:r>
+              <a:rPr lang="zh-CN" altLang="zh-CN" dirty="0"/>
+              <a:t>函数的作用是释放指针变量</a:t>
+            </a:r>
+            <a:r>
+              <a:rPr lang="en-US" altLang="zh-CN" dirty="0"/>
+              <a:t>p</a:t>
+            </a:r>
+            <a:r>
+              <a:rPr lang="zh-CN" altLang="zh-CN" dirty="0"/>
+              <a:t>所指向的动态空间，使这部分空间能重新被其他变量使用。</a:t>
+            </a:r>
+            <a:r>
+              <a:rPr lang="en-US" altLang="zh-CN" dirty="0"/>
+              <a:t>p</a:t>
+            </a:r>
+            <a:r>
+              <a:rPr lang="zh-CN" altLang="zh-CN" dirty="0"/>
+              <a:t>应是最近一次调用</a:t>
+            </a:r>
+            <a:r>
+              <a:rPr lang="en-US" altLang="zh-CN" dirty="0" err="1"/>
+              <a:t>calloc</a:t>
+            </a:r>
+            <a:r>
+              <a:rPr lang="zh-CN" altLang="zh-CN" dirty="0"/>
+              <a:t>或</a:t>
+            </a:r>
+            <a:r>
+              <a:rPr lang="en-US" altLang="zh-CN" dirty="0" err="1"/>
+              <a:t>malloc</a:t>
+            </a:r>
+            <a:r>
+              <a:rPr lang="zh-CN" altLang="zh-CN" dirty="0"/>
+              <a:t>函数时得到的函数返回</a:t>
+            </a:r>
+            <a:r>
+              <a:rPr lang="zh-CN" altLang="zh-CN" dirty="0" smtClean="0"/>
+              <a:t>值</a:t>
+            </a:r>
+            <a:endParaRPr lang="en-US" altLang="zh-CN" dirty="0" smtClean="0"/>
+          </a:p>
+          <a:p>
+            <a:r>
+              <a:rPr lang="zh-CN" altLang="zh-CN" dirty="0" smtClean="0"/>
+              <a:t>对于</a:t>
+            </a:r>
+            <a:r>
+              <a:rPr lang="zh-CN" altLang="zh-CN" dirty="0"/>
+              <a:t>动态分配的内存，一定要使用</a:t>
+            </a:r>
+            <a:r>
+              <a:rPr lang="en-US" altLang="zh-CN" dirty="0"/>
+              <a:t>free</a:t>
+            </a:r>
+            <a:r>
+              <a:rPr lang="zh-CN" altLang="zh-CN" dirty="0"/>
+              <a:t>函数进行释放，否则不符合程序编写</a:t>
+            </a:r>
+            <a:r>
+              <a:rPr lang="en-US" altLang="zh-CN" dirty="0"/>
+              <a:t>“</a:t>
+            </a:r>
+            <a:r>
+              <a:rPr lang="zh-CN" altLang="zh-CN" dirty="0"/>
+              <a:t>有始有终</a:t>
+            </a:r>
+            <a:r>
+              <a:rPr lang="en-US" altLang="zh-CN" dirty="0"/>
+              <a:t>”</a:t>
+            </a:r>
+            <a:r>
+              <a:rPr lang="zh-CN" altLang="zh-CN" dirty="0"/>
+              <a:t>的原则，会为程序留下隐患，导致内存泄漏等</a:t>
+            </a:r>
+            <a:r>
+              <a:rPr lang="en-US" altLang="zh-CN" dirty="0"/>
+              <a:t>bug</a:t>
+            </a:r>
+            <a:r>
+              <a:rPr lang="zh-CN" altLang="zh-CN" dirty="0"/>
+              <a:t>的出现。其函数原型为</a:t>
+            </a:r>
+            <a:r>
+              <a:rPr lang="en-US" altLang="zh-CN" dirty="0"/>
+              <a:t>:</a:t>
+            </a:r>
+            <a:endParaRPr lang="zh-CN" altLang="zh-CN" dirty="0"/>
+          </a:p>
+          <a:p>
+            <a:r>
+              <a:rPr lang="en-US" altLang="zh-CN" dirty="0"/>
+              <a:t>void free</a:t>
+            </a:r>
+            <a:r>
+              <a:rPr lang="en-US" altLang="zh-CN" b="1" dirty="0"/>
+              <a:t>(</a:t>
+            </a:r>
+            <a:r>
+              <a:rPr lang="en-US" altLang="zh-CN" dirty="0"/>
+              <a:t>void </a:t>
+            </a:r>
+            <a:r>
+              <a:rPr lang="en-US" altLang="zh-CN" b="1" dirty="0"/>
+              <a:t>*</a:t>
+            </a:r>
+            <a:r>
+              <a:rPr lang="en-US" altLang="zh-CN" dirty="0"/>
+              <a:t>p</a:t>
+            </a:r>
+            <a:r>
+              <a:rPr lang="en-US" altLang="zh-CN" b="1" dirty="0"/>
+              <a:t>);</a:t>
+            </a:r>
+            <a:r>
+              <a:rPr lang="en-US" altLang="zh-CN" dirty="0"/>
+              <a:t> </a:t>
+            </a:r>
+            <a:endParaRPr lang="zh-CN" altLang="zh-CN" dirty="0"/>
+          </a:p>
+          <a:p>
+            <a:endParaRPr lang="zh-CN" altLang="en-US" dirty="0"/>
+          </a:p>
+        </p:txBody>
+      </p:sp>
+    </p:spTree>
+    <p:extLst>
+      <p:ext uri="{BB962C8B-B14F-4D97-AF65-F5344CB8AC3E}">
+        <p14:creationId xmlns:p14="http://schemas.microsoft.com/office/powerpoint/2010/main" val="2839346016"/>
+      </p:ext>
+    </p:extLst>
+  </p:cSld>
+  <p:clrMapOvr>
+    <a:masterClrMapping/>
+  </p:clrMapOvr>
+</p:sld>
+</file>
+
+<file path=ppt/slides/slide9.xml><?xml version="1.0" encoding="utf-8"?>
+<p:sld xmlns:a="http://schemas.openxmlformats.org/drawingml/2006/main" xmlns:r="http://schemas.openxmlformats.org/officeDocument/2006/relationships" xmlns:p="http://schemas.openxmlformats.org/presentationml/2006/main">
+  <p:cSld>
+    <p:spTree>
+      <p:nvGrpSpPr>
+        <p:cNvPr id="1" name=""/>
+        <p:cNvGrpSpPr/>
+        <p:nvPr/>
+      </p:nvGrpSpPr>
+      <p:grpSpPr>
+        <a:xfrm>
+          <a:off x="0" y="0"/>
+          <a:ext cx="0" cy="0"/>
+          <a:chOff x="0" y="0"/>
+          <a:chExt cx="0" cy="0"/>
+        </a:xfrm>
+      </p:grpSpPr>
+      <p:sp>
+        <p:nvSpPr>
+          <p:cNvPr id="2" name="标题 1"/>
+          <p:cNvSpPr>
+            <a:spLocks noGrp="1"/>
+          </p:cNvSpPr>
+          <p:nvPr>
+            <p:ph type="title"/>
+          </p:nvPr>
+        </p:nvSpPr>
+        <p:spPr/>
+        <p:txBody>
+          <a:bodyPr/>
+          <a:lstStyle/>
+          <a:p>
+            <a:endParaRPr lang="zh-CN" altLang="en-US"/>
+          </a:p>
+        </p:txBody>
+      </p:sp>
+      <p:sp>
+        <p:nvSpPr>
+          <p:cNvPr id="3" name="内容占位符 2"/>
+          <p:cNvSpPr>
+            <a:spLocks noGrp="1"/>
+          </p:cNvSpPr>
+          <p:nvPr>
+            <p:ph idx="1"/>
+          </p:nvPr>
+        </p:nvSpPr>
+        <p:spPr/>
+        <p:txBody>
+          <a:bodyPr/>
+          <a:lstStyle/>
+          <a:p>
+            <a:r>
+              <a:rPr lang="en-US" altLang="zh-CN" dirty="0" err="1"/>
+              <a:t>realloc</a:t>
+            </a:r>
+            <a:r>
+              <a:rPr lang="zh-CN" altLang="zh-CN" dirty="0"/>
+              <a:t>函数的作用是，对已经通过</a:t>
+            </a:r>
+            <a:r>
+              <a:rPr lang="en-US" altLang="zh-CN" dirty="0" err="1"/>
+              <a:t>malloc</a:t>
+            </a:r>
+            <a:r>
+              <a:rPr lang="zh-CN" altLang="zh-CN" dirty="0"/>
+              <a:t>或</a:t>
+            </a:r>
+            <a:r>
+              <a:rPr lang="en-US" altLang="zh-CN" dirty="0" err="1"/>
+              <a:t>calloc</a:t>
+            </a:r>
+            <a:r>
+              <a:rPr lang="zh-CN" altLang="zh-CN" dirty="0"/>
+              <a:t>函数获得的动态空间，改变其空间大小，如果重新分配不成功，返回</a:t>
+            </a:r>
+            <a:r>
+              <a:rPr lang="en-US" altLang="zh-CN" dirty="0"/>
+              <a:t>NULL</a:t>
+            </a:r>
+            <a:r>
+              <a:rPr lang="zh-CN" altLang="zh-CN" dirty="0"/>
+              <a:t>。其函数原型为：</a:t>
+            </a:r>
+          </a:p>
+          <a:p>
+            <a:r>
+              <a:rPr lang="en-US" altLang="zh-CN" dirty="0"/>
+              <a:t>void </a:t>
+            </a:r>
+            <a:r>
+              <a:rPr lang="en-US" altLang="zh-CN" b="1" dirty="0"/>
+              <a:t>*</a:t>
+            </a:r>
+            <a:r>
+              <a:rPr lang="en-US" altLang="zh-CN" dirty="0" err="1"/>
+              <a:t>realloc</a:t>
+            </a:r>
+            <a:r>
+              <a:rPr lang="en-US" altLang="zh-CN" b="1" dirty="0"/>
+              <a:t>(</a:t>
+            </a:r>
+            <a:r>
+              <a:rPr lang="en-US" altLang="zh-CN" dirty="0"/>
+              <a:t>void </a:t>
+            </a:r>
+            <a:r>
+              <a:rPr lang="en-US" altLang="zh-CN" b="1" dirty="0"/>
+              <a:t>*</a:t>
+            </a:r>
+            <a:r>
+              <a:rPr lang="en-US" altLang="zh-CN" dirty="0"/>
+              <a:t>p</a:t>
+            </a:r>
+            <a:r>
+              <a:rPr lang="en-US" altLang="zh-CN" b="1" dirty="0"/>
+              <a:t>,</a:t>
+            </a:r>
+            <a:r>
+              <a:rPr lang="en-US" altLang="zh-CN" dirty="0"/>
+              <a:t> unsigned </a:t>
+            </a:r>
+            <a:r>
+              <a:rPr lang="en-US" altLang="zh-CN" dirty="0" err="1"/>
+              <a:t>int</a:t>
+            </a:r>
+            <a:r>
+              <a:rPr lang="en-US" altLang="zh-CN" dirty="0"/>
+              <a:t> size</a:t>
+            </a:r>
+            <a:r>
+              <a:rPr lang="en-US" altLang="zh-CN" b="1" dirty="0"/>
+              <a:t>);</a:t>
+            </a:r>
+            <a:endParaRPr lang="zh-CN" altLang="zh-CN" dirty="0"/>
+          </a:p>
+          <a:p>
+            <a:endParaRPr lang="zh-CN" altLang="en-US" dirty="0"/>
+          </a:p>
+        </p:txBody>
+      </p:sp>
+    </p:spTree>
+    <p:extLst>
+      <p:ext uri="{BB962C8B-B14F-4D97-AF65-F5344CB8AC3E}">
+        <p14:creationId xmlns:p14="http://schemas.microsoft.com/office/powerpoint/2010/main" val="2244550719"/>
+      </p:ext>
+    </p:extLst>
+  </p:cSld>
+  <p:clrMapOvr>
+    <a:masterClrMapping/>
+  </p:clrMapOvr>
+</p:sld>
+</file>
+
 <file path=ppt/theme/theme1.xml><?xml version="1.0" encoding="utf-8"?>
-<a:theme xmlns:a="http://schemas.openxmlformats.org/drawingml/2006/main" name="Office 主题">
+<a:theme xmlns:a="http://schemas.openxmlformats.org/drawingml/2006/main" name="凤舞九天">
   <a:themeElements>
-    <a:clrScheme name="Office">
+    <a:clrScheme name="凤舞九天">
       <a:dk1>
         <a:sysClr val="windowText" lastClr="000000"/>
       </a:dk1>
@@ -3246,43 +8650,78 @@
         <a:sysClr val="window" lastClr="FFFFFF"/>
       </a:lt1>
       <a:dk2>
-        <a:srgbClr val="1F497D"/>
+        <a:srgbClr val="004646"/>
       </a:dk2>
       <a:lt2>
-        <a:srgbClr val="EEECE1"/>
+        <a:srgbClr val="E1F0FF"/>
       </a:lt2>
       <a:accent1>
-        <a:srgbClr val="4F81BD"/>
+        <a:srgbClr val="50742F"/>
       </a:accent1>
       <a:accent2>
-        <a:srgbClr val="C0504D"/>
+        <a:srgbClr val="268868"/>
       </a:accent2>
       <a:accent3>
-        <a:srgbClr val="9BBB59"/>
+        <a:srgbClr val="33BD56"/>
       </a:accent3>
       <a:accent4>
-        <a:srgbClr val="8064A2"/>
+        <a:srgbClr val="4BC5B9"/>
       </a:accent4>
       <a:accent5>
-        <a:srgbClr val="4BACC6"/>
+        <a:srgbClr val="3163CA"/>
       </a:accent5>
       <a:accent6>
-        <a:srgbClr val="F79646"/>
+        <a:srgbClr val="4B14AA"/>
       </a:accent6>
       <a:hlink>
-        <a:srgbClr val="0000FF"/>
+        <a:srgbClr val="D9BE02"/>
       </a:hlink>
       <a:folHlink>
-        <a:srgbClr val="800080"/>
+        <a:srgbClr val="F900F9"/>
       </a:folHlink>
     </a:clrScheme>
-    <a:fontScheme name="Office">
+    <a:fontScheme name="凤舞九天">
       <a:majorFont>
-        <a:latin typeface="Calibri"/>
+        <a:latin typeface="Footlight MT Light"/>
         <a:ea typeface=""/>
         <a:cs typeface=""/>
         <a:font script="Jpan" typeface="ＭＳ Ｐゴシック"/>
         <a:font script="Hang" typeface="맑은 고딕"/>
+        <a:font script="Hans" typeface="华文新魏"/>
+        <a:font script="Hant" typeface="微軟正黑體"/>
+        <a:font script="Arab" typeface="Arial"/>
+        <a:font script="Hebr" typeface="Arial"/>
+        <a:font script="Thai" typeface="Cordia New"/>
+        <a:font script="Ethi" typeface="Nyala"/>
+        <a:font script="Beng" typeface="Vrinda"/>
+        <a:font script="Gujr" typeface="Shruti"/>
+        <a:font script="Khmr" typeface="DaunPenh"/>
+        <a:font script="Knda" typeface="Tunga"/>
+        <a:font script="Guru" typeface="Raavi"/>
+        <a:font script="Cans" typeface="Euphemia"/>
+        <a:font script="Cher" typeface="Plantagenet Cherokee"/>
+        <a:font script="Yiii" typeface="Microsoft Yi Baiti"/>
+        <a:font script="Tibt" typeface="Microsoft Himalaya"/>
+        <a:font script="Thaa" typeface="MV Boli"/>
+        <a:font script="Deva" typeface="Mangal"/>
+        <a:font script="Telu" typeface="Gautami"/>
+        <a:font script="Taml" typeface="Latha"/>
+        <a:font script="Syrc" typeface="Estrangelo Edessa"/>
+        <a:font script="Orya" typeface="Kalinga"/>
+        <a:font script="Mlym" typeface="Kartika"/>
+        <a:font script="Laoo" typeface="DokChampa"/>
+        <a:font script="Sinh" typeface="Iskoola Pota"/>
+        <a:font script="Mong" typeface="Mongolian Baiti"/>
+        <a:font script="Viet" typeface="Arial"/>
+        <a:font script="Uigh" typeface="Microsoft Uighur"/>
+        <a:font script="Geor" typeface="Sylfaen"/>
+      </a:majorFont>
+      <a:minorFont>
+        <a:latin typeface="Goudy Old Style"/>
+        <a:ea typeface=""/>
+        <a:cs typeface=""/>
+        <a:font script="Jpan" typeface="ＭＳ Ｐ明朝"/>
+        <a:font script="Hang" typeface="HY견명조"/>
         <a:font script="Hans" typeface="宋体"/>
         <a:font script="Hant" typeface="新細明體"/>
         <a:font script="Arab" typeface="Times New Roman"/>
@@ -3310,101 +8749,70 @@
         <a:font script="Mong" typeface="Mongolian Baiti"/>
         <a:font script="Viet" typeface="Times New Roman"/>
         <a:font script="Uigh" typeface="Microsoft Uighur"/>
-      </a:majorFont>
-      <a:minorFont>
-        <a:latin typeface="Calibri"/>
-        <a:ea typeface=""/>
-        <a:cs typeface=""/>
-        <a:font script="Jpan" typeface="ＭＳ Ｐゴシック"/>
-        <a:font script="Hang" typeface="맑은 고딕"/>
-        <a:font script="Hans" typeface="宋体"/>
-        <a:font script="Hant" typeface="新細明體"/>
-        <a:font script="Arab" typeface="Arial"/>
-        <a:font script="Hebr" typeface="Arial"/>
-        <a:font script="Thai" typeface="Cordia New"/>
-        <a:font script="Ethi" typeface="Nyala"/>
-        <a:font script="Beng" typeface="Vrinda"/>
-        <a:font script="Gujr" typeface="Shruti"/>
-        <a:font script="Khmr" typeface="DaunPenh"/>
-        <a:font script="Knda" typeface="Tunga"/>
-        <a:font script="Guru" typeface="Raavi"/>
-        <a:font script="Cans" typeface="Euphemia"/>
-        <a:font script="Cher" typeface="Plantagenet Cherokee"/>
-        <a:font script="Yiii" typeface="Microsoft Yi Baiti"/>
-        <a:font script="Tibt" typeface="Microsoft Himalaya"/>
-        <a:font script="Thaa" typeface="MV Boli"/>
-        <a:font script="Deva" typeface="Mangal"/>
-        <a:font script="Telu" typeface="Gautami"/>
-        <a:font script="Taml" typeface="Latha"/>
-        <a:font script="Syrc" typeface="Estrangelo Edessa"/>
-        <a:font script="Orya" typeface="Kalinga"/>
-        <a:font script="Mlym" typeface="Kartika"/>
-        <a:font script="Laoo" typeface="DokChampa"/>
-        <a:font script="Sinh" typeface="Iskoola Pota"/>
-        <a:font script="Mong" typeface="Mongolian Baiti"/>
-        <a:font script="Viet" typeface="Arial"/>
-        <a:font script="Uigh" typeface="Microsoft Uighur"/>
+        <a:font script="Geor" typeface="Sylfaen"/>
       </a:minorFont>
     </a:fontScheme>
-    <a:fmtScheme name="Office">
+    <a:fmtScheme name="凤舞九天">
       <a:fillStyleLst>
         <a:solidFill>
-          <a:schemeClr val="phClr"/>
+          <a:schemeClr val="phClr">
+            <a:tint val="100000"/>
+            <a:shade val="100000"/>
+            <a:hueMod val="100000"/>
+            <a:satMod val="100000"/>
+          </a:schemeClr>
         </a:solidFill>
         <a:gradFill rotWithShape="1">
           <a:gsLst>
             <a:gs pos="0">
               <a:schemeClr val="phClr">
-                <a:tint val="50000"/>
-                <a:satMod val="300000"/>
+                <a:tint val="65000"/>
+                <a:satMod val="180000"/>
               </a:schemeClr>
             </a:gs>
-            <a:gs pos="35000">
+            <a:gs pos="50000">
               <a:schemeClr val="phClr">
-                <a:tint val="37000"/>
-                <a:satMod val="300000"/>
+                <a:tint val="40000"/>
+                <a:satMod val="175000"/>
               </a:schemeClr>
             </a:gs>
             <a:gs pos="100000">
               <a:schemeClr val="phClr">
-                <a:tint val="15000"/>
-                <a:satMod val="350000"/>
+                <a:tint val="65000"/>
+                <a:satMod val="180000"/>
               </a:schemeClr>
             </a:gs>
           </a:gsLst>
-          <a:lin ang="16200000" scaled="1"/>
+          <a:lin ang="0" scaled="1"/>
         </a:gradFill>
         <a:gradFill rotWithShape="1">
           <a:gsLst>
             <a:gs pos="0">
               <a:schemeClr val="phClr">
-                <a:shade val="51000"/>
-                <a:satMod val="130000"/>
+                <a:shade val="38000"/>
+                <a:satMod val="150000"/>
               </a:schemeClr>
             </a:gs>
-            <a:gs pos="80000">
+            <a:gs pos="50000">
               <a:schemeClr val="phClr">
-                <a:shade val="93000"/>
-                <a:satMod val="130000"/>
+                <a:shade val="100000"/>
+                <a:satMod val="100000"/>
               </a:schemeClr>
             </a:gs>
             <a:gs pos="100000">
               <a:schemeClr val="phClr">
-                <a:shade val="94000"/>
-                <a:satMod val="135000"/>
+                <a:shade val="38000"/>
+                <a:satMod val="150000"/>
               </a:schemeClr>
             </a:gs>
           </a:gsLst>
-          <a:lin ang="16200000" scaled="0"/>
+          <a:lin ang="0" scaled="1"/>
         </a:gradFill>
       </a:fillStyleLst>
       <a:lnStyleLst>
-        <a:ln w="9525" cap="flat" cmpd="sng" algn="ctr">
+        <a:ln w="12700" cap="flat" cmpd="sng" algn="ctr">
           <a:solidFill>
-            <a:schemeClr val="phClr">
-              <a:shade val="95000"/>
-              <a:satMod val="105000"/>
-            </a:schemeClr>
+            <a:schemeClr val="phClr"/>
           </a:solidFill>
           <a:prstDash val="solid"/>
         </a:ln>
@@ -3414,7 +8822,7 @@
           </a:solidFill>
           <a:prstDash val="solid"/>
         </a:ln>
-        <a:ln w="38100" cap="flat" cmpd="sng" algn="ctr">
+        <a:ln w="38100" cap="flat" cmpd="dbl" algn="ctr">
           <a:solidFill>
             <a:schemeClr val="phClr"/>
           </a:solidFill>
@@ -3424,92 +8832,96 @@
       <a:effectStyleLst>
         <a:effectStyle>
           <a:effectLst>
-            <a:outerShdw blurRad="40000" dist="20000" dir="5400000" rotWithShape="0">
+            <a:outerShdw blurRad="190500" dist="78600" dir="2700000" rotWithShape="0">
               <a:srgbClr val="000000">
-                <a:alpha val="38000"/>
+                <a:alpha val="35500"/>
               </a:srgbClr>
             </a:outerShdw>
           </a:effectLst>
         </a:effectStyle>
         <a:effectStyle>
           <a:effectLst>
-            <a:outerShdw blurRad="40000" dist="23000" dir="5400000" rotWithShape="0">
+            <a:outerShdw blurRad="190500" dist="78600" dir="2700000" rotWithShape="0">
               <a:srgbClr val="000000">
-                <a:alpha val="35000"/>
+                <a:alpha val="35500"/>
               </a:srgbClr>
             </a:outerShdw>
           </a:effectLst>
         </a:effectStyle>
         <a:effectStyle>
           <a:effectLst>
-            <a:outerShdw blurRad="40000" dist="23000" dir="5400000" rotWithShape="0">
+            <a:outerShdw blurRad="190500" dist="78600" dir="2700000" rotWithShape="0">
               <a:srgbClr val="000000">
-                <a:alpha val="35000"/>
+                <a:alpha val="35500"/>
               </a:srgbClr>
             </a:outerShdw>
           </a:effectLst>
           <a:scene3d>
-            <a:camera prst="orthographicFront">
+            <a:camera prst="orthographicFront" fov="0">
               <a:rot lat="0" lon="0" rev="0"/>
             </a:camera>
-            <a:lightRig rig="threePt" dir="t">
-              <a:rot lat="0" lon="0" rev="1200000"/>
+            <a:lightRig rig="soft" dir="tl">
+              <a:rot lat="0" lon="0" rev="20100000"/>
             </a:lightRig>
           </a:scene3d>
           <a:sp3d>
-            <a:bevelT w="63500" h="25400"/>
+            <a:bevelT w="50800" h="50800"/>
           </a:sp3d>
         </a:effectStyle>
       </a:effectStyleLst>
       <a:bgFillStyleLst>
         <a:solidFill>
-          <a:schemeClr val="phClr"/>
+          <a:schemeClr val="phClr">
+            <a:tint val="100000"/>
+            <a:shade val="100000"/>
+            <a:hueMod val="100000"/>
+            <a:satMod val="100000"/>
+          </a:schemeClr>
         </a:solidFill>
         <a:gradFill rotWithShape="1">
           <a:gsLst>
             <a:gs pos="0">
               <a:schemeClr val="phClr">
-                <a:tint val="40000"/>
-                <a:satMod val="350000"/>
+                <a:tint val="80000"/>
+                <a:satMod val="400000"/>
               </a:schemeClr>
             </a:gs>
-            <a:gs pos="40000">
+            <a:gs pos="25000">
               <a:schemeClr val="phClr">
-                <a:tint val="45000"/>
-                <a:shade val="99000"/>
-                <a:satMod val="350000"/>
-              </a:schemeClr>
-            </a:gs>
-            <a:gs pos="100000">
-              <a:schemeClr val="phClr">
-                <a:shade val="20000"/>
-                <a:satMod val="255000"/>
-              </a:schemeClr>
-            </a:gs>
-          </a:gsLst>
-          <a:path path="circle">
-            <a:fillToRect l="50000" t="-80000" r="50000" b="180000"/>
-          </a:path>
-        </a:gradFill>
-        <a:gradFill rotWithShape="1">
-          <a:gsLst>
-            <a:gs pos="0">
-              <a:schemeClr val="phClr">
-                <a:tint val="80000"/>
+                <a:tint val="83000"/>
                 <a:satMod val="300000"/>
               </a:schemeClr>
             </a:gs>
             <a:gs pos="100000">
               <a:schemeClr val="phClr">
-                <a:shade val="30000"/>
-                <a:satMod val="200000"/>
+                <a:shade val="15000"/>
+                <a:satMod val="300000"/>
               </a:schemeClr>
             </a:gs>
           </a:gsLst>
           <a:path path="circle">
-            <a:fillToRect l="50000" t="50000" r="50000" b="50000"/>
+            <a:fillToRect l="10000" t="180000" r="10000" b="50000"/>
           </a:path>
         </a:gradFill>
+        <a:blipFill>
+          <a:blip xmlns:r="http://schemas.openxmlformats.org/officeDocument/2006/relationships" r:embed="rId1">
+            <a:duotone>
+              <a:schemeClr val="phClr">
+                <a:tint val="100000"/>
+                <a:shade val="70000"/>
+                <a:hueMod val="100000"/>
+                <a:satMod val="100000"/>
+              </a:schemeClr>
+              <a:schemeClr val="phClr">
+                <a:tint val="90000"/>
+                <a:shade val="100000"/>
+                <a:hueMod val="100000"/>
+                <a:satMod val="100000"/>
+              </a:schemeClr>
+            </a:duotone>
+          </a:blip>
+          <a:tile tx="0" ty="0" sx="50000" sy="50000" flip="x" algn="tl"/>
+        </a:blipFill>
       </a:bgFillStyleLst>
     </a:fmtScheme>
   </a:themeElements>
